--- a/NPV_Statitical Anlysis of Diabetes Dataset/team.pptx
+++ b/NPV_Statitical Anlysis of Diabetes Dataset/team.pptx
@@ -106,7 +106,7 @@
   </p:defaultTextStyle>
   <p:extLst>
     <p:ext uri="{EFAFB233-063F-42B5-8137-9DF3F51BA10A}">
-      <p15:sldGuideLst xmlns:p15="http://schemas.microsoft.com/office/powerpoint/2012/main"/>
+      <p15:sldGuideLst xmlns:p15="http://schemas.microsoft.com/office/powerpoint/2012/main" xmlns=""/>
     </p:ext>
   </p:extLst>
 </p:presentation>
@@ -134,7 +134,7 @@
           <p:cNvPr id="2" name="Title 1">
             <a:extLst>
               <a:ext uri="{FF2B5EF4-FFF2-40B4-BE49-F238E27FC236}">
-                <a16:creationId xmlns:a16="http://schemas.microsoft.com/office/drawing/2014/main" id="{A63EC736-9F3D-45FA-A094-344B7C968BB2}"/>
+                <a16:creationId xmlns:a16="http://schemas.microsoft.com/office/drawing/2014/main" xmlns="" id="{A63EC736-9F3D-45FA-A094-344B7C968BB2}"/>
               </a:ext>
             </a:extLst>
           </p:cNvPr>
@@ -171,7 +171,7 @@
           <p:cNvPr id="3" name="Subtitle 2">
             <a:extLst>
               <a:ext uri="{FF2B5EF4-FFF2-40B4-BE49-F238E27FC236}">
-                <a16:creationId xmlns:a16="http://schemas.microsoft.com/office/drawing/2014/main" id="{0C6FD3EF-04EC-43FF-9EC9-A88240CE7E81}"/>
+                <a16:creationId xmlns:a16="http://schemas.microsoft.com/office/drawing/2014/main" xmlns="" id="{0C6FD3EF-04EC-43FF-9EC9-A88240CE7E81}"/>
               </a:ext>
             </a:extLst>
           </p:cNvPr>
@@ -241,7 +241,7 @@
           <p:cNvPr id="4" name="Date Placeholder 3">
             <a:extLst>
               <a:ext uri="{FF2B5EF4-FFF2-40B4-BE49-F238E27FC236}">
-                <a16:creationId xmlns:a16="http://schemas.microsoft.com/office/drawing/2014/main" id="{E54746D7-F53A-4AB5-82BB-168CC988B2E4}"/>
+                <a16:creationId xmlns:a16="http://schemas.microsoft.com/office/drawing/2014/main" xmlns="" id="{E54746D7-F53A-4AB5-82BB-168CC988B2E4}"/>
               </a:ext>
             </a:extLst>
           </p:cNvPr>
@@ -259,7 +259,7 @@
           <a:p>
             <a:fld id="{1B694823-1AD5-41CB-B83E-861DF0C32322}" type="datetimeFigureOut">
               <a:rPr lang="en-US" smtClean="0"/>
-              <a:t>30/03/2021</a:t>
+              <a:t>3/31/2021</a:t>
             </a:fld>
             <a:endParaRPr lang="en-US"/>
           </a:p>
@@ -270,7 +270,7 @@
           <p:cNvPr id="5" name="Footer Placeholder 4">
             <a:extLst>
               <a:ext uri="{FF2B5EF4-FFF2-40B4-BE49-F238E27FC236}">
-                <a16:creationId xmlns:a16="http://schemas.microsoft.com/office/drawing/2014/main" id="{62ABDB6E-1337-40C7-A73B-02ABC98179B7}"/>
+                <a16:creationId xmlns:a16="http://schemas.microsoft.com/office/drawing/2014/main" xmlns="" id="{62ABDB6E-1337-40C7-A73B-02ABC98179B7}"/>
               </a:ext>
             </a:extLst>
           </p:cNvPr>
@@ -295,7 +295,7 @@
           <p:cNvPr id="6" name="Slide Number Placeholder 5">
             <a:extLst>
               <a:ext uri="{FF2B5EF4-FFF2-40B4-BE49-F238E27FC236}">
-                <a16:creationId xmlns:a16="http://schemas.microsoft.com/office/drawing/2014/main" id="{8670223D-0D8D-4C96-856A-4FC7F8130C67}"/>
+                <a16:creationId xmlns:a16="http://schemas.microsoft.com/office/drawing/2014/main" xmlns="" id="{8670223D-0D8D-4C96-856A-4FC7F8130C67}"/>
               </a:ext>
             </a:extLst>
           </p:cNvPr>
@@ -354,7 +354,7 @@
           <p:cNvPr id="2" name="Title 1">
             <a:extLst>
               <a:ext uri="{FF2B5EF4-FFF2-40B4-BE49-F238E27FC236}">
-                <a16:creationId xmlns:a16="http://schemas.microsoft.com/office/drawing/2014/main" id="{634FFE70-D31B-4103-8D73-11260CB14395}"/>
+                <a16:creationId xmlns:a16="http://schemas.microsoft.com/office/drawing/2014/main" xmlns="" id="{634FFE70-D31B-4103-8D73-11260CB14395}"/>
               </a:ext>
             </a:extLst>
           </p:cNvPr>
@@ -382,7 +382,7 @@
           <p:cNvPr id="3" name="Vertical Text Placeholder 2">
             <a:extLst>
               <a:ext uri="{FF2B5EF4-FFF2-40B4-BE49-F238E27FC236}">
-                <a16:creationId xmlns:a16="http://schemas.microsoft.com/office/drawing/2014/main" id="{6EA78BD8-35CE-4AEC-898D-11B85302B773}"/>
+                <a16:creationId xmlns:a16="http://schemas.microsoft.com/office/drawing/2014/main" xmlns="" id="{6EA78BD8-35CE-4AEC-898D-11B85302B773}"/>
               </a:ext>
             </a:extLst>
           </p:cNvPr>
@@ -439,7 +439,7 @@
           <p:cNvPr id="4" name="Date Placeholder 3">
             <a:extLst>
               <a:ext uri="{FF2B5EF4-FFF2-40B4-BE49-F238E27FC236}">
-                <a16:creationId xmlns:a16="http://schemas.microsoft.com/office/drawing/2014/main" id="{689D5C5A-A96E-446C-9B6D-808E8E16B327}"/>
+                <a16:creationId xmlns:a16="http://schemas.microsoft.com/office/drawing/2014/main" xmlns="" id="{689D5C5A-A96E-446C-9B6D-808E8E16B327}"/>
               </a:ext>
             </a:extLst>
           </p:cNvPr>
@@ -457,7 +457,7 @@
           <a:p>
             <a:fld id="{1B694823-1AD5-41CB-B83E-861DF0C32322}" type="datetimeFigureOut">
               <a:rPr lang="en-US" smtClean="0"/>
-              <a:t>30/03/2021</a:t>
+              <a:t>3/31/2021</a:t>
             </a:fld>
             <a:endParaRPr lang="en-US"/>
           </a:p>
@@ -468,7 +468,7 @@
           <p:cNvPr id="5" name="Footer Placeholder 4">
             <a:extLst>
               <a:ext uri="{FF2B5EF4-FFF2-40B4-BE49-F238E27FC236}">
-                <a16:creationId xmlns:a16="http://schemas.microsoft.com/office/drawing/2014/main" id="{1539F5F2-69A5-4035-B6FA-EF66276E375B}"/>
+                <a16:creationId xmlns:a16="http://schemas.microsoft.com/office/drawing/2014/main" xmlns="" id="{1539F5F2-69A5-4035-B6FA-EF66276E375B}"/>
               </a:ext>
             </a:extLst>
           </p:cNvPr>
@@ -493,7 +493,7 @@
           <p:cNvPr id="6" name="Slide Number Placeholder 5">
             <a:extLst>
               <a:ext uri="{FF2B5EF4-FFF2-40B4-BE49-F238E27FC236}">
-                <a16:creationId xmlns:a16="http://schemas.microsoft.com/office/drawing/2014/main" id="{79CD72E1-E592-4971-99D4-6E8DD7A1D70B}"/>
+                <a16:creationId xmlns:a16="http://schemas.microsoft.com/office/drawing/2014/main" xmlns="" id="{79CD72E1-E592-4971-99D4-6E8DD7A1D70B}"/>
               </a:ext>
             </a:extLst>
           </p:cNvPr>
@@ -552,7 +552,7 @@
           <p:cNvPr id="2" name="Vertical Title 1">
             <a:extLst>
               <a:ext uri="{FF2B5EF4-FFF2-40B4-BE49-F238E27FC236}">
-                <a16:creationId xmlns:a16="http://schemas.microsoft.com/office/drawing/2014/main" id="{5CF6B3B2-1292-4E89-8F67-FF3EF41923A1}"/>
+                <a16:creationId xmlns:a16="http://schemas.microsoft.com/office/drawing/2014/main" xmlns="" id="{5CF6B3B2-1292-4E89-8F67-FF3EF41923A1}"/>
               </a:ext>
             </a:extLst>
           </p:cNvPr>
@@ -585,7 +585,7 @@
           <p:cNvPr id="3" name="Vertical Text Placeholder 2">
             <a:extLst>
               <a:ext uri="{FF2B5EF4-FFF2-40B4-BE49-F238E27FC236}">
-                <a16:creationId xmlns:a16="http://schemas.microsoft.com/office/drawing/2014/main" id="{C5FC53FE-4C5A-4DF8-9677-F3ED6ED7F550}"/>
+                <a16:creationId xmlns:a16="http://schemas.microsoft.com/office/drawing/2014/main" xmlns="" id="{C5FC53FE-4C5A-4DF8-9677-F3ED6ED7F550}"/>
               </a:ext>
             </a:extLst>
           </p:cNvPr>
@@ -647,7 +647,7 @@
           <p:cNvPr id="4" name="Date Placeholder 3">
             <a:extLst>
               <a:ext uri="{FF2B5EF4-FFF2-40B4-BE49-F238E27FC236}">
-                <a16:creationId xmlns:a16="http://schemas.microsoft.com/office/drawing/2014/main" id="{63918EE3-87BE-4BE1-9783-65064EA03971}"/>
+                <a16:creationId xmlns:a16="http://schemas.microsoft.com/office/drawing/2014/main" xmlns="" id="{63918EE3-87BE-4BE1-9783-65064EA03971}"/>
               </a:ext>
             </a:extLst>
           </p:cNvPr>
@@ -665,7 +665,7 @@
           <a:p>
             <a:fld id="{1B694823-1AD5-41CB-B83E-861DF0C32322}" type="datetimeFigureOut">
               <a:rPr lang="en-US" smtClean="0"/>
-              <a:t>30/03/2021</a:t>
+              <a:t>3/31/2021</a:t>
             </a:fld>
             <a:endParaRPr lang="en-US"/>
           </a:p>
@@ -676,7 +676,7 @@
           <p:cNvPr id="5" name="Footer Placeholder 4">
             <a:extLst>
               <a:ext uri="{FF2B5EF4-FFF2-40B4-BE49-F238E27FC236}">
-                <a16:creationId xmlns:a16="http://schemas.microsoft.com/office/drawing/2014/main" id="{894F03CE-3EE0-418A-94C5-4E8494B5A267}"/>
+                <a16:creationId xmlns:a16="http://schemas.microsoft.com/office/drawing/2014/main" xmlns="" id="{894F03CE-3EE0-418A-94C5-4E8494B5A267}"/>
               </a:ext>
             </a:extLst>
           </p:cNvPr>
@@ -701,7 +701,7 @@
           <p:cNvPr id="6" name="Slide Number Placeholder 5">
             <a:extLst>
               <a:ext uri="{FF2B5EF4-FFF2-40B4-BE49-F238E27FC236}">
-                <a16:creationId xmlns:a16="http://schemas.microsoft.com/office/drawing/2014/main" id="{825D9F46-FE53-4CA6-8CA7-6A8E2E9E10BD}"/>
+                <a16:creationId xmlns:a16="http://schemas.microsoft.com/office/drawing/2014/main" xmlns="" id="{825D9F46-FE53-4CA6-8CA7-6A8E2E9E10BD}"/>
               </a:ext>
             </a:extLst>
           </p:cNvPr>
@@ -760,7 +760,7 @@
           <p:cNvPr id="2" name="Title 1">
             <a:extLst>
               <a:ext uri="{FF2B5EF4-FFF2-40B4-BE49-F238E27FC236}">
-                <a16:creationId xmlns:a16="http://schemas.microsoft.com/office/drawing/2014/main" id="{CBE3E2B8-FAB0-41CA-BD5A-73F2F5F5B5CC}"/>
+                <a16:creationId xmlns:a16="http://schemas.microsoft.com/office/drawing/2014/main" xmlns="" id="{CBE3E2B8-FAB0-41CA-BD5A-73F2F5F5B5CC}"/>
               </a:ext>
             </a:extLst>
           </p:cNvPr>
@@ -788,7 +788,7 @@
           <p:cNvPr id="3" name="Content Placeholder 2">
             <a:extLst>
               <a:ext uri="{FF2B5EF4-FFF2-40B4-BE49-F238E27FC236}">
-                <a16:creationId xmlns:a16="http://schemas.microsoft.com/office/drawing/2014/main" id="{2BB63E90-011B-4274-ADB9-BFB0A851C60D}"/>
+                <a16:creationId xmlns:a16="http://schemas.microsoft.com/office/drawing/2014/main" xmlns="" id="{2BB63E90-011B-4274-ADB9-BFB0A851C60D}"/>
               </a:ext>
             </a:extLst>
           </p:cNvPr>
@@ -845,7 +845,7 @@
           <p:cNvPr id="4" name="Date Placeholder 3">
             <a:extLst>
               <a:ext uri="{FF2B5EF4-FFF2-40B4-BE49-F238E27FC236}">
-                <a16:creationId xmlns:a16="http://schemas.microsoft.com/office/drawing/2014/main" id="{FC53765C-B7F9-48A0-9AD8-94EEFD994F74}"/>
+                <a16:creationId xmlns:a16="http://schemas.microsoft.com/office/drawing/2014/main" xmlns="" id="{FC53765C-B7F9-48A0-9AD8-94EEFD994F74}"/>
               </a:ext>
             </a:extLst>
           </p:cNvPr>
@@ -863,7 +863,7 @@
           <a:p>
             <a:fld id="{1B694823-1AD5-41CB-B83E-861DF0C32322}" type="datetimeFigureOut">
               <a:rPr lang="en-US" smtClean="0"/>
-              <a:t>30/03/2021</a:t>
+              <a:t>3/31/2021</a:t>
             </a:fld>
             <a:endParaRPr lang="en-US"/>
           </a:p>
@@ -874,7 +874,7 @@
           <p:cNvPr id="5" name="Footer Placeholder 4">
             <a:extLst>
               <a:ext uri="{FF2B5EF4-FFF2-40B4-BE49-F238E27FC236}">
-                <a16:creationId xmlns:a16="http://schemas.microsoft.com/office/drawing/2014/main" id="{D1CA6D41-079C-4A63-BEBF-6FAED49A5EEB}"/>
+                <a16:creationId xmlns:a16="http://schemas.microsoft.com/office/drawing/2014/main" xmlns="" id="{D1CA6D41-079C-4A63-BEBF-6FAED49A5EEB}"/>
               </a:ext>
             </a:extLst>
           </p:cNvPr>
@@ -899,7 +899,7 @@
           <p:cNvPr id="6" name="Slide Number Placeholder 5">
             <a:extLst>
               <a:ext uri="{FF2B5EF4-FFF2-40B4-BE49-F238E27FC236}">
-                <a16:creationId xmlns:a16="http://schemas.microsoft.com/office/drawing/2014/main" id="{59579009-854F-4A40-B438-E192835A0755}"/>
+                <a16:creationId xmlns:a16="http://schemas.microsoft.com/office/drawing/2014/main" xmlns="" id="{59579009-854F-4A40-B438-E192835A0755}"/>
               </a:ext>
             </a:extLst>
           </p:cNvPr>
@@ -958,7 +958,7 @@
           <p:cNvPr id="2" name="Title 1">
             <a:extLst>
               <a:ext uri="{FF2B5EF4-FFF2-40B4-BE49-F238E27FC236}">
-                <a16:creationId xmlns:a16="http://schemas.microsoft.com/office/drawing/2014/main" id="{0BE948C8-FBCE-4CC7-9719-726AD3AB6A42}"/>
+                <a16:creationId xmlns:a16="http://schemas.microsoft.com/office/drawing/2014/main" xmlns="" id="{0BE948C8-FBCE-4CC7-9719-726AD3AB6A42}"/>
               </a:ext>
             </a:extLst>
           </p:cNvPr>
@@ -995,7 +995,7 @@
           <p:cNvPr id="3" name="Text Placeholder 2">
             <a:extLst>
               <a:ext uri="{FF2B5EF4-FFF2-40B4-BE49-F238E27FC236}">
-                <a16:creationId xmlns:a16="http://schemas.microsoft.com/office/drawing/2014/main" id="{706CE389-3853-422D-BE42-F4CB71BBD9D9}"/>
+                <a16:creationId xmlns:a16="http://schemas.microsoft.com/office/drawing/2014/main" xmlns="" id="{706CE389-3853-422D-BE42-F4CB71BBD9D9}"/>
               </a:ext>
             </a:extLst>
           </p:cNvPr>
@@ -1120,7 +1120,7 @@
           <p:cNvPr id="4" name="Date Placeholder 3">
             <a:extLst>
               <a:ext uri="{FF2B5EF4-FFF2-40B4-BE49-F238E27FC236}">
-                <a16:creationId xmlns:a16="http://schemas.microsoft.com/office/drawing/2014/main" id="{99913F53-CB0D-4029-9CD0-FA29C07C57F4}"/>
+                <a16:creationId xmlns:a16="http://schemas.microsoft.com/office/drawing/2014/main" xmlns="" id="{99913F53-CB0D-4029-9CD0-FA29C07C57F4}"/>
               </a:ext>
             </a:extLst>
           </p:cNvPr>
@@ -1138,7 +1138,7 @@
           <a:p>
             <a:fld id="{1B694823-1AD5-41CB-B83E-861DF0C32322}" type="datetimeFigureOut">
               <a:rPr lang="en-US" smtClean="0"/>
-              <a:t>30/03/2021</a:t>
+              <a:t>3/31/2021</a:t>
             </a:fld>
             <a:endParaRPr lang="en-US"/>
           </a:p>
@@ -1149,7 +1149,7 @@
           <p:cNvPr id="5" name="Footer Placeholder 4">
             <a:extLst>
               <a:ext uri="{FF2B5EF4-FFF2-40B4-BE49-F238E27FC236}">
-                <a16:creationId xmlns:a16="http://schemas.microsoft.com/office/drawing/2014/main" id="{7CCC8FBC-55C9-422E-8C3B-34B3B8DCB527}"/>
+                <a16:creationId xmlns:a16="http://schemas.microsoft.com/office/drawing/2014/main" xmlns="" id="{7CCC8FBC-55C9-422E-8C3B-34B3B8DCB527}"/>
               </a:ext>
             </a:extLst>
           </p:cNvPr>
@@ -1174,7 +1174,7 @@
           <p:cNvPr id="6" name="Slide Number Placeholder 5">
             <a:extLst>
               <a:ext uri="{FF2B5EF4-FFF2-40B4-BE49-F238E27FC236}">
-                <a16:creationId xmlns:a16="http://schemas.microsoft.com/office/drawing/2014/main" id="{67686B23-AA94-4004-B8EF-6AD4C5E61AA4}"/>
+                <a16:creationId xmlns:a16="http://schemas.microsoft.com/office/drawing/2014/main" xmlns="" id="{67686B23-AA94-4004-B8EF-6AD4C5E61AA4}"/>
               </a:ext>
             </a:extLst>
           </p:cNvPr>
@@ -1233,7 +1233,7 @@
           <p:cNvPr id="2" name="Title 1">
             <a:extLst>
               <a:ext uri="{FF2B5EF4-FFF2-40B4-BE49-F238E27FC236}">
-                <a16:creationId xmlns:a16="http://schemas.microsoft.com/office/drawing/2014/main" id="{67959307-D73F-426A-AC00-39F1EDA53BE7}"/>
+                <a16:creationId xmlns:a16="http://schemas.microsoft.com/office/drawing/2014/main" xmlns="" id="{67959307-D73F-426A-AC00-39F1EDA53BE7}"/>
               </a:ext>
             </a:extLst>
           </p:cNvPr>
@@ -1261,7 +1261,7 @@
           <p:cNvPr id="3" name="Content Placeholder 2">
             <a:extLst>
               <a:ext uri="{FF2B5EF4-FFF2-40B4-BE49-F238E27FC236}">
-                <a16:creationId xmlns:a16="http://schemas.microsoft.com/office/drawing/2014/main" id="{A6509B0A-B4EF-4D7A-A397-86AD97A2F816}"/>
+                <a16:creationId xmlns:a16="http://schemas.microsoft.com/office/drawing/2014/main" xmlns="" id="{A6509B0A-B4EF-4D7A-A397-86AD97A2F816}"/>
               </a:ext>
             </a:extLst>
           </p:cNvPr>
@@ -1323,7 +1323,7 @@
           <p:cNvPr id="4" name="Content Placeholder 3">
             <a:extLst>
               <a:ext uri="{FF2B5EF4-FFF2-40B4-BE49-F238E27FC236}">
-                <a16:creationId xmlns:a16="http://schemas.microsoft.com/office/drawing/2014/main" id="{C6981626-7AC2-4EB6-A57F-64C77A5BCEE9}"/>
+                <a16:creationId xmlns:a16="http://schemas.microsoft.com/office/drawing/2014/main" xmlns="" id="{C6981626-7AC2-4EB6-A57F-64C77A5BCEE9}"/>
               </a:ext>
             </a:extLst>
           </p:cNvPr>
@@ -1385,7 +1385,7 @@
           <p:cNvPr id="5" name="Date Placeholder 4">
             <a:extLst>
               <a:ext uri="{FF2B5EF4-FFF2-40B4-BE49-F238E27FC236}">
-                <a16:creationId xmlns:a16="http://schemas.microsoft.com/office/drawing/2014/main" id="{2DDD8A84-9213-49D9-B076-F638EB5BD149}"/>
+                <a16:creationId xmlns:a16="http://schemas.microsoft.com/office/drawing/2014/main" xmlns="" id="{2DDD8A84-9213-49D9-B076-F638EB5BD149}"/>
               </a:ext>
             </a:extLst>
           </p:cNvPr>
@@ -1403,7 +1403,7 @@
           <a:p>
             <a:fld id="{1B694823-1AD5-41CB-B83E-861DF0C32322}" type="datetimeFigureOut">
               <a:rPr lang="en-US" smtClean="0"/>
-              <a:t>30/03/2021</a:t>
+              <a:t>3/31/2021</a:t>
             </a:fld>
             <a:endParaRPr lang="en-US"/>
           </a:p>
@@ -1414,7 +1414,7 @@
           <p:cNvPr id="6" name="Footer Placeholder 5">
             <a:extLst>
               <a:ext uri="{FF2B5EF4-FFF2-40B4-BE49-F238E27FC236}">
-                <a16:creationId xmlns:a16="http://schemas.microsoft.com/office/drawing/2014/main" id="{75EE78A4-1A86-4DE3-BFB7-E284409309A2}"/>
+                <a16:creationId xmlns:a16="http://schemas.microsoft.com/office/drawing/2014/main" xmlns="" id="{75EE78A4-1A86-4DE3-BFB7-E284409309A2}"/>
               </a:ext>
             </a:extLst>
           </p:cNvPr>
@@ -1439,7 +1439,7 @@
           <p:cNvPr id="7" name="Slide Number Placeholder 6">
             <a:extLst>
               <a:ext uri="{FF2B5EF4-FFF2-40B4-BE49-F238E27FC236}">
-                <a16:creationId xmlns:a16="http://schemas.microsoft.com/office/drawing/2014/main" id="{2D20653C-BCD9-48AF-BED6-9148F1BF1AD3}"/>
+                <a16:creationId xmlns:a16="http://schemas.microsoft.com/office/drawing/2014/main" xmlns="" id="{2D20653C-BCD9-48AF-BED6-9148F1BF1AD3}"/>
               </a:ext>
             </a:extLst>
           </p:cNvPr>
@@ -1498,7 +1498,7 @@
           <p:cNvPr id="2" name="Title 1">
             <a:extLst>
               <a:ext uri="{FF2B5EF4-FFF2-40B4-BE49-F238E27FC236}">
-                <a16:creationId xmlns:a16="http://schemas.microsoft.com/office/drawing/2014/main" id="{22421AD7-C086-4679-91EF-EB0ADD905645}"/>
+                <a16:creationId xmlns:a16="http://schemas.microsoft.com/office/drawing/2014/main" xmlns="" id="{22421AD7-C086-4679-91EF-EB0ADD905645}"/>
               </a:ext>
             </a:extLst>
           </p:cNvPr>
@@ -1531,7 +1531,7 @@
           <p:cNvPr id="3" name="Text Placeholder 2">
             <a:extLst>
               <a:ext uri="{FF2B5EF4-FFF2-40B4-BE49-F238E27FC236}">
-                <a16:creationId xmlns:a16="http://schemas.microsoft.com/office/drawing/2014/main" id="{5C6C21D8-7076-4CBA-B221-0873D5B68ED3}"/>
+                <a16:creationId xmlns:a16="http://schemas.microsoft.com/office/drawing/2014/main" xmlns="" id="{5C6C21D8-7076-4CBA-B221-0873D5B68ED3}"/>
               </a:ext>
             </a:extLst>
           </p:cNvPr>
@@ -1602,7 +1602,7 @@
           <p:cNvPr id="4" name="Content Placeholder 3">
             <a:extLst>
               <a:ext uri="{FF2B5EF4-FFF2-40B4-BE49-F238E27FC236}">
-                <a16:creationId xmlns:a16="http://schemas.microsoft.com/office/drawing/2014/main" id="{D26E93EF-3847-4752-8DB2-655A5421DC9B}"/>
+                <a16:creationId xmlns:a16="http://schemas.microsoft.com/office/drawing/2014/main" xmlns="" id="{D26E93EF-3847-4752-8DB2-655A5421DC9B}"/>
               </a:ext>
             </a:extLst>
           </p:cNvPr>
@@ -1664,7 +1664,7 @@
           <p:cNvPr id="5" name="Text Placeholder 4">
             <a:extLst>
               <a:ext uri="{FF2B5EF4-FFF2-40B4-BE49-F238E27FC236}">
-                <a16:creationId xmlns:a16="http://schemas.microsoft.com/office/drawing/2014/main" id="{3B108CC2-C9F0-4009-A9F8-4376EDC8F08D}"/>
+                <a16:creationId xmlns:a16="http://schemas.microsoft.com/office/drawing/2014/main" xmlns="" id="{3B108CC2-C9F0-4009-A9F8-4376EDC8F08D}"/>
               </a:ext>
             </a:extLst>
           </p:cNvPr>
@@ -1735,7 +1735,7 @@
           <p:cNvPr id="6" name="Content Placeholder 5">
             <a:extLst>
               <a:ext uri="{FF2B5EF4-FFF2-40B4-BE49-F238E27FC236}">
-                <a16:creationId xmlns:a16="http://schemas.microsoft.com/office/drawing/2014/main" id="{17163591-25D4-405C-826A-CC706808F175}"/>
+                <a16:creationId xmlns:a16="http://schemas.microsoft.com/office/drawing/2014/main" xmlns="" id="{17163591-25D4-405C-826A-CC706808F175}"/>
               </a:ext>
             </a:extLst>
           </p:cNvPr>
@@ -1797,7 +1797,7 @@
           <p:cNvPr id="7" name="Date Placeholder 6">
             <a:extLst>
               <a:ext uri="{FF2B5EF4-FFF2-40B4-BE49-F238E27FC236}">
-                <a16:creationId xmlns:a16="http://schemas.microsoft.com/office/drawing/2014/main" id="{B5BB4EFF-B36D-4BC1-B65D-5AC280A79881}"/>
+                <a16:creationId xmlns:a16="http://schemas.microsoft.com/office/drawing/2014/main" xmlns="" id="{B5BB4EFF-B36D-4BC1-B65D-5AC280A79881}"/>
               </a:ext>
             </a:extLst>
           </p:cNvPr>
@@ -1815,7 +1815,7 @@
           <a:p>
             <a:fld id="{1B694823-1AD5-41CB-B83E-861DF0C32322}" type="datetimeFigureOut">
               <a:rPr lang="en-US" smtClean="0"/>
-              <a:t>30/03/2021</a:t>
+              <a:t>3/31/2021</a:t>
             </a:fld>
             <a:endParaRPr lang="en-US"/>
           </a:p>
@@ -1826,7 +1826,7 @@
           <p:cNvPr id="8" name="Footer Placeholder 7">
             <a:extLst>
               <a:ext uri="{FF2B5EF4-FFF2-40B4-BE49-F238E27FC236}">
-                <a16:creationId xmlns:a16="http://schemas.microsoft.com/office/drawing/2014/main" id="{284E1546-E539-41EE-AC47-FEC44DA56517}"/>
+                <a16:creationId xmlns:a16="http://schemas.microsoft.com/office/drawing/2014/main" xmlns="" id="{284E1546-E539-41EE-AC47-FEC44DA56517}"/>
               </a:ext>
             </a:extLst>
           </p:cNvPr>
@@ -1851,7 +1851,7 @@
           <p:cNvPr id="9" name="Slide Number Placeholder 8">
             <a:extLst>
               <a:ext uri="{FF2B5EF4-FFF2-40B4-BE49-F238E27FC236}">
-                <a16:creationId xmlns:a16="http://schemas.microsoft.com/office/drawing/2014/main" id="{D9E81E0E-0A36-4568-B8A2-E6CD8326965B}"/>
+                <a16:creationId xmlns:a16="http://schemas.microsoft.com/office/drawing/2014/main" xmlns="" id="{D9E81E0E-0A36-4568-B8A2-E6CD8326965B}"/>
               </a:ext>
             </a:extLst>
           </p:cNvPr>
@@ -1910,7 +1910,7 @@
           <p:cNvPr id="2" name="Title 1">
             <a:extLst>
               <a:ext uri="{FF2B5EF4-FFF2-40B4-BE49-F238E27FC236}">
-                <a16:creationId xmlns:a16="http://schemas.microsoft.com/office/drawing/2014/main" id="{DE8B6F76-57EF-4DD7-9638-4C6737EC4DAC}"/>
+                <a16:creationId xmlns:a16="http://schemas.microsoft.com/office/drawing/2014/main" xmlns="" id="{DE8B6F76-57EF-4DD7-9638-4C6737EC4DAC}"/>
               </a:ext>
             </a:extLst>
           </p:cNvPr>
@@ -1938,7 +1938,7 @@
           <p:cNvPr id="3" name="Date Placeholder 2">
             <a:extLst>
               <a:ext uri="{FF2B5EF4-FFF2-40B4-BE49-F238E27FC236}">
-                <a16:creationId xmlns:a16="http://schemas.microsoft.com/office/drawing/2014/main" id="{3C45DC08-9F39-47DE-935B-0BCA04F06F38}"/>
+                <a16:creationId xmlns:a16="http://schemas.microsoft.com/office/drawing/2014/main" xmlns="" id="{3C45DC08-9F39-47DE-935B-0BCA04F06F38}"/>
               </a:ext>
             </a:extLst>
           </p:cNvPr>
@@ -1956,7 +1956,7 @@
           <a:p>
             <a:fld id="{1B694823-1AD5-41CB-B83E-861DF0C32322}" type="datetimeFigureOut">
               <a:rPr lang="en-US" smtClean="0"/>
-              <a:t>30/03/2021</a:t>
+              <a:t>3/31/2021</a:t>
             </a:fld>
             <a:endParaRPr lang="en-US"/>
           </a:p>
@@ -1967,7 +1967,7 @@
           <p:cNvPr id="4" name="Footer Placeholder 3">
             <a:extLst>
               <a:ext uri="{FF2B5EF4-FFF2-40B4-BE49-F238E27FC236}">
-                <a16:creationId xmlns:a16="http://schemas.microsoft.com/office/drawing/2014/main" id="{EA1BBE6F-C22C-4B4A-A064-BEC783A8E732}"/>
+                <a16:creationId xmlns:a16="http://schemas.microsoft.com/office/drawing/2014/main" xmlns="" id="{EA1BBE6F-C22C-4B4A-A064-BEC783A8E732}"/>
               </a:ext>
             </a:extLst>
           </p:cNvPr>
@@ -1992,7 +1992,7 @@
           <p:cNvPr id="5" name="Slide Number Placeholder 4">
             <a:extLst>
               <a:ext uri="{FF2B5EF4-FFF2-40B4-BE49-F238E27FC236}">
-                <a16:creationId xmlns:a16="http://schemas.microsoft.com/office/drawing/2014/main" id="{00034B6F-8395-423C-A056-850A19A9629F}"/>
+                <a16:creationId xmlns:a16="http://schemas.microsoft.com/office/drawing/2014/main" xmlns="" id="{00034B6F-8395-423C-A056-850A19A9629F}"/>
               </a:ext>
             </a:extLst>
           </p:cNvPr>
@@ -2051,7 +2051,7 @@
           <p:cNvPr id="2" name="Date Placeholder 1">
             <a:extLst>
               <a:ext uri="{FF2B5EF4-FFF2-40B4-BE49-F238E27FC236}">
-                <a16:creationId xmlns:a16="http://schemas.microsoft.com/office/drawing/2014/main" id="{373BB607-5507-40CD-B1AA-CB14A1CB7929}"/>
+                <a16:creationId xmlns:a16="http://schemas.microsoft.com/office/drawing/2014/main" xmlns="" id="{373BB607-5507-40CD-B1AA-CB14A1CB7929}"/>
               </a:ext>
             </a:extLst>
           </p:cNvPr>
@@ -2069,7 +2069,7 @@
           <a:p>
             <a:fld id="{1B694823-1AD5-41CB-B83E-861DF0C32322}" type="datetimeFigureOut">
               <a:rPr lang="en-US" smtClean="0"/>
-              <a:t>30/03/2021</a:t>
+              <a:t>3/31/2021</a:t>
             </a:fld>
             <a:endParaRPr lang="en-US"/>
           </a:p>
@@ -2080,7 +2080,7 @@
           <p:cNvPr id="3" name="Footer Placeholder 2">
             <a:extLst>
               <a:ext uri="{FF2B5EF4-FFF2-40B4-BE49-F238E27FC236}">
-                <a16:creationId xmlns:a16="http://schemas.microsoft.com/office/drawing/2014/main" id="{98B4C0E4-8016-4348-ACBC-C3FBDF279C50}"/>
+                <a16:creationId xmlns:a16="http://schemas.microsoft.com/office/drawing/2014/main" xmlns="" id="{98B4C0E4-8016-4348-ACBC-C3FBDF279C50}"/>
               </a:ext>
             </a:extLst>
           </p:cNvPr>
@@ -2105,7 +2105,7 @@
           <p:cNvPr id="4" name="Slide Number Placeholder 3">
             <a:extLst>
               <a:ext uri="{FF2B5EF4-FFF2-40B4-BE49-F238E27FC236}">
-                <a16:creationId xmlns:a16="http://schemas.microsoft.com/office/drawing/2014/main" id="{8ED4A2EF-60E2-4BFB-ACB5-F59262CFD8DC}"/>
+                <a16:creationId xmlns:a16="http://schemas.microsoft.com/office/drawing/2014/main" xmlns="" id="{8ED4A2EF-60E2-4BFB-ACB5-F59262CFD8DC}"/>
               </a:ext>
             </a:extLst>
           </p:cNvPr>
@@ -2164,7 +2164,7 @@
           <p:cNvPr id="2" name="Title 1">
             <a:extLst>
               <a:ext uri="{FF2B5EF4-FFF2-40B4-BE49-F238E27FC236}">
-                <a16:creationId xmlns:a16="http://schemas.microsoft.com/office/drawing/2014/main" id="{47BF17BD-F3AB-4E0E-A14A-B134D0FCAF7D}"/>
+                <a16:creationId xmlns:a16="http://schemas.microsoft.com/office/drawing/2014/main" xmlns="" id="{47BF17BD-F3AB-4E0E-A14A-B134D0FCAF7D}"/>
               </a:ext>
             </a:extLst>
           </p:cNvPr>
@@ -2201,7 +2201,7 @@
           <p:cNvPr id="3" name="Content Placeholder 2">
             <a:extLst>
               <a:ext uri="{FF2B5EF4-FFF2-40B4-BE49-F238E27FC236}">
-                <a16:creationId xmlns:a16="http://schemas.microsoft.com/office/drawing/2014/main" id="{A26AFD2A-FB4D-4A94-B44E-9E2B06CC5A55}"/>
+                <a16:creationId xmlns:a16="http://schemas.microsoft.com/office/drawing/2014/main" xmlns="" id="{A26AFD2A-FB4D-4A94-B44E-9E2B06CC5A55}"/>
               </a:ext>
             </a:extLst>
           </p:cNvPr>
@@ -2291,7 +2291,7 @@
           <p:cNvPr id="4" name="Text Placeholder 3">
             <a:extLst>
               <a:ext uri="{FF2B5EF4-FFF2-40B4-BE49-F238E27FC236}">
-                <a16:creationId xmlns:a16="http://schemas.microsoft.com/office/drawing/2014/main" id="{DF4E39F0-6EE2-4A0E-A50E-D114180EBB3B}"/>
+                <a16:creationId xmlns:a16="http://schemas.microsoft.com/office/drawing/2014/main" xmlns="" id="{DF4E39F0-6EE2-4A0E-A50E-D114180EBB3B}"/>
               </a:ext>
             </a:extLst>
           </p:cNvPr>
@@ -2362,7 +2362,7 @@
           <p:cNvPr id="5" name="Date Placeholder 4">
             <a:extLst>
               <a:ext uri="{FF2B5EF4-FFF2-40B4-BE49-F238E27FC236}">
-                <a16:creationId xmlns:a16="http://schemas.microsoft.com/office/drawing/2014/main" id="{357EF30D-37A1-4DBE-B122-78D7523819E6}"/>
+                <a16:creationId xmlns:a16="http://schemas.microsoft.com/office/drawing/2014/main" xmlns="" id="{357EF30D-37A1-4DBE-B122-78D7523819E6}"/>
               </a:ext>
             </a:extLst>
           </p:cNvPr>
@@ -2380,7 +2380,7 @@
           <a:p>
             <a:fld id="{1B694823-1AD5-41CB-B83E-861DF0C32322}" type="datetimeFigureOut">
               <a:rPr lang="en-US" smtClean="0"/>
-              <a:t>30/03/2021</a:t>
+              <a:t>3/31/2021</a:t>
             </a:fld>
             <a:endParaRPr lang="en-US"/>
           </a:p>
@@ -2391,7 +2391,7 @@
           <p:cNvPr id="6" name="Footer Placeholder 5">
             <a:extLst>
               <a:ext uri="{FF2B5EF4-FFF2-40B4-BE49-F238E27FC236}">
-                <a16:creationId xmlns:a16="http://schemas.microsoft.com/office/drawing/2014/main" id="{D45D9E8D-499A-4BD3-9237-8513622FEA93}"/>
+                <a16:creationId xmlns:a16="http://schemas.microsoft.com/office/drawing/2014/main" xmlns="" id="{D45D9E8D-499A-4BD3-9237-8513622FEA93}"/>
               </a:ext>
             </a:extLst>
           </p:cNvPr>
@@ -2416,7 +2416,7 @@
           <p:cNvPr id="7" name="Slide Number Placeholder 6">
             <a:extLst>
               <a:ext uri="{FF2B5EF4-FFF2-40B4-BE49-F238E27FC236}">
-                <a16:creationId xmlns:a16="http://schemas.microsoft.com/office/drawing/2014/main" id="{BBE270F4-C44D-4EFE-9538-F7F3FBC6BA09}"/>
+                <a16:creationId xmlns:a16="http://schemas.microsoft.com/office/drawing/2014/main" xmlns="" id="{BBE270F4-C44D-4EFE-9538-F7F3FBC6BA09}"/>
               </a:ext>
             </a:extLst>
           </p:cNvPr>
@@ -2475,7 +2475,7 @@
           <p:cNvPr id="2" name="Title 1">
             <a:extLst>
               <a:ext uri="{FF2B5EF4-FFF2-40B4-BE49-F238E27FC236}">
-                <a16:creationId xmlns:a16="http://schemas.microsoft.com/office/drawing/2014/main" id="{EC63859C-B35D-4AB8-A6C9-F57381633CB1}"/>
+                <a16:creationId xmlns:a16="http://schemas.microsoft.com/office/drawing/2014/main" xmlns="" id="{EC63859C-B35D-4AB8-A6C9-F57381633CB1}"/>
               </a:ext>
             </a:extLst>
           </p:cNvPr>
@@ -2512,7 +2512,7 @@
           <p:cNvPr id="3" name="Picture Placeholder 2">
             <a:extLst>
               <a:ext uri="{FF2B5EF4-FFF2-40B4-BE49-F238E27FC236}">
-                <a16:creationId xmlns:a16="http://schemas.microsoft.com/office/drawing/2014/main" id="{87A7A11B-B107-43E2-93C4-1D2C42A30037}"/>
+                <a16:creationId xmlns:a16="http://schemas.microsoft.com/office/drawing/2014/main" xmlns="" id="{87A7A11B-B107-43E2-93C4-1D2C42A30037}"/>
               </a:ext>
             </a:extLst>
           </p:cNvPr>
@@ -2579,7 +2579,7 @@
           <p:cNvPr id="4" name="Text Placeholder 3">
             <a:extLst>
               <a:ext uri="{FF2B5EF4-FFF2-40B4-BE49-F238E27FC236}">
-                <a16:creationId xmlns:a16="http://schemas.microsoft.com/office/drawing/2014/main" id="{64C924E0-E145-4A67-ACA1-EFF194304AA6}"/>
+                <a16:creationId xmlns:a16="http://schemas.microsoft.com/office/drawing/2014/main" xmlns="" id="{64C924E0-E145-4A67-ACA1-EFF194304AA6}"/>
               </a:ext>
             </a:extLst>
           </p:cNvPr>
@@ -2650,7 +2650,7 @@
           <p:cNvPr id="5" name="Date Placeholder 4">
             <a:extLst>
               <a:ext uri="{FF2B5EF4-FFF2-40B4-BE49-F238E27FC236}">
-                <a16:creationId xmlns:a16="http://schemas.microsoft.com/office/drawing/2014/main" id="{6A32C46C-8997-4412-946C-AC5D6CABFCC2}"/>
+                <a16:creationId xmlns:a16="http://schemas.microsoft.com/office/drawing/2014/main" xmlns="" id="{6A32C46C-8997-4412-946C-AC5D6CABFCC2}"/>
               </a:ext>
             </a:extLst>
           </p:cNvPr>
@@ -2668,7 +2668,7 @@
           <a:p>
             <a:fld id="{1B694823-1AD5-41CB-B83E-861DF0C32322}" type="datetimeFigureOut">
               <a:rPr lang="en-US" smtClean="0"/>
-              <a:t>30/03/2021</a:t>
+              <a:t>3/31/2021</a:t>
             </a:fld>
             <a:endParaRPr lang="en-US"/>
           </a:p>
@@ -2679,7 +2679,7 @@
           <p:cNvPr id="6" name="Footer Placeholder 5">
             <a:extLst>
               <a:ext uri="{FF2B5EF4-FFF2-40B4-BE49-F238E27FC236}">
-                <a16:creationId xmlns:a16="http://schemas.microsoft.com/office/drawing/2014/main" id="{7B0C5A79-CDE4-4E7E-A692-9883A41387A0}"/>
+                <a16:creationId xmlns:a16="http://schemas.microsoft.com/office/drawing/2014/main" xmlns="" id="{7B0C5A79-CDE4-4E7E-A692-9883A41387A0}"/>
               </a:ext>
             </a:extLst>
           </p:cNvPr>
@@ -2704,7 +2704,7 @@
           <p:cNvPr id="7" name="Slide Number Placeholder 6">
             <a:extLst>
               <a:ext uri="{FF2B5EF4-FFF2-40B4-BE49-F238E27FC236}">
-                <a16:creationId xmlns:a16="http://schemas.microsoft.com/office/drawing/2014/main" id="{43D2AE23-7AD0-4A60-9BB3-9F650DC3BC6A}"/>
+                <a16:creationId xmlns:a16="http://schemas.microsoft.com/office/drawing/2014/main" xmlns="" id="{43D2AE23-7AD0-4A60-9BB3-9F650DC3BC6A}"/>
               </a:ext>
             </a:extLst>
           </p:cNvPr>
@@ -2768,7 +2768,7 @@
           <p:cNvPr id="2" name="Title Placeholder 1">
             <a:extLst>
               <a:ext uri="{FF2B5EF4-FFF2-40B4-BE49-F238E27FC236}">
-                <a16:creationId xmlns:a16="http://schemas.microsoft.com/office/drawing/2014/main" id="{885AB671-559A-4614-AED5-75BD5242F9B4}"/>
+                <a16:creationId xmlns:a16="http://schemas.microsoft.com/office/drawing/2014/main" xmlns="" id="{885AB671-559A-4614-AED5-75BD5242F9B4}"/>
               </a:ext>
             </a:extLst>
           </p:cNvPr>
@@ -2806,7 +2806,7 @@
           <p:cNvPr id="3" name="Text Placeholder 2">
             <a:extLst>
               <a:ext uri="{FF2B5EF4-FFF2-40B4-BE49-F238E27FC236}">
-                <a16:creationId xmlns:a16="http://schemas.microsoft.com/office/drawing/2014/main" id="{84343A12-FD1C-44AB-B881-AA969299F75C}"/>
+                <a16:creationId xmlns:a16="http://schemas.microsoft.com/office/drawing/2014/main" xmlns="" id="{84343A12-FD1C-44AB-B881-AA969299F75C}"/>
               </a:ext>
             </a:extLst>
           </p:cNvPr>
@@ -2873,7 +2873,7 @@
           <p:cNvPr id="4" name="Date Placeholder 3">
             <a:extLst>
               <a:ext uri="{FF2B5EF4-FFF2-40B4-BE49-F238E27FC236}">
-                <a16:creationId xmlns:a16="http://schemas.microsoft.com/office/drawing/2014/main" id="{B46D6347-7D5A-418A-9DF3-ADB0BD134A88}"/>
+                <a16:creationId xmlns:a16="http://schemas.microsoft.com/office/drawing/2014/main" xmlns="" id="{B46D6347-7D5A-418A-9DF3-ADB0BD134A88}"/>
               </a:ext>
             </a:extLst>
           </p:cNvPr>
@@ -2909,7 +2909,7 @@
           <a:p>
             <a:fld id="{1B694823-1AD5-41CB-B83E-861DF0C32322}" type="datetimeFigureOut">
               <a:rPr lang="en-US" smtClean="0"/>
-              <a:t>30/03/2021</a:t>
+              <a:t>3/31/2021</a:t>
             </a:fld>
             <a:endParaRPr lang="en-US"/>
           </a:p>
@@ -2920,7 +2920,7 @@
           <p:cNvPr id="5" name="Footer Placeholder 4">
             <a:extLst>
               <a:ext uri="{FF2B5EF4-FFF2-40B4-BE49-F238E27FC236}">
-                <a16:creationId xmlns:a16="http://schemas.microsoft.com/office/drawing/2014/main" id="{C8EEAF8F-4991-468A-8BE9-A8079BC9122D}"/>
+                <a16:creationId xmlns:a16="http://schemas.microsoft.com/office/drawing/2014/main" xmlns="" id="{C8EEAF8F-4991-468A-8BE9-A8079BC9122D}"/>
               </a:ext>
             </a:extLst>
           </p:cNvPr>
@@ -2963,7 +2963,7 @@
           <p:cNvPr id="6" name="Slide Number Placeholder 5">
             <a:extLst>
               <a:ext uri="{FF2B5EF4-FFF2-40B4-BE49-F238E27FC236}">
-                <a16:creationId xmlns:a16="http://schemas.microsoft.com/office/drawing/2014/main" id="{D9E0E645-0462-4433-A6BD-A4A51F8D0FCD}"/>
+                <a16:creationId xmlns:a16="http://schemas.microsoft.com/office/drawing/2014/main" xmlns="" id="{D9E0E645-0462-4433-A6BD-A4A51F8D0FCD}"/>
               </a:ext>
             </a:extLst>
           </p:cNvPr>
@@ -3331,7 +3331,7 @@
           <p:cNvPr id="4" name="Oval 3">
             <a:extLst>
               <a:ext uri="{FF2B5EF4-FFF2-40B4-BE49-F238E27FC236}">
-                <a16:creationId xmlns:a16="http://schemas.microsoft.com/office/drawing/2014/main" id="{1EF872D6-872E-4CC3-AAD3-14411D9C0993}"/>
+                <a16:creationId xmlns:a16="http://schemas.microsoft.com/office/drawing/2014/main" xmlns="" id="{1EF872D6-872E-4CC3-AAD3-14411D9C0993}"/>
               </a:ext>
             </a:extLst>
           </p:cNvPr>
@@ -3340,7 +3340,7 @@
         </p:nvSpPr>
         <p:spPr>
           <a:xfrm>
-            <a:off x="2911066" y="2523108"/>
+            <a:off x="2911066" y="2574624"/>
             <a:ext cx="1828800" cy="1828800"/>
           </a:xfrm>
           <a:prstGeom prst="ellipse">
@@ -3383,7 +3383,7 @@
           <p:cNvPr id="5" name="Oval 4">
             <a:extLst>
               <a:ext uri="{FF2B5EF4-FFF2-40B4-BE49-F238E27FC236}">
-                <a16:creationId xmlns:a16="http://schemas.microsoft.com/office/drawing/2014/main" id="{168B4A4F-FF43-4B76-90BE-90DC6965840A}"/>
+                <a16:creationId xmlns:a16="http://schemas.microsoft.com/office/drawing/2014/main" xmlns="" id="{168B4A4F-FF43-4B76-90BE-90DC6965840A}"/>
               </a:ext>
             </a:extLst>
           </p:cNvPr>
@@ -3398,12 +3398,12 @@
           <a:prstGeom prst="ellipse">
             <a:avLst/>
           </a:prstGeom>
-          <a:solidFill>
-            <a:schemeClr val="accent6">
-              <a:lumMod val="40000"/>
-              <a:lumOff val="60000"/>
-            </a:schemeClr>
-          </a:solidFill>
+          <a:blipFill>
+            <a:blip r:embed="rId3"/>
+            <a:stretch>
+              <a:fillRect/>
+            </a:stretch>
+          </a:blipFill>
         </p:spPr>
         <p:style>
           <a:lnRef idx="2">
@@ -3435,7 +3435,7 @@
           <p:cNvPr id="6" name="Oval 5">
             <a:extLst>
               <a:ext uri="{FF2B5EF4-FFF2-40B4-BE49-F238E27FC236}">
-                <a16:creationId xmlns:a16="http://schemas.microsoft.com/office/drawing/2014/main" id="{6F7B785B-5400-4F99-8EA2-F573C0FE0E3E}"/>
+                <a16:creationId xmlns:a16="http://schemas.microsoft.com/office/drawing/2014/main" xmlns="" id="{6F7B785B-5400-4F99-8EA2-F573C0FE0E3E}"/>
               </a:ext>
             </a:extLst>
           </p:cNvPr>
@@ -3487,7 +3487,7 @@
           <p:cNvPr id="7" name="Oval 6">
             <a:extLst>
               <a:ext uri="{FF2B5EF4-FFF2-40B4-BE49-F238E27FC236}">
-                <a16:creationId xmlns:a16="http://schemas.microsoft.com/office/drawing/2014/main" id="{37D03BF4-8FE8-4156-B03F-352E33C9248B}"/>
+                <a16:creationId xmlns:a16="http://schemas.microsoft.com/office/drawing/2014/main" xmlns="" id="{37D03BF4-8FE8-4156-B03F-352E33C9248B}"/>
               </a:ext>
             </a:extLst>
           </p:cNvPr>
@@ -3539,7 +3539,7 @@
           <p:cNvPr id="8" name="Oval 7">
             <a:extLst>
               <a:ext uri="{FF2B5EF4-FFF2-40B4-BE49-F238E27FC236}">
-                <a16:creationId xmlns:a16="http://schemas.microsoft.com/office/drawing/2014/main" id="{BF9B2CE8-A8C6-4576-93B0-8706FFA01678}"/>
+                <a16:creationId xmlns:a16="http://schemas.microsoft.com/office/drawing/2014/main" xmlns="" id="{BF9B2CE8-A8C6-4576-93B0-8706FFA01678}"/>
               </a:ext>
             </a:extLst>
           </p:cNvPr>
@@ -3591,7 +3591,7 @@
           <p:cNvPr id="3" name="Rectangle 2">
             <a:extLst>
               <a:ext uri="{FF2B5EF4-FFF2-40B4-BE49-F238E27FC236}">
-                <a16:creationId xmlns:a16="http://schemas.microsoft.com/office/drawing/2014/main" id="{1C0142B0-6B24-4BED-9912-407A866901D1}"/>
+                <a16:creationId xmlns:a16="http://schemas.microsoft.com/office/drawing/2014/main" xmlns="" id="{1C0142B0-6B24-4BED-9912-407A866901D1}"/>
               </a:ext>
             </a:extLst>
           </p:cNvPr>
@@ -3625,7 +3625,7 @@
           <p:cNvPr id="9" name="Rectangle 8">
             <a:extLst>
               <a:ext uri="{FF2B5EF4-FFF2-40B4-BE49-F238E27FC236}">
-                <a16:creationId xmlns:a16="http://schemas.microsoft.com/office/drawing/2014/main" id="{D71155C5-7F0A-41A5-AB61-7E985BBCE9B7}"/>
+                <a16:creationId xmlns:a16="http://schemas.microsoft.com/office/drawing/2014/main" xmlns="" id="{D71155C5-7F0A-41A5-AB61-7E985BBCE9B7}"/>
               </a:ext>
             </a:extLst>
           </p:cNvPr>
@@ -3659,7 +3659,7 @@
           <p:cNvPr id="10" name="Rectangle 9">
             <a:extLst>
               <a:ext uri="{FF2B5EF4-FFF2-40B4-BE49-F238E27FC236}">
-                <a16:creationId xmlns:a16="http://schemas.microsoft.com/office/drawing/2014/main" id="{26718B29-6C20-479E-AE58-DE1C3204A38E}"/>
+                <a16:creationId xmlns:a16="http://schemas.microsoft.com/office/drawing/2014/main" xmlns="" id="{26718B29-6C20-479E-AE58-DE1C3204A38E}"/>
               </a:ext>
             </a:extLst>
           </p:cNvPr>
@@ -3693,7 +3693,7 @@
           <p:cNvPr id="11" name="Rectangle 10">
             <a:extLst>
               <a:ext uri="{FF2B5EF4-FFF2-40B4-BE49-F238E27FC236}">
-                <a16:creationId xmlns:a16="http://schemas.microsoft.com/office/drawing/2014/main" id="{FE624033-C1CA-4427-AACE-F7F9B1361379}"/>
+                <a16:creationId xmlns:a16="http://schemas.microsoft.com/office/drawing/2014/main" xmlns="" id="{FE624033-C1CA-4427-AACE-F7F9B1361379}"/>
               </a:ext>
             </a:extLst>
           </p:cNvPr>
@@ -3727,7 +3727,7 @@
           <p:cNvPr id="12" name="Rectangle 11">
             <a:extLst>
               <a:ext uri="{FF2B5EF4-FFF2-40B4-BE49-F238E27FC236}">
-                <a16:creationId xmlns:a16="http://schemas.microsoft.com/office/drawing/2014/main" id="{09601D39-D95B-4180-8979-7E3BB734E253}"/>
+                <a16:creationId xmlns:a16="http://schemas.microsoft.com/office/drawing/2014/main" xmlns="" id="{09601D39-D95B-4180-8979-7E3BB734E253}"/>
               </a:ext>
             </a:extLst>
           </p:cNvPr>
@@ -3750,18 +3750,9 @@
           <a:lstStyle/>
           <a:p>
             <a:r>
-              <a:rPr lang="en-US" dirty="0" err="1"/>
-              <a:t>Shubhankar</a:t>
-            </a:r>
-            <a:r>
               <a:rPr lang="en-US" dirty="0"/>
-              <a:t> Raj </a:t>
-            </a:r>
-            <a:r>
-              <a:rPr lang="en-US" dirty="0" err="1"/>
-              <a:t>Bangshi</a:t>
-            </a:r>
-            <a:endParaRPr lang="en-US" dirty="0"/>
+              <a:t>Shubhankar Raj Bangshi</a:t>
+            </a:r>
           </a:p>
         </p:txBody>
       </p:sp>
@@ -3770,7 +3761,7 @@
           <p:cNvPr id="13" name="Rectangle 12">
             <a:extLst>
               <a:ext uri="{FF2B5EF4-FFF2-40B4-BE49-F238E27FC236}">
-                <a16:creationId xmlns:a16="http://schemas.microsoft.com/office/drawing/2014/main" id="{98ACAEB2-E733-4986-BEC8-3234D8DEFA85}"/>
+                <a16:creationId xmlns:a16="http://schemas.microsoft.com/office/drawing/2014/main" xmlns="" id="{98ACAEB2-E733-4986-BEC8-3234D8DEFA85}"/>
               </a:ext>
             </a:extLst>
           </p:cNvPr>
@@ -3779,21 +3770,21 @@
         </p:nvSpPr>
         <p:spPr>
           <a:xfrm>
-            <a:off x="359228" y="1920283"/>
-            <a:ext cx="3112647" cy="369332"/>
+            <a:off x="359228" y="1662703"/>
+            <a:ext cx="9802203" cy="830997"/>
           </a:xfrm>
           <a:prstGeom prst="rect">
             <a:avLst/>
           </a:prstGeom>
         </p:spPr>
         <p:txBody>
-          <a:bodyPr wrap="none">
+          <a:bodyPr wrap="square">
             <a:spAutoFit/>
           </a:bodyPr>
           <a:lstStyle/>
           <a:p>
             <a:r>
-              <a:rPr lang="en-US" b="1" i="1" dirty="0"/>
+              <a:rPr lang="en-US" sz="4800" b="1" i="1" dirty="0"/>
               <a:t>Author’s in alphabetical order</a:t>
             </a:r>
           </a:p>
@@ -4101,7 +4092,7 @@
   <a:extraClrSchemeLst/>
   <a:extLst>
     <a:ext uri="{05A4C25C-085E-4340-85A3-A5531E510DB2}">
-      <thm15:themeFamily xmlns:thm15="http://schemas.microsoft.com/office/thememl/2012/main" name="Office Theme" id="{62F939B6-93AF-4DB8-9C6B-D6C7DFDC589F}" vid="{4A3C46E8-61CC-4603-A589-7422A47A8E4A}"/>
+      <thm15:themeFamily xmlns:thm15="http://schemas.microsoft.com/office/thememl/2012/main" xmlns="" name="Office Theme" id="{62F939B6-93AF-4DB8-9C6B-D6C7DFDC589F}" vid="{4A3C46E8-61CC-4603-A589-7422A47A8E4A}"/>
     </a:ext>
   </a:extLst>
 </a:theme>

--- a/NPV_Statitical Anlysis of Diabetes Dataset/team.pptx
+++ b/NPV_Statitical Anlysis of Diabetes Dataset/team.pptx
@@ -106,7 +106,7 @@
   </p:defaultTextStyle>
   <p:extLst>
     <p:ext uri="{EFAFB233-063F-42B5-8137-9DF3F51BA10A}">
-      <p15:sldGuideLst xmlns:p15="http://schemas.microsoft.com/office/powerpoint/2012/main" xmlns=""/>
+      <p15:sldGuideLst xmlns="" xmlns:p15="http://schemas.microsoft.com/office/powerpoint/2012/main"/>
     </p:ext>
   </p:extLst>
 </p:presentation>
@@ -134,7 +134,7 @@
           <p:cNvPr id="2" name="Title 1">
             <a:extLst>
               <a:ext uri="{FF2B5EF4-FFF2-40B4-BE49-F238E27FC236}">
-                <a16:creationId xmlns:a16="http://schemas.microsoft.com/office/drawing/2014/main" xmlns="" id="{A63EC736-9F3D-45FA-A094-344B7C968BB2}"/>
+                <a16:creationId xmlns="" xmlns:a16="http://schemas.microsoft.com/office/drawing/2014/main" id="{A63EC736-9F3D-45FA-A094-344B7C968BB2}"/>
               </a:ext>
             </a:extLst>
           </p:cNvPr>
@@ -171,7 +171,7 @@
           <p:cNvPr id="3" name="Subtitle 2">
             <a:extLst>
               <a:ext uri="{FF2B5EF4-FFF2-40B4-BE49-F238E27FC236}">
-                <a16:creationId xmlns:a16="http://schemas.microsoft.com/office/drawing/2014/main" xmlns="" id="{0C6FD3EF-04EC-43FF-9EC9-A88240CE7E81}"/>
+                <a16:creationId xmlns="" xmlns:a16="http://schemas.microsoft.com/office/drawing/2014/main" id="{0C6FD3EF-04EC-43FF-9EC9-A88240CE7E81}"/>
               </a:ext>
             </a:extLst>
           </p:cNvPr>
@@ -241,7 +241,7 @@
           <p:cNvPr id="4" name="Date Placeholder 3">
             <a:extLst>
               <a:ext uri="{FF2B5EF4-FFF2-40B4-BE49-F238E27FC236}">
-                <a16:creationId xmlns:a16="http://schemas.microsoft.com/office/drawing/2014/main" xmlns="" id="{E54746D7-F53A-4AB5-82BB-168CC988B2E4}"/>
+                <a16:creationId xmlns="" xmlns:a16="http://schemas.microsoft.com/office/drawing/2014/main" id="{E54746D7-F53A-4AB5-82BB-168CC988B2E4}"/>
               </a:ext>
             </a:extLst>
           </p:cNvPr>
@@ -270,7 +270,7 @@
           <p:cNvPr id="5" name="Footer Placeholder 4">
             <a:extLst>
               <a:ext uri="{FF2B5EF4-FFF2-40B4-BE49-F238E27FC236}">
-                <a16:creationId xmlns:a16="http://schemas.microsoft.com/office/drawing/2014/main" xmlns="" id="{62ABDB6E-1337-40C7-A73B-02ABC98179B7}"/>
+                <a16:creationId xmlns="" xmlns:a16="http://schemas.microsoft.com/office/drawing/2014/main" id="{62ABDB6E-1337-40C7-A73B-02ABC98179B7}"/>
               </a:ext>
             </a:extLst>
           </p:cNvPr>
@@ -295,7 +295,7 @@
           <p:cNvPr id="6" name="Slide Number Placeholder 5">
             <a:extLst>
               <a:ext uri="{FF2B5EF4-FFF2-40B4-BE49-F238E27FC236}">
-                <a16:creationId xmlns:a16="http://schemas.microsoft.com/office/drawing/2014/main" xmlns="" id="{8670223D-0D8D-4C96-856A-4FC7F8130C67}"/>
+                <a16:creationId xmlns="" xmlns:a16="http://schemas.microsoft.com/office/drawing/2014/main" id="{8670223D-0D8D-4C96-856A-4FC7F8130C67}"/>
               </a:ext>
             </a:extLst>
           </p:cNvPr>
@@ -354,7 +354,7 @@
           <p:cNvPr id="2" name="Title 1">
             <a:extLst>
               <a:ext uri="{FF2B5EF4-FFF2-40B4-BE49-F238E27FC236}">
-                <a16:creationId xmlns:a16="http://schemas.microsoft.com/office/drawing/2014/main" xmlns="" id="{634FFE70-D31B-4103-8D73-11260CB14395}"/>
+                <a16:creationId xmlns="" xmlns:a16="http://schemas.microsoft.com/office/drawing/2014/main" id="{634FFE70-D31B-4103-8D73-11260CB14395}"/>
               </a:ext>
             </a:extLst>
           </p:cNvPr>
@@ -382,7 +382,7 @@
           <p:cNvPr id="3" name="Vertical Text Placeholder 2">
             <a:extLst>
               <a:ext uri="{FF2B5EF4-FFF2-40B4-BE49-F238E27FC236}">
-                <a16:creationId xmlns:a16="http://schemas.microsoft.com/office/drawing/2014/main" xmlns="" id="{6EA78BD8-35CE-4AEC-898D-11B85302B773}"/>
+                <a16:creationId xmlns="" xmlns:a16="http://schemas.microsoft.com/office/drawing/2014/main" id="{6EA78BD8-35CE-4AEC-898D-11B85302B773}"/>
               </a:ext>
             </a:extLst>
           </p:cNvPr>
@@ -439,7 +439,7 @@
           <p:cNvPr id="4" name="Date Placeholder 3">
             <a:extLst>
               <a:ext uri="{FF2B5EF4-FFF2-40B4-BE49-F238E27FC236}">
-                <a16:creationId xmlns:a16="http://schemas.microsoft.com/office/drawing/2014/main" xmlns="" id="{689D5C5A-A96E-446C-9B6D-808E8E16B327}"/>
+                <a16:creationId xmlns="" xmlns:a16="http://schemas.microsoft.com/office/drawing/2014/main" id="{689D5C5A-A96E-446C-9B6D-808E8E16B327}"/>
               </a:ext>
             </a:extLst>
           </p:cNvPr>
@@ -468,7 +468,7 @@
           <p:cNvPr id="5" name="Footer Placeholder 4">
             <a:extLst>
               <a:ext uri="{FF2B5EF4-FFF2-40B4-BE49-F238E27FC236}">
-                <a16:creationId xmlns:a16="http://schemas.microsoft.com/office/drawing/2014/main" xmlns="" id="{1539F5F2-69A5-4035-B6FA-EF66276E375B}"/>
+                <a16:creationId xmlns="" xmlns:a16="http://schemas.microsoft.com/office/drawing/2014/main" id="{1539F5F2-69A5-4035-B6FA-EF66276E375B}"/>
               </a:ext>
             </a:extLst>
           </p:cNvPr>
@@ -493,7 +493,7 @@
           <p:cNvPr id="6" name="Slide Number Placeholder 5">
             <a:extLst>
               <a:ext uri="{FF2B5EF4-FFF2-40B4-BE49-F238E27FC236}">
-                <a16:creationId xmlns:a16="http://schemas.microsoft.com/office/drawing/2014/main" xmlns="" id="{79CD72E1-E592-4971-99D4-6E8DD7A1D70B}"/>
+                <a16:creationId xmlns="" xmlns:a16="http://schemas.microsoft.com/office/drawing/2014/main" id="{79CD72E1-E592-4971-99D4-6E8DD7A1D70B}"/>
               </a:ext>
             </a:extLst>
           </p:cNvPr>
@@ -552,7 +552,7 @@
           <p:cNvPr id="2" name="Vertical Title 1">
             <a:extLst>
               <a:ext uri="{FF2B5EF4-FFF2-40B4-BE49-F238E27FC236}">
-                <a16:creationId xmlns:a16="http://schemas.microsoft.com/office/drawing/2014/main" xmlns="" id="{5CF6B3B2-1292-4E89-8F67-FF3EF41923A1}"/>
+                <a16:creationId xmlns="" xmlns:a16="http://schemas.microsoft.com/office/drawing/2014/main" id="{5CF6B3B2-1292-4E89-8F67-FF3EF41923A1}"/>
               </a:ext>
             </a:extLst>
           </p:cNvPr>
@@ -585,7 +585,7 @@
           <p:cNvPr id="3" name="Vertical Text Placeholder 2">
             <a:extLst>
               <a:ext uri="{FF2B5EF4-FFF2-40B4-BE49-F238E27FC236}">
-                <a16:creationId xmlns:a16="http://schemas.microsoft.com/office/drawing/2014/main" xmlns="" id="{C5FC53FE-4C5A-4DF8-9677-F3ED6ED7F550}"/>
+                <a16:creationId xmlns="" xmlns:a16="http://schemas.microsoft.com/office/drawing/2014/main" id="{C5FC53FE-4C5A-4DF8-9677-F3ED6ED7F550}"/>
               </a:ext>
             </a:extLst>
           </p:cNvPr>
@@ -647,7 +647,7 @@
           <p:cNvPr id="4" name="Date Placeholder 3">
             <a:extLst>
               <a:ext uri="{FF2B5EF4-FFF2-40B4-BE49-F238E27FC236}">
-                <a16:creationId xmlns:a16="http://schemas.microsoft.com/office/drawing/2014/main" xmlns="" id="{63918EE3-87BE-4BE1-9783-65064EA03971}"/>
+                <a16:creationId xmlns="" xmlns:a16="http://schemas.microsoft.com/office/drawing/2014/main" id="{63918EE3-87BE-4BE1-9783-65064EA03971}"/>
               </a:ext>
             </a:extLst>
           </p:cNvPr>
@@ -676,7 +676,7 @@
           <p:cNvPr id="5" name="Footer Placeholder 4">
             <a:extLst>
               <a:ext uri="{FF2B5EF4-FFF2-40B4-BE49-F238E27FC236}">
-                <a16:creationId xmlns:a16="http://schemas.microsoft.com/office/drawing/2014/main" xmlns="" id="{894F03CE-3EE0-418A-94C5-4E8494B5A267}"/>
+                <a16:creationId xmlns="" xmlns:a16="http://schemas.microsoft.com/office/drawing/2014/main" id="{894F03CE-3EE0-418A-94C5-4E8494B5A267}"/>
               </a:ext>
             </a:extLst>
           </p:cNvPr>
@@ -701,7 +701,7 @@
           <p:cNvPr id="6" name="Slide Number Placeholder 5">
             <a:extLst>
               <a:ext uri="{FF2B5EF4-FFF2-40B4-BE49-F238E27FC236}">
-                <a16:creationId xmlns:a16="http://schemas.microsoft.com/office/drawing/2014/main" xmlns="" id="{825D9F46-FE53-4CA6-8CA7-6A8E2E9E10BD}"/>
+                <a16:creationId xmlns="" xmlns:a16="http://schemas.microsoft.com/office/drawing/2014/main" id="{825D9F46-FE53-4CA6-8CA7-6A8E2E9E10BD}"/>
               </a:ext>
             </a:extLst>
           </p:cNvPr>
@@ -760,7 +760,7 @@
           <p:cNvPr id="2" name="Title 1">
             <a:extLst>
               <a:ext uri="{FF2B5EF4-FFF2-40B4-BE49-F238E27FC236}">
-                <a16:creationId xmlns:a16="http://schemas.microsoft.com/office/drawing/2014/main" xmlns="" id="{CBE3E2B8-FAB0-41CA-BD5A-73F2F5F5B5CC}"/>
+                <a16:creationId xmlns="" xmlns:a16="http://schemas.microsoft.com/office/drawing/2014/main" id="{CBE3E2B8-FAB0-41CA-BD5A-73F2F5F5B5CC}"/>
               </a:ext>
             </a:extLst>
           </p:cNvPr>
@@ -788,7 +788,7 @@
           <p:cNvPr id="3" name="Content Placeholder 2">
             <a:extLst>
               <a:ext uri="{FF2B5EF4-FFF2-40B4-BE49-F238E27FC236}">
-                <a16:creationId xmlns:a16="http://schemas.microsoft.com/office/drawing/2014/main" xmlns="" id="{2BB63E90-011B-4274-ADB9-BFB0A851C60D}"/>
+                <a16:creationId xmlns="" xmlns:a16="http://schemas.microsoft.com/office/drawing/2014/main" id="{2BB63E90-011B-4274-ADB9-BFB0A851C60D}"/>
               </a:ext>
             </a:extLst>
           </p:cNvPr>
@@ -845,7 +845,7 @@
           <p:cNvPr id="4" name="Date Placeholder 3">
             <a:extLst>
               <a:ext uri="{FF2B5EF4-FFF2-40B4-BE49-F238E27FC236}">
-                <a16:creationId xmlns:a16="http://schemas.microsoft.com/office/drawing/2014/main" xmlns="" id="{FC53765C-B7F9-48A0-9AD8-94EEFD994F74}"/>
+                <a16:creationId xmlns="" xmlns:a16="http://schemas.microsoft.com/office/drawing/2014/main" id="{FC53765C-B7F9-48A0-9AD8-94EEFD994F74}"/>
               </a:ext>
             </a:extLst>
           </p:cNvPr>
@@ -874,7 +874,7 @@
           <p:cNvPr id="5" name="Footer Placeholder 4">
             <a:extLst>
               <a:ext uri="{FF2B5EF4-FFF2-40B4-BE49-F238E27FC236}">
-                <a16:creationId xmlns:a16="http://schemas.microsoft.com/office/drawing/2014/main" xmlns="" id="{D1CA6D41-079C-4A63-BEBF-6FAED49A5EEB}"/>
+                <a16:creationId xmlns="" xmlns:a16="http://schemas.microsoft.com/office/drawing/2014/main" id="{D1CA6D41-079C-4A63-BEBF-6FAED49A5EEB}"/>
               </a:ext>
             </a:extLst>
           </p:cNvPr>
@@ -899,7 +899,7 @@
           <p:cNvPr id="6" name="Slide Number Placeholder 5">
             <a:extLst>
               <a:ext uri="{FF2B5EF4-FFF2-40B4-BE49-F238E27FC236}">
-                <a16:creationId xmlns:a16="http://schemas.microsoft.com/office/drawing/2014/main" xmlns="" id="{59579009-854F-4A40-B438-E192835A0755}"/>
+                <a16:creationId xmlns="" xmlns:a16="http://schemas.microsoft.com/office/drawing/2014/main" id="{59579009-854F-4A40-B438-E192835A0755}"/>
               </a:ext>
             </a:extLst>
           </p:cNvPr>
@@ -958,7 +958,7 @@
           <p:cNvPr id="2" name="Title 1">
             <a:extLst>
               <a:ext uri="{FF2B5EF4-FFF2-40B4-BE49-F238E27FC236}">
-                <a16:creationId xmlns:a16="http://schemas.microsoft.com/office/drawing/2014/main" xmlns="" id="{0BE948C8-FBCE-4CC7-9719-726AD3AB6A42}"/>
+                <a16:creationId xmlns="" xmlns:a16="http://schemas.microsoft.com/office/drawing/2014/main" id="{0BE948C8-FBCE-4CC7-9719-726AD3AB6A42}"/>
               </a:ext>
             </a:extLst>
           </p:cNvPr>
@@ -995,7 +995,7 @@
           <p:cNvPr id="3" name="Text Placeholder 2">
             <a:extLst>
               <a:ext uri="{FF2B5EF4-FFF2-40B4-BE49-F238E27FC236}">
-                <a16:creationId xmlns:a16="http://schemas.microsoft.com/office/drawing/2014/main" xmlns="" id="{706CE389-3853-422D-BE42-F4CB71BBD9D9}"/>
+                <a16:creationId xmlns="" xmlns:a16="http://schemas.microsoft.com/office/drawing/2014/main" id="{706CE389-3853-422D-BE42-F4CB71BBD9D9}"/>
               </a:ext>
             </a:extLst>
           </p:cNvPr>
@@ -1120,7 +1120,7 @@
           <p:cNvPr id="4" name="Date Placeholder 3">
             <a:extLst>
               <a:ext uri="{FF2B5EF4-FFF2-40B4-BE49-F238E27FC236}">
-                <a16:creationId xmlns:a16="http://schemas.microsoft.com/office/drawing/2014/main" xmlns="" id="{99913F53-CB0D-4029-9CD0-FA29C07C57F4}"/>
+                <a16:creationId xmlns="" xmlns:a16="http://schemas.microsoft.com/office/drawing/2014/main" id="{99913F53-CB0D-4029-9CD0-FA29C07C57F4}"/>
               </a:ext>
             </a:extLst>
           </p:cNvPr>
@@ -1149,7 +1149,7 @@
           <p:cNvPr id="5" name="Footer Placeholder 4">
             <a:extLst>
               <a:ext uri="{FF2B5EF4-FFF2-40B4-BE49-F238E27FC236}">
-                <a16:creationId xmlns:a16="http://schemas.microsoft.com/office/drawing/2014/main" xmlns="" id="{7CCC8FBC-55C9-422E-8C3B-34B3B8DCB527}"/>
+                <a16:creationId xmlns="" xmlns:a16="http://schemas.microsoft.com/office/drawing/2014/main" id="{7CCC8FBC-55C9-422E-8C3B-34B3B8DCB527}"/>
               </a:ext>
             </a:extLst>
           </p:cNvPr>
@@ -1174,7 +1174,7 @@
           <p:cNvPr id="6" name="Slide Number Placeholder 5">
             <a:extLst>
               <a:ext uri="{FF2B5EF4-FFF2-40B4-BE49-F238E27FC236}">
-                <a16:creationId xmlns:a16="http://schemas.microsoft.com/office/drawing/2014/main" xmlns="" id="{67686B23-AA94-4004-B8EF-6AD4C5E61AA4}"/>
+                <a16:creationId xmlns="" xmlns:a16="http://schemas.microsoft.com/office/drawing/2014/main" id="{67686B23-AA94-4004-B8EF-6AD4C5E61AA4}"/>
               </a:ext>
             </a:extLst>
           </p:cNvPr>
@@ -1233,7 +1233,7 @@
           <p:cNvPr id="2" name="Title 1">
             <a:extLst>
               <a:ext uri="{FF2B5EF4-FFF2-40B4-BE49-F238E27FC236}">
-                <a16:creationId xmlns:a16="http://schemas.microsoft.com/office/drawing/2014/main" xmlns="" id="{67959307-D73F-426A-AC00-39F1EDA53BE7}"/>
+                <a16:creationId xmlns="" xmlns:a16="http://schemas.microsoft.com/office/drawing/2014/main" id="{67959307-D73F-426A-AC00-39F1EDA53BE7}"/>
               </a:ext>
             </a:extLst>
           </p:cNvPr>
@@ -1261,7 +1261,7 @@
           <p:cNvPr id="3" name="Content Placeholder 2">
             <a:extLst>
               <a:ext uri="{FF2B5EF4-FFF2-40B4-BE49-F238E27FC236}">
-                <a16:creationId xmlns:a16="http://schemas.microsoft.com/office/drawing/2014/main" xmlns="" id="{A6509B0A-B4EF-4D7A-A397-86AD97A2F816}"/>
+                <a16:creationId xmlns="" xmlns:a16="http://schemas.microsoft.com/office/drawing/2014/main" id="{A6509B0A-B4EF-4D7A-A397-86AD97A2F816}"/>
               </a:ext>
             </a:extLst>
           </p:cNvPr>
@@ -1323,7 +1323,7 @@
           <p:cNvPr id="4" name="Content Placeholder 3">
             <a:extLst>
               <a:ext uri="{FF2B5EF4-FFF2-40B4-BE49-F238E27FC236}">
-                <a16:creationId xmlns:a16="http://schemas.microsoft.com/office/drawing/2014/main" xmlns="" id="{C6981626-7AC2-4EB6-A57F-64C77A5BCEE9}"/>
+                <a16:creationId xmlns="" xmlns:a16="http://schemas.microsoft.com/office/drawing/2014/main" id="{C6981626-7AC2-4EB6-A57F-64C77A5BCEE9}"/>
               </a:ext>
             </a:extLst>
           </p:cNvPr>
@@ -1385,7 +1385,7 @@
           <p:cNvPr id="5" name="Date Placeholder 4">
             <a:extLst>
               <a:ext uri="{FF2B5EF4-FFF2-40B4-BE49-F238E27FC236}">
-                <a16:creationId xmlns:a16="http://schemas.microsoft.com/office/drawing/2014/main" xmlns="" id="{2DDD8A84-9213-49D9-B076-F638EB5BD149}"/>
+                <a16:creationId xmlns="" xmlns:a16="http://schemas.microsoft.com/office/drawing/2014/main" id="{2DDD8A84-9213-49D9-B076-F638EB5BD149}"/>
               </a:ext>
             </a:extLst>
           </p:cNvPr>
@@ -1414,7 +1414,7 @@
           <p:cNvPr id="6" name="Footer Placeholder 5">
             <a:extLst>
               <a:ext uri="{FF2B5EF4-FFF2-40B4-BE49-F238E27FC236}">
-                <a16:creationId xmlns:a16="http://schemas.microsoft.com/office/drawing/2014/main" xmlns="" id="{75EE78A4-1A86-4DE3-BFB7-E284409309A2}"/>
+                <a16:creationId xmlns="" xmlns:a16="http://schemas.microsoft.com/office/drawing/2014/main" id="{75EE78A4-1A86-4DE3-BFB7-E284409309A2}"/>
               </a:ext>
             </a:extLst>
           </p:cNvPr>
@@ -1439,7 +1439,7 @@
           <p:cNvPr id="7" name="Slide Number Placeholder 6">
             <a:extLst>
               <a:ext uri="{FF2B5EF4-FFF2-40B4-BE49-F238E27FC236}">
-                <a16:creationId xmlns:a16="http://schemas.microsoft.com/office/drawing/2014/main" xmlns="" id="{2D20653C-BCD9-48AF-BED6-9148F1BF1AD3}"/>
+                <a16:creationId xmlns="" xmlns:a16="http://schemas.microsoft.com/office/drawing/2014/main" id="{2D20653C-BCD9-48AF-BED6-9148F1BF1AD3}"/>
               </a:ext>
             </a:extLst>
           </p:cNvPr>
@@ -1498,7 +1498,7 @@
           <p:cNvPr id="2" name="Title 1">
             <a:extLst>
               <a:ext uri="{FF2B5EF4-FFF2-40B4-BE49-F238E27FC236}">
-                <a16:creationId xmlns:a16="http://schemas.microsoft.com/office/drawing/2014/main" xmlns="" id="{22421AD7-C086-4679-91EF-EB0ADD905645}"/>
+                <a16:creationId xmlns="" xmlns:a16="http://schemas.microsoft.com/office/drawing/2014/main" id="{22421AD7-C086-4679-91EF-EB0ADD905645}"/>
               </a:ext>
             </a:extLst>
           </p:cNvPr>
@@ -1531,7 +1531,7 @@
           <p:cNvPr id="3" name="Text Placeholder 2">
             <a:extLst>
               <a:ext uri="{FF2B5EF4-FFF2-40B4-BE49-F238E27FC236}">
-                <a16:creationId xmlns:a16="http://schemas.microsoft.com/office/drawing/2014/main" xmlns="" id="{5C6C21D8-7076-4CBA-B221-0873D5B68ED3}"/>
+                <a16:creationId xmlns="" xmlns:a16="http://schemas.microsoft.com/office/drawing/2014/main" id="{5C6C21D8-7076-4CBA-B221-0873D5B68ED3}"/>
               </a:ext>
             </a:extLst>
           </p:cNvPr>
@@ -1602,7 +1602,7 @@
           <p:cNvPr id="4" name="Content Placeholder 3">
             <a:extLst>
               <a:ext uri="{FF2B5EF4-FFF2-40B4-BE49-F238E27FC236}">
-                <a16:creationId xmlns:a16="http://schemas.microsoft.com/office/drawing/2014/main" xmlns="" id="{D26E93EF-3847-4752-8DB2-655A5421DC9B}"/>
+                <a16:creationId xmlns="" xmlns:a16="http://schemas.microsoft.com/office/drawing/2014/main" id="{D26E93EF-3847-4752-8DB2-655A5421DC9B}"/>
               </a:ext>
             </a:extLst>
           </p:cNvPr>
@@ -1664,7 +1664,7 @@
           <p:cNvPr id="5" name="Text Placeholder 4">
             <a:extLst>
               <a:ext uri="{FF2B5EF4-FFF2-40B4-BE49-F238E27FC236}">
-                <a16:creationId xmlns:a16="http://schemas.microsoft.com/office/drawing/2014/main" xmlns="" id="{3B108CC2-C9F0-4009-A9F8-4376EDC8F08D}"/>
+                <a16:creationId xmlns="" xmlns:a16="http://schemas.microsoft.com/office/drawing/2014/main" id="{3B108CC2-C9F0-4009-A9F8-4376EDC8F08D}"/>
               </a:ext>
             </a:extLst>
           </p:cNvPr>
@@ -1735,7 +1735,7 @@
           <p:cNvPr id="6" name="Content Placeholder 5">
             <a:extLst>
               <a:ext uri="{FF2B5EF4-FFF2-40B4-BE49-F238E27FC236}">
-                <a16:creationId xmlns:a16="http://schemas.microsoft.com/office/drawing/2014/main" xmlns="" id="{17163591-25D4-405C-826A-CC706808F175}"/>
+                <a16:creationId xmlns="" xmlns:a16="http://schemas.microsoft.com/office/drawing/2014/main" id="{17163591-25D4-405C-826A-CC706808F175}"/>
               </a:ext>
             </a:extLst>
           </p:cNvPr>
@@ -1797,7 +1797,7 @@
           <p:cNvPr id="7" name="Date Placeholder 6">
             <a:extLst>
               <a:ext uri="{FF2B5EF4-FFF2-40B4-BE49-F238E27FC236}">
-                <a16:creationId xmlns:a16="http://schemas.microsoft.com/office/drawing/2014/main" xmlns="" id="{B5BB4EFF-B36D-4BC1-B65D-5AC280A79881}"/>
+                <a16:creationId xmlns="" xmlns:a16="http://schemas.microsoft.com/office/drawing/2014/main" id="{B5BB4EFF-B36D-4BC1-B65D-5AC280A79881}"/>
               </a:ext>
             </a:extLst>
           </p:cNvPr>
@@ -1826,7 +1826,7 @@
           <p:cNvPr id="8" name="Footer Placeholder 7">
             <a:extLst>
               <a:ext uri="{FF2B5EF4-FFF2-40B4-BE49-F238E27FC236}">
-                <a16:creationId xmlns:a16="http://schemas.microsoft.com/office/drawing/2014/main" xmlns="" id="{284E1546-E539-41EE-AC47-FEC44DA56517}"/>
+                <a16:creationId xmlns="" xmlns:a16="http://schemas.microsoft.com/office/drawing/2014/main" id="{284E1546-E539-41EE-AC47-FEC44DA56517}"/>
               </a:ext>
             </a:extLst>
           </p:cNvPr>
@@ -1851,7 +1851,7 @@
           <p:cNvPr id="9" name="Slide Number Placeholder 8">
             <a:extLst>
               <a:ext uri="{FF2B5EF4-FFF2-40B4-BE49-F238E27FC236}">
-                <a16:creationId xmlns:a16="http://schemas.microsoft.com/office/drawing/2014/main" xmlns="" id="{D9E81E0E-0A36-4568-B8A2-E6CD8326965B}"/>
+                <a16:creationId xmlns="" xmlns:a16="http://schemas.microsoft.com/office/drawing/2014/main" id="{D9E81E0E-0A36-4568-B8A2-E6CD8326965B}"/>
               </a:ext>
             </a:extLst>
           </p:cNvPr>
@@ -1910,7 +1910,7 @@
           <p:cNvPr id="2" name="Title 1">
             <a:extLst>
               <a:ext uri="{FF2B5EF4-FFF2-40B4-BE49-F238E27FC236}">
-                <a16:creationId xmlns:a16="http://schemas.microsoft.com/office/drawing/2014/main" xmlns="" id="{DE8B6F76-57EF-4DD7-9638-4C6737EC4DAC}"/>
+                <a16:creationId xmlns="" xmlns:a16="http://schemas.microsoft.com/office/drawing/2014/main" id="{DE8B6F76-57EF-4DD7-9638-4C6737EC4DAC}"/>
               </a:ext>
             </a:extLst>
           </p:cNvPr>
@@ -1938,7 +1938,7 @@
           <p:cNvPr id="3" name="Date Placeholder 2">
             <a:extLst>
               <a:ext uri="{FF2B5EF4-FFF2-40B4-BE49-F238E27FC236}">
-                <a16:creationId xmlns:a16="http://schemas.microsoft.com/office/drawing/2014/main" xmlns="" id="{3C45DC08-9F39-47DE-935B-0BCA04F06F38}"/>
+                <a16:creationId xmlns="" xmlns:a16="http://schemas.microsoft.com/office/drawing/2014/main" id="{3C45DC08-9F39-47DE-935B-0BCA04F06F38}"/>
               </a:ext>
             </a:extLst>
           </p:cNvPr>
@@ -1967,7 +1967,7 @@
           <p:cNvPr id="4" name="Footer Placeholder 3">
             <a:extLst>
               <a:ext uri="{FF2B5EF4-FFF2-40B4-BE49-F238E27FC236}">
-                <a16:creationId xmlns:a16="http://schemas.microsoft.com/office/drawing/2014/main" xmlns="" id="{EA1BBE6F-C22C-4B4A-A064-BEC783A8E732}"/>
+                <a16:creationId xmlns="" xmlns:a16="http://schemas.microsoft.com/office/drawing/2014/main" id="{EA1BBE6F-C22C-4B4A-A064-BEC783A8E732}"/>
               </a:ext>
             </a:extLst>
           </p:cNvPr>
@@ -1992,7 +1992,7 @@
           <p:cNvPr id="5" name="Slide Number Placeholder 4">
             <a:extLst>
               <a:ext uri="{FF2B5EF4-FFF2-40B4-BE49-F238E27FC236}">
-                <a16:creationId xmlns:a16="http://schemas.microsoft.com/office/drawing/2014/main" xmlns="" id="{00034B6F-8395-423C-A056-850A19A9629F}"/>
+                <a16:creationId xmlns="" xmlns:a16="http://schemas.microsoft.com/office/drawing/2014/main" id="{00034B6F-8395-423C-A056-850A19A9629F}"/>
               </a:ext>
             </a:extLst>
           </p:cNvPr>
@@ -2051,7 +2051,7 @@
           <p:cNvPr id="2" name="Date Placeholder 1">
             <a:extLst>
               <a:ext uri="{FF2B5EF4-FFF2-40B4-BE49-F238E27FC236}">
-                <a16:creationId xmlns:a16="http://schemas.microsoft.com/office/drawing/2014/main" xmlns="" id="{373BB607-5507-40CD-B1AA-CB14A1CB7929}"/>
+                <a16:creationId xmlns="" xmlns:a16="http://schemas.microsoft.com/office/drawing/2014/main" id="{373BB607-5507-40CD-B1AA-CB14A1CB7929}"/>
               </a:ext>
             </a:extLst>
           </p:cNvPr>
@@ -2080,7 +2080,7 @@
           <p:cNvPr id="3" name="Footer Placeholder 2">
             <a:extLst>
               <a:ext uri="{FF2B5EF4-FFF2-40B4-BE49-F238E27FC236}">
-                <a16:creationId xmlns:a16="http://schemas.microsoft.com/office/drawing/2014/main" xmlns="" id="{98B4C0E4-8016-4348-ACBC-C3FBDF279C50}"/>
+                <a16:creationId xmlns="" xmlns:a16="http://schemas.microsoft.com/office/drawing/2014/main" id="{98B4C0E4-8016-4348-ACBC-C3FBDF279C50}"/>
               </a:ext>
             </a:extLst>
           </p:cNvPr>
@@ -2105,7 +2105,7 @@
           <p:cNvPr id="4" name="Slide Number Placeholder 3">
             <a:extLst>
               <a:ext uri="{FF2B5EF4-FFF2-40B4-BE49-F238E27FC236}">
-                <a16:creationId xmlns:a16="http://schemas.microsoft.com/office/drawing/2014/main" xmlns="" id="{8ED4A2EF-60E2-4BFB-ACB5-F59262CFD8DC}"/>
+                <a16:creationId xmlns="" xmlns:a16="http://schemas.microsoft.com/office/drawing/2014/main" id="{8ED4A2EF-60E2-4BFB-ACB5-F59262CFD8DC}"/>
               </a:ext>
             </a:extLst>
           </p:cNvPr>
@@ -2164,7 +2164,7 @@
           <p:cNvPr id="2" name="Title 1">
             <a:extLst>
               <a:ext uri="{FF2B5EF4-FFF2-40B4-BE49-F238E27FC236}">
-                <a16:creationId xmlns:a16="http://schemas.microsoft.com/office/drawing/2014/main" xmlns="" id="{47BF17BD-F3AB-4E0E-A14A-B134D0FCAF7D}"/>
+                <a16:creationId xmlns="" xmlns:a16="http://schemas.microsoft.com/office/drawing/2014/main" id="{47BF17BD-F3AB-4E0E-A14A-B134D0FCAF7D}"/>
               </a:ext>
             </a:extLst>
           </p:cNvPr>
@@ -2201,7 +2201,7 @@
           <p:cNvPr id="3" name="Content Placeholder 2">
             <a:extLst>
               <a:ext uri="{FF2B5EF4-FFF2-40B4-BE49-F238E27FC236}">
-                <a16:creationId xmlns:a16="http://schemas.microsoft.com/office/drawing/2014/main" xmlns="" id="{A26AFD2A-FB4D-4A94-B44E-9E2B06CC5A55}"/>
+                <a16:creationId xmlns="" xmlns:a16="http://schemas.microsoft.com/office/drawing/2014/main" id="{A26AFD2A-FB4D-4A94-B44E-9E2B06CC5A55}"/>
               </a:ext>
             </a:extLst>
           </p:cNvPr>
@@ -2291,7 +2291,7 @@
           <p:cNvPr id="4" name="Text Placeholder 3">
             <a:extLst>
               <a:ext uri="{FF2B5EF4-FFF2-40B4-BE49-F238E27FC236}">
-                <a16:creationId xmlns:a16="http://schemas.microsoft.com/office/drawing/2014/main" xmlns="" id="{DF4E39F0-6EE2-4A0E-A50E-D114180EBB3B}"/>
+                <a16:creationId xmlns="" xmlns:a16="http://schemas.microsoft.com/office/drawing/2014/main" id="{DF4E39F0-6EE2-4A0E-A50E-D114180EBB3B}"/>
               </a:ext>
             </a:extLst>
           </p:cNvPr>
@@ -2362,7 +2362,7 @@
           <p:cNvPr id="5" name="Date Placeholder 4">
             <a:extLst>
               <a:ext uri="{FF2B5EF4-FFF2-40B4-BE49-F238E27FC236}">
-                <a16:creationId xmlns:a16="http://schemas.microsoft.com/office/drawing/2014/main" xmlns="" id="{357EF30D-37A1-4DBE-B122-78D7523819E6}"/>
+                <a16:creationId xmlns="" xmlns:a16="http://schemas.microsoft.com/office/drawing/2014/main" id="{357EF30D-37A1-4DBE-B122-78D7523819E6}"/>
               </a:ext>
             </a:extLst>
           </p:cNvPr>
@@ -2391,7 +2391,7 @@
           <p:cNvPr id="6" name="Footer Placeholder 5">
             <a:extLst>
               <a:ext uri="{FF2B5EF4-FFF2-40B4-BE49-F238E27FC236}">
-                <a16:creationId xmlns:a16="http://schemas.microsoft.com/office/drawing/2014/main" xmlns="" id="{D45D9E8D-499A-4BD3-9237-8513622FEA93}"/>
+                <a16:creationId xmlns="" xmlns:a16="http://schemas.microsoft.com/office/drawing/2014/main" id="{D45D9E8D-499A-4BD3-9237-8513622FEA93}"/>
               </a:ext>
             </a:extLst>
           </p:cNvPr>
@@ -2416,7 +2416,7 @@
           <p:cNvPr id="7" name="Slide Number Placeholder 6">
             <a:extLst>
               <a:ext uri="{FF2B5EF4-FFF2-40B4-BE49-F238E27FC236}">
-                <a16:creationId xmlns:a16="http://schemas.microsoft.com/office/drawing/2014/main" xmlns="" id="{BBE270F4-C44D-4EFE-9538-F7F3FBC6BA09}"/>
+                <a16:creationId xmlns="" xmlns:a16="http://schemas.microsoft.com/office/drawing/2014/main" id="{BBE270F4-C44D-4EFE-9538-F7F3FBC6BA09}"/>
               </a:ext>
             </a:extLst>
           </p:cNvPr>
@@ -2475,7 +2475,7 @@
           <p:cNvPr id="2" name="Title 1">
             <a:extLst>
               <a:ext uri="{FF2B5EF4-FFF2-40B4-BE49-F238E27FC236}">
-                <a16:creationId xmlns:a16="http://schemas.microsoft.com/office/drawing/2014/main" xmlns="" id="{EC63859C-B35D-4AB8-A6C9-F57381633CB1}"/>
+                <a16:creationId xmlns="" xmlns:a16="http://schemas.microsoft.com/office/drawing/2014/main" id="{EC63859C-B35D-4AB8-A6C9-F57381633CB1}"/>
               </a:ext>
             </a:extLst>
           </p:cNvPr>
@@ -2512,7 +2512,7 @@
           <p:cNvPr id="3" name="Picture Placeholder 2">
             <a:extLst>
               <a:ext uri="{FF2B5EF4-FFF2-40B4-BE49-F238E27FC236}">
-                <a16:creationId xmlns:a16="http://schemas.microsoft.com/office/drawing/2014/main" xmlns="" id="{87A7A11B-B107-43E2-93C4-1D2C42A30037}"/>
+                <a16:creationId xmlns="" xmlns:a16="http://schemas.microsoft.com/office/drawing/2014/main" id="{87A7A11B-B107-43E2-93C4-1D2C42A30037}"/>
               </a:ext>
             </a:extLst>
           </p:cNvPr>
@@ -2579,7 +2579,7 @@
           <p:cNvPr id="4" name="Text Placeholder 3">
             <a:extLst>
               <a:ext uri="{FF2B5EF4-FFF2-40B4-BE49-F238E27FC236}">
-                <a16:creationId xmlns:a16="http://schemas.microsoft.com/office/drawing/2014/main" xmlns="" id="{64C924E0-E145-4A67-ACA1-EFF194304AA6}"/>
+                <a16:creationId xmlns="" xmlns:a16="http://schemas.microsoft.com/office/drawing/2014/main" id="{64C924E0-E145-4A67-ACA1-EFF194304AA6}"/>
               </a:ext>
             </a:extLst>
           </p:cNvPr>
@@ -2650,7 +2650,7 @@
           <p:cNvPr id="5" name="Date Placeholder 4">
             <a:extLst>
               <a:ext uri="{FF2B5EF4-FFF2-40B4-BE49-F238E27FC236}">
-                <a16:creationId xmlns:a16="http://schemas.microsoft.com/office/drawing/2014/main" xmlns="" id="{6A32C46C-8997-4412-946C-AC5D6CABFCC2}"/>
+                <a16:creationId xmlns="" xmlns:a16="http://schemas.microsoft.com/office/drawing/2014/main" id="{6A32C46C-8997-4412-946C-AC5D6CABFCC2}"/>
               </a:ext>
             </a:extLst>
           </p:cNvPr>
@@ -2679,7 +2679,7 @@
           <p:cNvPr id="6" name="Footer Placeholder 5">
             <a:extLst>
               <a:ext uri="{FF2B5EF4-FFF2-40B4-BE49-F238E27FC236}">
-                <a16:creationId xmlns:a16="http://schemas.microsoft.com/office/drawing/2014/main" xmlns="" id="{7B0C5A79-CDE4-4E7E-A692-9883A41387A0}"/>
+                <a16:creationId xmlns="" xmlns:a16="http://schemas.microsoft.com/office/drawing/2014/main" id="{7B0C5A79-CDE4-4E7E-A692-9883A41387A0}"/>
               </a:ext>
             </a:extLst>
           </p:cNvPr>
@@ -2704,7 +2704,7 @@
           <p:cNvPr id="7" name="Slide Number Placeholder 6">
             <a:extLst>
               <a:ext uri="{FF2B5EF4-FFF2-40B4-BE49-F238E27FC236}">
-                <a16:creationId xmlns:a16="http://schemas.microsoft.com/office/drawing/2014/main" xmlns="" id="{43D2AE23-7AD0-4A60-9BB3-9F650DC3BC6A}"/>
+                <a16:creationId xmlns="" xmlns:a16="http://schemas.microsoft.com/office/drawing/2014/main" id="{43D2AE23-7AD0-4A60-9BB3-9F650DC3BC6A}"/>
               </a:ext>
             </a:extLst>
           </p:cNvPr>
@@ -2768,7 +2768,7 @@
           <p:cNvPr id="2" name="Title Placeholder 1">
             <a:extLst>
               <a:ext uri="{FF2B5EF4-FFF2-40B4-BE49-F238E27FC236}">
-                <a16:creationId xmlns:a16="http://schemas.microsoft.com/office/drawing/2014/main" xmlns="" id="{885AB671-559A-4614-AED5-75BD5242F9B4}"/>
+                <a16:creationId xmlns="" xmlns:a16="http://schemas.microsoft.com/office/drawing/2014/main" id="{885AB671-559A-4614-AED5-75BD5242F9B4}"/>
               </a:ext>
             </a:extLst>
           </p:cNvPr>
@@ -2806,7 +2806,7 @@
           <p:cNvPr id="3" name="Text Placeholder 2">
             <a:extLst>
               <a:ext uri="{FF2B5EF4-FFF2-40B4-BE49-F238E27FC236}">
-                <a16:creationId xmlns:a16="http://schemas.microsoft.com/office/drawing/2014/main" xmlns="" id="{84343A12-FD1C-44AB-B881-AA969299F75C}"/>
+                <a16:creationId xmlns="" xmlns:a16="http://schemas.microsoft.com/office/drawing/2014/main" id="{84343A12-FD1C-44AB-B881-AA969299F75C}"/>
               </a:ext>
             </a:extLst>
           </p:cNvPr>
@@ -2873,7 +2873,7 @@
           <p:cNvPr id="4" name="Date Placeholder 3">
             <a:extLst>
               <a:ext uri="{FF2B5EF4-FFF2-40B4-BE49-F238E27FC236}">
-                <a16:creationId xmlns:a16="http://schemas.microsoft.com/office/drawing/2014/main" xmlns="" id="{B46D6347-7D5A-418A-9DF3-ADB0BD134A88}"/>
+                <a16:creationId xmlns="" xmlns:a16="http://schemas.microsoft.com/office/drawing/2014/main" id="{B46D6347-7D5A-418A-9DF3-ADB0BD134A88}"/>
               </a:ext>
             </a:extLst>
           </p:cNvPr>
@@ -2920,7 +2920,7 @@
           <p:cNvPr id="5" name="Footer Placeholder 4">
             <a:extLst>
               <a:ext uri="{FF2B5EF4-FFF2-40B4-BE49-F238E27FC236}">
-                <a16:creationId xmlns:a16="http://schemas.microsoft.com/office/drawing/2014/main" xmlns="" id="{C8EEAF8F-4991-468A-8BE9-A8079BC9122D}"/>
+                <a16:creationId xmlns="" xmlns:a16="http://schemas.microsoft.com/office/drawing/2014/main" id="{C8EEAF8F-4991-468A-8BE9-A8079BC9122D}"/>
               </a:ext>
             </a:extLst>
           </p:cNvPr>
@@ -2963,7 +2963,7 @@
           <p:cNvPr id="6" name="Slide Number Placeholder 5">
             <a:extLst>
               <a:ext uri="{FF2B5EF4-FFF2-40B4-BE49-F238E27FC236}">
-                <a16:creationId xmlns:a16="http://schemas.microsoft.com/office/drawing/2014/main" xmlns="" id="{D9E0E645-0462-4433-A6BD-A4A51F8D0FCD}"/>
+                <a16:creationId xmlns="" xmlns:a16="http://schemas.microsoft.com/office/drawing/2014/main" id="{D9E0E645-0462-4433-A6BD-A4A51F8D0FCD}"/>
               </a:ext>
             </a:extLst>
           </p:cNvPr>
@@ -3331,7 +3331,7 @@
           <p:cNvPr id="4" name="Oval 3">
             <a:extLst>
               <a:ext uri="{FF2B5EF4-FFF2-40B4-BE49-F238E27FC236}">
-                <a16:creationId xmlns:a16="http://schemas.microsoft.com/office/drawing/2014/main" xmlns="" id="{1EF872D6-872E-4CC3-AAD3-14411D9C0993}"/>
+                <a16:creationId xmlns="" xmlns:a16="http://schemas.microsoft.com/office/drawing/2014/main" id="{1EF872D6-872E-4CC3-AAD3-14411D9C0993}"/>
               </a:ext>
             </a:extLst>
           </p:cNvPr>
@@ -3383,7 +3383,7 @@
           <p:cNvPr id="5" name="Oval 4">
             <a:extLst>
               <a:ext uri="{FF2B5EF4-FFF2-40B4-BE49-F238E27FC236}">
-                <a16:creationId xmlns:a16="http://schemas.microsoft.com/office/drawing/2014/main" xmlns="" id="{168B4A4F-FF43-4B76-90BE-90DC6965840A}"/>
+                <a16:creationId xmlns="" xmlns:a16="http://schemas.microsoft.com/office/drawing/2014/main" id="{168B4A4F-FF43-4B76-90BE-90DC6965840A}"/>
               </a:ext>
             </a:extLst>
           </p:cNvPr>
@@ -3435,7 +3435,7 @@
           <p:cNvPr id="6" name="Oval 5">
             <a:extLst>
               <a:ext uri="{FF2B5EF4-FFF2-40B4-BE49-F238E27FC236}">
-                <a16:creationId xmlns:a16="http://schemas.microsoft.com/office/drawing/2014/main" xmlns="" id="{6F7B785B-5400-4F99-8EA2-F573C0FE0E3E}"/>
+                <a16:creationId xmlns="" xmlns:a16="http://schemas.microsoft.com/office/drawing/2014/main" id="{6F7B785B-5400-4F99-8EA2-F573C0FE0E3E}"/>
               </a:ext>
             </a:extLst>
           </p:cNvPr>
@@ -3487,7 +3487,7 @@
           <p:cNvPr id="7" name="Oval 6">
             <a:extLst>
               <a:ext uri="{FF2B5EF4-FFF2-40B4-BE49-F238E27FC236}">
-                <a16:creationId xmlns:a16="http://schemas.microsoft.com/office/drawing/2014/main" xmlns="" id="{37D03BF4-8FE8-4156-B03F-352E33C9248B}"/>
+                <a16:creationId xmlns="" xmlns:a16="http://schemas.microsoft.com/office/drawing/2014/main" id="{37D03BF4-8FE8-4156-B03F-352E33C9248B}"/>
               </a:ext>
             </a:extLst>
           </p:cNvPr>
@@ -3539,7 +3539,7 @@
           <p:cNvPr id="8" name="Oval 7">
             <a:extLst>
               <a:ext uri="{FF2B5EF4-FFF2-40B4-BE49-F238E27FC236}">
-                <a16:creationId xmlns:a16="http://schemas.microsoft.com/office/drawing/2014/main" xmlns="" id="{BF9B2CE8-A8C6-4576-93B0-8706FFA01678}"/>
+                <a16:creationId xmlns="" xmlns:a16="http://schemas.microsoft.com/office/drawing/2014/main" id="{BF9B2CE8-A8C6-4576-93B0-8706FFA01678}"/>
               </a:ext>
             </a:extLst>
           </p:cNvPr>
@@ -3554,12 +3554,12 @@
           <a:prstGeom prst="ellipse">
             <a:avLst/>
           </a:prstGeom>
-          <a:solidFill>
-            <a:schemeClr val="accent6">
-              <a:lumMod val="40000"/>
-              <a:lumOff val="60000"/>
-            </a:schemeClr>
-          </a:solidFill>
+          <a:blipFill>
+            <a:blip r:embed="rId4"/>
+            <a:stretch>
+              <a:fillRect/>
+            </a:stretch>
+          </a:blipFill>
         </p:spPr>
         <p:style>
           <a:lnRef idx="2">
@@ -3591,7 +3591,7 @@
           <p:cNvPr id="3" name="Rectangle 2">
             <a:extLst>
               <a:ext uri="{FF2B5EF4-FFF2-40B4-BE49-F238E27FC236}">
-                <a16:creationId xmlns:a16="http://schemas.microsoft.com/office/drawing/2014/main" xmlns="" id="{1C0142B0-6B24-4BED-9912-407A866901D1}"/>
+                <a16:creationId xmlns="" xmlns:a16="http://schemas.microsoft.com/office/drawing/2014/main" id="{1C0142B0-6B24-4BED-9912-407A866901D1}"/>
               </a:ext>
             </a:extLst>
           </p:cNvPr>
@@ -3625,7 +3625,7 @@
           <p:cNvPr id="9" name="Rectangle 8">
             <a:extLst>
               <a:ext uri="{FF2B5EF4-FFF2-40B4-BE49-F238E27FC236}">
-                <a16:creationId xmlns:a16="http://schemas.microsoft.com/office/drawing/2014/main" xmlns="" id="{D71155C5-7F0A-41A5-AB61-7E985BBCE9B7}"/>
+                <a16:creationId xmlns="" xmlns:a16="http://schemas.microsoft.com/office/drawing/2014/main" id="{D71155C5-7F0A-41A5-AB61-7E985BBCE9B7}"/>
               </a:ext>
             </a:extLst>
           </p:cNvPr>
@@ -3659,7 +3659,7 @@
           <p:cNvPr id="10" name="Rectangle 9">
             <a:extLst>
               <a:ext uri="{FF2B5EF4-FFF2-40B4-BE49-F238E27FC236}">
-                <a16:creationId xmlns:a16="http://schemas.microsoft.com/office/drawing/2014/main" xmlns="" id="{26718B29-6C20-479E-AE58-DE1C3204A38E}"/>
+                <a16:creationId xmlns="" xmlns:a16="http://schemas.microsoft.com/office/drawing/2014/main" id="{26718B29-6C20-479E-AE58-DE1C3204A38E}"/>
               </a:ext>
             </a:extLst>
           </p:cNvPr>
@@ -3693,7 +3693,7 @@
           <p:cNvPr id="11" name="Rectangle 10">
             <a:extLst>
               <a:ext uri="{FF2B5EF4-FFF2-40B4-BE49-F238E27FC236}">
-                <a16:creationId xmlns:a16="http://schemas.microsoft.com/office/drawing/2014/main" xmlns="" id="{FE624033-C1CA-4427-AACE-F7F9B1361379}"/>
+                <a16:creationId xmlns="" xmlns:a16="http://schemas.microsoft.com/office/drawing/2014/main" id="{FE624033-C1CA-4427-AACE-F7F9B1361379}"/>
               </a:ext>
             </a:extLst>
           </p:cNvPr>
@@ -3727,7 +3727,7 @@
           <p:cNvPr id="12" name="Rectangle 11">
             <a:extLst>
               <a:ext uri="{FF2B5EF4-FFF2-40B4-BE49-F238E27FC236}">
-                <a16:creationId xmlns:a16="http://schemas.microsoft.com/office/drawing/2014/main" xmlns="" id="{09601D39-D95B-4180-8979-7E3BB734E253}"/>
+                <a16:creationId xmlns="" xmlns:a16="http://schemas.microsoft.com/office/drawing/2014/main" id="{09601D39-D95B-4180-8979-7E3BB734E253}"/>
               </a:ext>
             </a:extLst>
           </p:cNvPr>
@@ -3761,7 +3761,7 @@
           <p:cNvPr id="13" name="Rectangle 12">
             <a:extLst>
               <a:ext uri="{FF2B5EF4-FFF2-40B4-BE49-F238E27FC236}">
-                <a16:creationId xmlns:a16="http://schemas.microsoft.com/office/drawing/2014/main" xmlns="" id="{98ACAEB2-E733-4986-BEC8-3234D8DEFA85}"/>
+                <a16:creationId xmlns="" xmlns:a16="http://schemas.microsoft.com/office/drawing/2014/main" id="{98ACAEB2-E733-4986-BEC8-3234D8DEFA85}"/>
               </a:ext>
             </a:extLst>
           </p:cNvPr>
@@ -3770,8 +3770,8 @@
         </p:nvSpPr>
         <p:spPr>
           <a:xfrm>
-            <a:off x="359228" y="1662703"/>
-            <a:ext cx="9802203" cy="830997"/>
+            <a:off x="359228" y="1585429"/>
+            <a:ext cx="11162208" cy="830997"/>
           </a:xfrm>
           <a:prstGeom prst="rect">
             <a:avLst/>
@@ -3783,6 +3783,7 @@
           </a:bodyPr>
           <a:lstStyle/>
           <a:p>
+            <a:pPr algn="ctr"/>
             <a:r>
               <a:rPr lang="en-US" sz="4800" b="1" i="1" dirty="0"/>
               <a:t>Author’s in alphabetical order</a:t>
@@ -4092,7 +4093,7 @@
   <a:extraClrSchemeLst/>
   <a:extLst>
     <a:ext uri="{05A4C25C-085E-4340-85A3-A5531E510DB2}">
-      <thm15:themeFamily xmlns:thm15="http://schemas.microsoft.com/office/thememl/2012/main" xmlns="" name="Office Theme" id="{62F939B6-93AF-4DB8-9C6B-D6C7DFDC589F}" vid="{4A3C46E8-61CC-4603-A589-7422A47A8E4A}"/>
+      <thm15:themeFamily xmlns="" xmlns:thm15="http://schemas.microsoft.com/office/thememl/2012/main" name="Office Theme" id="{62F939B6-93AF-4DB8-9C6B-D6C7DFDC589F}" vid="{4A3C46E8-61CC-4603-A589-7422A47A8E4A}"/>
     </a:ext>
   </a:extLst>
 </a:theme>

--- a/NPV_Statitical Anlysis of Diabetes Dataset/team.pptx
+++ b/NPV_Statitical Anlysis of Diabetes Dataset/team.pptx
@@ -106,7 +106,7 @@
   </p:defaultTextStyle>
   <p:extLst>
     <p:ext uri="{EFAFB233-063F-42B5-8137-9DF3F51BA10A}">
-      <p15:sldGuideLst xmlns="" xmlns:p15="http://schemas.microsoft.com/office/powerpoint/2012/main"/>
+      <p15:sldGuideLst xmlns:p15="http://schemas.microsoft.com/office/powerpoint/2012/main" xmlns=""/>
     </p:ext>
   </p:extLst>
 </p:presentation>
@@ -134,7 +134,7 @@
           <p:cNvPr id="2" name="Title 1">
             <a:extLst>
               <a:ext uri="{FF2B5EF4-FFF2-40B4-BE49-F238E27FC236}">
-                <a16:creationId xmlns="" xmlns:a16="http://schemas.microsoft.com/office/drawing/2014/main" id="{A63EC736-9F3D-45FA-A094-344B7C968BB2}"/>
+                <a16:creationId xmlns:a16="http://schemas.microsoft.com/office/drawing/2014/main" xmlns="" id="{A63EC736-9F3D-45FA-A094-344B7C968BB2}"/>
               </a:ext>
             </a:extLst>
           </p:cNvPr>
@@ -171,7 +171,7 @@
           <p:cNvPr id="3" name="Subtitle 2">
             <a:extLst>
               <a:ext uri="{FF2B5EF4-FFF2-40B4-BE49-F238E27FC236}">
-                <a16:creationId xmlns="" xmlns:a16="http://schemas.microsoft.com/office/drawing/2014/main" id="{0C6FD3EF-04EC-43FF-9EC9-A88240CE7E81}"/>
+                <a16:creationId xmlns:a16="http://schemas.microsoft.com/office/drawing/2014/main" xmlns="" id="{0C6FD3EF-04EC-43FF-9EC9-A88240CE7E81}"/>
               </a:ext>
             </a:extLst>
           </p:cNvPr>
@@ -241,7 +241,7 @@
           <p:cNvPr id="4" name="Date Placeholder 3">
             <a:extLst>
               <a:ext uri="{FF2B5EF4-FFF2-40B4-BE49-F238E27FC236}">
-                <a16:creationId xmlns="" xmlns:a16="http://schemas.microsoft.com/office/drawing/2014/main" id="{E54746D7-F53A-4AB5-82BB-168CC988B2E4}"/>
+                <a16:creationId xmlns:a16="http://schemas.microsoft.com/office/drawing/2014/main" xmlns="" id="{E54746D7-F53A-4AB5-82BB-168CC988B2E4}"/>
               </a:ext>
             </a:extLst>
           </p:cNvPr>
@@ -259,7 +259,7 @@
           <a:p>
             <a:fld id="{1B694823-1AD5-41CB-B83E-861DF0C32322}" type="datetimeFigureOut">
               <a:rPr lang="en-US" smtClean="0"/>
-              <a:t>3/31/2021</a:t>
+              <a:t>4/1/2021</a:t>
             </a:fld>
             <a:endParaRPr lang="en-US"/>
           </a:p>
@@ -270,7 +270,7 @@
           <p:cNvPr id="5" name="Footer Placeholder 4">
             <a:extLst>
               <a:ext uri="{FF2B5EF4-FFF2-40B4-BE49-F238E27FC236}">
-                <a16:creationId xmlns="" xmlns:a16="http://schemas.microsoft.com/office/drawing/2014/main" id="{62ABDB6E-1337-40C7-A73B-02ABC98179B7}"/>
+                <a16:creationId xmlns:a16="http://schemas.microsoft.com/office/drawing/2014/main" xmlns="" id="{62ABDB6E-1337-40C7-A73B-02ABC98179B7}"/>
               </a:ext>
             </a:extLst>
           </p:cNvPr>
@@ -295,7 +295,7 @@
           <p:cNvPr id="6" name="Slide Number Placeholder 5">
             <a:extLst>
               <a:ext uri="{FF2B5EF4-FFF2-40B4-BE49-F238E27FC236}">
-                <a16:creationId xmlns="" xmlns:a16="http://schemas.microsoft.com/office/drawing/2014/main" id="{8670223D-0D8D-4C96-856A-4FC7F8130C67}"/>
+                <a16:creationId xmlns:a16="http://schemas.microsoft.com/office/drawing/2014/main" xmlns="" id="{8670223D-0D8D-4C96-856A-4FC7F8130C67}"/>
               </a:ext>
             </a:extLst>
           </p:cNvPr>
@@ -354,7 +354,7 @@
           <p:cNvPr id="2" name="Title 1">
             <a:extLst>
               <a:ext uri="{FF2B5EF4-FFF2-40B4-BE49-F238E27FC236}">
-                <a16:creationId xmlns="" xmlns:a16="http://schemas.microsoft.com/office/drawing/2014/main" id="{634FFE70-D31B-4103-8D73-11260CB14395}"/>
+                <a16:creationId xmlns:a16="http://schemas.microsoft.com/office/drawing/2014/main" xmlns="" id="{634FFE70-D31B-4103-8D73-11260CB14395}"/>
               </a:ext>
             </a:extLst>
           </p:cNvPr>
@@ -382,7 +382,7 @@
           <p:cNvPr id="3" name="Vertical Text Placeholder 2">
             <a:extLst>
               <a:ext uri="{FF2B5EF4-FFF2-40B4-BE49-F238E27FC236}">
-                <a16:creationId xmlns="" xmlns:a16="http://schemas.microsoft.com/office/drawing/2014/main" id="{6EA78BD8-35CE-4AEC-898D-11B85302B773}"/>
+                <a16:creationId xmlns:a16="http://schemas.microsoft.com/office/drawing/2014/main" xmlns="" id="{6EA78BD8-35CE-4AEC-898D-11B85302B773}"/>
               </a:ext>
             </a:extLst>
           </p:cNvPr>
@@ -439,7 +439,7 @@
           <p:cNvPr id="4" name="Date Placeholder 3">
             <a:extLst>
               <a:ext uri="{FF2B5EF4-FFF2-40B4-BE49-F238E27FC236}">
-                <a16:creationId xmlns="" xmlns:a16="http://schemas.microsoft.com/office/drawing/2014/main" id="{689D5C5A-A96E-446C-9B6D-808E8E16B327}"/>
+                <a16:creationId xmlns:a16="http://schemas.microsoft.com/office/drawing/2014/main" xmlns="" id="{689D5C5A-A96E-446C-9B6D-808E8E16B327}"/>
               </a:ext>
             </a:extLst>
           </p:cNvPr>
@@ -457,7 +457,7 @@
           <a:p>
             <a:fld id="{1B694823-1AD5-41CB-B83E-861DF0C32322}" type="datetimeFigureOut">
               <a:rPr lang="en-US" smtClean="0"/>
-              <a:t>3/31/2021</a:t>
+              <a:t>4/1/2021</a:t>
             </a:fld>
             <a:endParaRPr lang="en-US"/>
           </a:p>
@@ -468,7 +468,7 @@
           <p:cNvPr id="5" name="Footer Placeholder 4">
             <a:extLst>
               <a:ext uri="{FF2B5EF4-FFF2-40B4-BE49-F238E27FC236}">
-                <a16:creationId xmlns="" xmlns:a16="http://schemas.microsoft.com/office/drawing/2014/main" id="{1539F5F2-69A5-4035-B6FA-EF66276E375B}"/>
+                <a16:creationId xmlns:a16="http://schemas.microsoft.com/office/drawing/2014/main" xmlns="" id="{1539F5F2-69A5-4035-B6FA-EF66276E375B}"/>
               </a:ext>
             </a:extLst>
           </p:cNvPr>
@@ -493,7 +493,7 @@
           <p:cNvPr id="6" name="Slide Number Placeholder 5">
             <a:extLst>
               <a:ext uri="{FF2B5EF4-FFF2-40B4-BE49-F238E27FC236}">
-                <a16:creationId xmlns="" xmlns:a16="http://schemas.microsoft.com/office/drawing/2014/main" id="{79CD72E1-E592-4971-99D4-6E8DD7A1D70B}"/>
+                <a16:creationId xmlns:a16="http://schemas.microsoft.com/office/drawing/2014/main" xmlns="" id="{79CD72E1-E592-4971-99D4-6E8DD7A1D70B}"/>
               </a:ext>
             </a:extLst>
           </p:cNvPr>
@@ -552,7 +552,7 @@
           <p:cNvPr id="2" name="Vertical Title 1">
             <a:extLst>
               <a:ext uri="{FF2B5EF4-FFF2-40B4-BE49-F238E27FC236}">
-                <a16:creationId xmlns="" xmlns:a16="http://schemas.microsoft.com/office/drawing/2014/main" id="{5CF6B3B2-1292-4E89-8F67-FF3EF41923A1}"/>
+                <a16:creationId xmlns:a16="http://schemas.microsoft.com/office/drawing/2014/main" xmlns="" id="{5CF6B3B2-1292-4E89-8F67-FF3EF41923A1}"/>
               </a:ext>
             </a:extLst>
           </p:cNvPr>
@@ -585,7 +585,7 @@
           <p:cNvPr id="3" name="Vertical Text Placeholder 2">
             <a:extLst>
               <a:ext uri="{FF2B5EF4-FFF2-40B4-BE49-F238E27FC236}">
-                <a16:creationId xmlns="" xmlns:a16="http://schemas.microsoft.com/office/drawing/2014/main" id="{C5FC53FE-4C5A-4DF8-9677-F3ED6ED7F550}"/>
+                <a16:creationId xmlns:a16="http://schemas.microsoft.com/office/drawing/2014/main" xmlns="" id="{C5FC53FE-4C5A-4DF8-9677-F3ED6ED7F550}"/>
               </a:ext>
             </a:extLst>
           </p:cNvPr>
@@ -647,7 +647,7 @@
           <p:cNvPr id="4" name="Date Placeholder 3">
             <a:extLst>
               <a:ext uri="{FF2B5EF4-FFF2-40B4-BE49-F238E27FC236}">
-                <a16:creationId xmlns="" xmlns:a16="http://schemas.microsoft.com/office/drawing/2014/main" id="{63918EE3-87BE-4BE1-9783-65064EA03971}"/>
+                <a16:creationId xmlns:a16="http://schemas.microsoft.com/office/drawing/2014/main" xmlns="" id="{63918EE3-87BE-4BE1-9783-65064EA03971}"/>
               </a:ext>
             </a:extLst>
           </p:cNvPr>
@@ -665,7 +665,7 @@
           <a:p>
             <a:fld id="{1B694823-1AD5-41CB-B83E-861DF0C32322}" type="datetimeFigureOut">
               <a:rPr lang="en-US" smtClean="0"/>
-              <a:t>3/31/2021</a:t>
+              <a:t>4/1/2021</a:t>
             </a:fld>
             <a:endParaRPr lang="en-US"/>
           </a:p>
@@ -676,7 +676,7 @@
           <p:cNvPr id="5" name="Footer Placeholder 4">
             <a:extLst>
               <a:ext uri="{FF2B5EF4-FFF2-40B4-BE49-F238E27FC236}">
-                <a16:creationId xmlns="" xmlns:a16="http://schemas.microsoft.com/office/drawing/2014/main" id="{894F03CE-3EE0-418A-94C5-4E8494B5A267}"/>
+                <a16:creationId xmlns:a16="http://schemas.microsoft.com/office/drawing/2014/main" xmlns="" id="{894F03CE-3EE0-418A-94C5-4E8494B5A267}"/>
               </a:ext>
             </a:extLst>
           </p:cNvPr>
@@ -701,7 +701,7 @@
           <p:cNvPr id="6" name="Slide Number Placeholder 5">
             <a:extLst>
               <a:ext uri="{FF2B5EF4-FFF2-40B4-BE49-F238E27FC236}">
-                <a16:creationId xmlns="" xmlns:a16="http://schemas.microsoft.com/office/drawing/2014/main" id="{825D9F46-FE53-4CA6-8CA7-6A8E2E9E10BD}"/>
+                <a16:creationId xmlns:a16="http://schemas.microsoft.com/office/drawing/2014/main" xmlns="" id="{825D9F46-FE53-4CA6-8CA7-6A8E2E9E10BD}"/>
               </a:ext>
             </a:extLst>
           </p:cNvPr>
@@ -760,7 +760,7 @@
           <p:cNvPr id="2" name="Title 1">
             <a:extLst>
               <a:ext uri="{FF2B5EF4-FFF2-40B4-BE49-F238E27FC236}">
-                <a16:creationId xmlns="" xmlns:a16="http://schemas.microsoft.com/office/drawing/2014/main" id="{CBE3E2B8-FAB0-41CA-BD5A-73F2F5F5B5CC}"/>
+                <a16:creationId xmlns:a16="http://schemas.microsoft.com/office/drawing/2014/main" xmlns="" id="{CBE3E2B8-FAB0-41CA-BD5A-73F2F5F5B5CC}"/>
               </a:ext>
             </a:extLst>
           </p:cNvPr>
@@ -788,7 +788,7 @@
           <p:cNvPr id="3" name="Content Placeholder 2">
             <a:extLst>
               <a:ext uri="{FF2B5EF4-FFF2-40B4-BE49-F238E27FC236}">
-                <a16:creationId xmlns="" xmlns:a16="http://schemas.microsoft.com/office/drawing/2014/main" id="{2BB63E90-011B-4274-ADB9-BFB0A851C60D}"/>
+                <a16:creationId xmlns:a16="http://schemas.microsoft.com/office/drawing/2014/main" xmlns="" id="{2BB63E90-011B-4274-ADB9-BFB0A851C60D}"/>
               </a:ext>
             </a:extLst>
           </p:cNvPr>
@@ -845,7 +845,7 @@
           <p:cNvPr id="4" name="Date Placeholder 3">
             <a:extLst>
               <a:ext uri="{FF2B5EF4-FFF2-40B4-BE49-F238E27FC236}">
-                <a16:creationId xmlns="" xmlns:a16="http://schemas.microsoft.com/office/drawing/2014/main" id="{FC53765C-B7F9-48A0-9AD8-94EEFD994F74}"/>
+                <a16:creationId xmlns:a16="http://schemas.microsoft.com/office/drawing/2014/main" xmlns="" id="{FC53765C-B7F9-48A0-9AD8-94EEFD994F74}"/>
               </a:ext>
             </a:extLst>
           </p:cNvPr>
@@ -863,7 +863,7 @@
           <a:p>
             <a:fld id="{1B694823-1AD5-41CB-B83E-861DF0C32322}" type="datetimeFigureOut">
               <a:rPr lang="en-US" smtClean="0"/>
-              <a:t>3/31/2021</a:t>
+              <a:t>4/1/2021</a:t>
             </a:fld>
             <a:endParaRPr lang="en-US"/>
           </a:p>
@@ -874,7 +874,7 @@
           <p:cNvPr id="5" name="Footer Placeholder 4">
             <a:extLst>
               <a:ext uri="{FF2B5EF4-FFF2-40B4-BE49-F238E27FC236}">
-                <a16:creationId xmlns="" xmlns:a16="http://schemas.microsoft.com/office/drawing/2014/main" id="{D1CA6D41-079C-4A63-BEBF-6FAED49A5EEB}"/>
+                <a16:creationId xmlns:a16="http://schemas.microsoft.com/office/drawing/2014/main" xmlns="" id="{D1CA6D41-079C-4A63-BEBF-6FAED49A5EEB}"/>
               </a:ext>
             </a:extLst>
           </p:cNvPr>
@@ -899,7 +899,7 @@
           <p:cNvPr id="6" name="Slide Number Placeholder 5">
             <a:extLst>
               <a:ext uri="{FF2B5EF4-FFF2-40B4-BE49-F238E27FC236}">
-                <a16:creationId xmlns="" xmlns:a16="http://schemas.microsoft.com/office/drawing/2014/main" id="{59579009-854F-4A40-B438-E192835A0755}"/>
+                <a16:creationId xmlns:a16="http://schemas.microsoft.com/office/drawing/2014/main" xmlns="" id="{59579009-854F-4A40-B438-E192835A0755}"/>
               </a:ext>
             </a:extLst>
           </p:cNvPr>
@@ -958,7 +958,7 @@
           <p:cNvPr id="2" name="Title 1">
             <a:extLst>
               <a:ext uri="{FF2B5EF4-FFF2-40B4-BE49-F238E27FC236}">
-                <a16:creationId xmlns="" xmlns:a16="http://schemas.microsoft.com/office/drawing/2014/main" id="{0BE948C8-FBCE-4CC7-9719-726AD3AB6A42}"/>
+                <a16:creationId xmlns:a16="http://schemas.microsoft.com/office/drawing/2014/main" xmlns="" id="{0BE948C8-FBCE-4CC7-9719-726AD3AB6A42}"/>
               </a:ext>
             </a:extLst>
           </p:cNvPr>
@@ -995,7 +995,7 @@
           <p:cNvPr id="3" name="Text Placeholder 2">
             <a:extLst>
               <a:ext uri="{FF2B5EF4-FFF2-40B4-BE49-F238E27FC236}">
-                <a16:creationId xmlns="" xmlns:a16="http://schemas.microsoft.com/office/drawing/2014/main" id="{706CE389-3853-422D-BE42-F4CB71BBD9D9}"/>
+                <a16:creationId xmlns:a16="http://schemas.microsoft.com/office/drawing/2014/main" xmlns="" id="{706CE389-3853-422D-BE42-F4CB71BBD9D9}"/>
               </a:ext>
             </a:extLst>
           </p:cNvPr>
@@ -1120,7 +1120,7 @@
           <p:cNvPr id="4" name="Date Placeholder 3">
             <a:extLst>
               <a:ext uri="{FF2B5EF4-FFF2-40B4-BE49-F238E27FC236}">
-                <a16:creationId xmlns="" xmlns:a16="http://schemas.microsoft.com/office/drawing/2014/main" id="{99913F53-CB0D-4029-9CD0-FA29C07C57F4}"/>
+                <a16:creationId xmlns:a16="http://schemas.microsoft.com/office/drawing/2014/main" xmlns="" id="{99913F53-CB0D-4029-9CD0-FA29C07C57F4}"/>
               </a:ext>
             </a:extLst>
           </p:cNvPr>
@@ -1138,7 +1138,7 @@
           <a:p>
             <a:fld id="{1B694823-1AD5-41CB-B83E-861DF0C32322}" type="datetimeFigureOut">
               <a:rPr lang="en-US" smtClean="0"/>
-              <a:t>3/31/2021</a:t>
+              <a:t>4/1/2021</a:t>
             </a:fld>
             <a:endParaRPr lang="en-US"/>
           </a:p>
@@ -1149,7 +1149,7 @@
           <p:cNvPr id="5" name="Footer Placeholder 4">
             <a:extLst>
               <a:ext uri="{FF2B5EF4-FFF2-40B4-BE49-F238E27FC236}">
-                <a16:creationId xmlns="" xmlns:a16="http://schemas.microsoft.com/office/drawing/2014/main" id="{7CCC8FBC-55C9-422E-8C3B-34B3B8DCB527}"/>
+                <a16:creationId xmlns:a16="http://schemas.microsoft.com/office/drawing/2014/main" xmlns="" id="{7CCC8FBC-55C9-422E-8C3B-34B3B8DCB527}"/>
               </a:ext>
             </a:extLst>
           </p:cNvPr>
@@ -1174,7 +1174,7 @@
           <p:cNvPr id="6" name="Slide Number Placeholder 5">
             <a:extLst>
               <a:ext uri="{FF2B5EF4-FFF2-40B4-BE49-F238E27FC236}">
-                <a16:creationId xmlns="" xmlns:a16="http://schemas.microsoft.com/office/drawing/2014/main" id="{67686B23-AA94-4004-B8EF-6AD4C5E61AA4}"/>
+                <a16:creationId xmlns:a16="http://schemas.microsoft.com/office/drawing/2014/main" xmlns="" id="{67686B23-AA94-4004-B8EF-6AD4C5E61AA4}"/>
               </a:ext>
             </a:extLst>
           </p:cNvPr>
@@ -1233,7 +1233,7 @@
           <p:cNvPr id="2" name="Title 1">
             <a:extLst>
               <a:ext uri="{FF2B5EF4-FFF2-40B4-BE49-F238E27FC236}">
-                <a16:creationId xmlns="" xmlns:a16="http://schemas.microsoft.com/office/drawing/2014/main" id="{67959307-D73F-426A-AC00-39F1EDA53BE7}"/>
+                <a16:creationId xmlns:a16="http://schemas.microsoft.com/office/drawing/2014/main" xmlns="" id="{67959307-D73F-426A-AC00-39F1EDA53BE7}"/>
               </a:ext>
             </a:extLst>
           </p:cNvPr>
@@ -1261,7 +1261,7 @@
           <p:cNvPr id="3" name="Content Placeholder 2">
             <a:extLst>
               <a:ext uri="{FF2B5EF4-FFF2-40B4-BE49-F238E27FC236}">
-                <a16:creationId xmlns="" xmlns:a16="http://schemas.microsoft.com/office/drawing/2014/main" id="{A6509B0A-B4EF-4D7A-A397-86AD97A2F816}"/>
+                <a16:creationId xmlns:a16="http://schemas.microsoft.com/office/drawing/2014/main" xmlns="" id="{A6509B0A-B4EF-4D7A-A397-86AD97A2F816}"/>
               </a:ext>
             </a:extLst>
           </p:cNvPr>
@@ -1323,7 +1323,7 @@
           <p:cNvPr id="4" name="Content Placeholder 3">
             <a:extLst>
               <a:ext uri="{FF2B5EF4-FFF2-40B4-BE49-F238E27FC236}">
-                <a16:creationId xmlns="" xmlns:a16="http://schemas.microsoft.com/office/drawing/2014/main" id="{C6981626-7AC2-4EB6-A57F-64C77A5BCEE9}"/>
+                <a16:creationId xmlns:a16="http://schemas.microsoft.com/office/drawing/2014/main" xmlns="" id="{C6981626-7AC2-4EB6-A57F-64C77A5BCEE9}"/>
               </a:ext>
             </a:extLst>
           </p:cNvPr>
@@ -1385,7 +1385,7 @@
           <p:cNvPr id="5" name="Date Placeholder 4">
             <a:extLst>
               <a:ext uri="{FF2B5EF4-FFF2-40B4-BE49-F238E27FC236}">
-                <a16:creationId xmlns="" xmlns:a16="http://schemas.microsoft.com/office/drawing/2014/main" id="{2DDD8A84-9213-49D9-B076-F638EB5BD149}"/>
+                <a16:creationId xmlns:a16="http://schemas.microsoft.com/office/drawing/2014/main" xmlns="" id="{2DDD8A84-9213-49D9-B076-F638EB5BD149}"/>
               </a:ext>
             </a:extLst>
           </p:cNvPr>
@@ -1403,7 +1403,7 @@
           <a:p>
             <a:fld id="{1B694823-1AD5-41CB-B83E-861DF0C32322}" type="datetimeFigureOut">
               <a:rPr lang="en-US" smtClean="0"/>
-              <a:t>3/31/2021</a:t>
+              <a:t>4/1/2021</a:t>
             </a:fld>
             <a:endParaRPr lang="en-US"/>
           </a:p>
@@ -1414,7 +1414,7 @@
           <p:cNvPr id="6" name="Footer Placeholder 5">
             <a:extLst>
               <a:ext uri="{FF2B5EF4-FFF2-40B4-BE49-F238E27FC236}">
-                <a16:creationId xmlns="" xmlns:a16="http://schemas.microsoft.com/office/drawing/2014/main" id="{75EE78A4-1A86-4DE3-BFB7-E284409309A2}"/>
+                <a16:creationId xmlns:a16="http://schemas.microsoft.com/office/drawing/2014/main" xmlns="" id="{75EE78A4-1A86-4DE3-BFB7-E284409309A2}"/>
               </a:ext>
             </a:extLst>
           </p:cNvPr>
@@ -1439,7 +1439,7 @@
           <p:cNvPr id="7" name="Slide Number Placeholder 6">
             <a:extLst>
               <a:ext uri="{FF2B5EF4-FFF2-40B4-BE49-F238E27FC236}">
-                <a16:creationId xmlns="" xmlns:a16="http://schemas.microsoft.com/office/drawing/2014/main" id="{2D20653C-BCD9-48AF-BED6-9148F1BF1AD3}"/>
+                <a16:creationId xmlns:a16="http://schemas.microsoft.com/office/drawing/2014/main" xmlns="" id="{2D20653C-BCD9-48AF-BED6-9148F1BF1AD3}"/>
               </a:ext>
             </a:extLst>
           </p:cNvPr>
@@ -1498,7 +1498,7 @@
           <p:cNvPr id="2" name="Title 1">
             <a:extLst>
               <a:ext uri="{FF2B5EF4-FFF2-40B4-BE49-F238E27FC236}">
-                <a16:creationId xmlns="" xmlns:a16="http://schemas.microsoft.com/office/drawing/2014/main" id="{22421AD7-C086-4679-91EF-EB0ADD905645}"/>
+                <a16:creationId xmlns:a16="http://schemas.microsoft.com/office/drawing/2014/main" xmlns="" id="{22421AD7-C086-4679-91EF-EB0ADD905645}"/>
               </a:ext>
             </a:extLst>
           </p:cNvPr>
@@ -1531,7 +1531,7 @@
           <p:cNvPr id="3" name="Text Placeholder 2">
             <a:extLst>
               <a:ext uri="{FF2B5EF4-FFF2-40B4-BE49-F238E27FC236}">
-                <a16:creationId xmlns="" xmlns:a16="http://schemas.microsoft.com/office/drawing/2014/main" id="{5C6C21D8-7076-4CBA-B221-0873D5B68ED3}"/>
+                <a16:creationId xmlns:a16="http://schemas.microsoft.com/office/drawing/2014/main" xmlns="" id="{5C6C21D8-7076-4CBA-B221-0873D5B68ED3}"/>
               </a:ext>
             </a:extLst>
           </p:cNvPr>
@@ -1602,7 +1602,7 @@
           <p:cNvPr id="4" name="Content Placeholder 3">
             <a:extLst>
               <a:ext uri="{FF2B5EF4-FFF2-40B4-BE49-F238E27FC236}">
-                <a16:creationId xmlns="" xmlns:a16="http://schemas.microsoft.com/office/drawing/2014/main" id="{D26E93EF-3847-4752-8DB2-655A5421DC9B}"/>
+                <a16:creationId xmlns:a16="http://schemas.microsoft.com/office/drawing/2014/main" xmlns="" id="{D26E93EF-3847-4752-8DB2-655A5421DC9B}"/>
               </a:ext>
             </a:extLst>
           </p:cNvPr>
@@ -1664,7 +1664,7 @@
           <p:cNvPr id="5" name="Text Placeholder 4">
             <a:extLst>
               <a:ext uri="{FF2B5EF4-FFF2-40B4-BE49-F238E27FC236}">
-                <a16:creationId xmlns="" xmlns:a16="http://schemas.microsoft.com/office/drawing/2014/main" id="{3B108CC2-C9F0-4009-A9F8-4376EDC8F08D}"/>
+                <a16:creationId xmlns:a16="http://schemas.microsoft.com/office/drawing/2014/main" xmlns="" id="{3B108CC2-C9F0-4009-A9F8-4376EDC8F08D}"/>
               </a:ext>
             </a:extLst>
           </p:cNvPr>
@@ -1735,7 +1735,7 @@
           <p:cNvPr id="6" name="Content Placeholder 5">
             <a:extLst>
               <a:ext uri="{FF2B5EF4-FFF2-40B4-BE49-F238E27FC236}">
-                <a16:creationId xmlns="" xmlns:a16="http://schemas.microsoft.com/office/drawing/2014/main" id="{17163591-25D4-405C-826A-CC706808F175}"/>
+                <a16:creationId xmlns:a16="http://schemas.microsoft.com/office/drawing/2014/main" xmlns="" id="{17163591-25D4-405C-826A-CC706808F175}"/>
               </a:ext>
             </a:extLst>
           </p:cNvPr>
@@ -1797,7 +1797,7 @@
           <p:cNvPr id="7" name="Date Placeholder 6">
             <a:extLst>
               <a:ext uri="{FF2B5EF4-FFF2-40B4-BE49-F238E27FC236}">
-                <a16:creationId xmlns="" xmlns:a16="http://schemas.microsoft.com/office/drawing/2014/main" id="{B5BB4EFF-B36D-4BC1-B65D-5AC280A79881}"/>
+                <a16:creationId xmlns:a16="http://schemas.microsoft.com/office/drawing/2014/main" xmlns="" id="{B5BB4EFF-B36D-4BC1-B65D-5AC280A79881}"/>
               </a:ext>
             </a:extLst>
           </p:cNvPr>
@@ -1815,7 +1815,7 @@
           <a:p>
             <a:fld id="{1B694823-1AD5-41CB-B83E-861DF0C32322}" type="datetimeFigureOut">
               <a:rPr lang="en-US" smtClean="0"/>
-              <a:t>3/31/2021</a:t>
+              <a:t>4/1/2021</a:t>
             </a:fld>
             <a:endParaRPr lang="en-US"/>
           </a:p>
@@ -1826,7 +1826,7 @@
           <p:cNvPr id="8" name="Footer Placeholder 7">
             <a:extLst>
               <a:ext uri="{FF2B5EF4-FFF2-40B4-BE49-F238E27FC236}">
-                <a16:creationId xmlns="" xmlns:a16="http://schemas.microsoft.com/office/drawing/2014/main" id="{284E1546-E539-41EE-AC47-FEC44DA56517}"/>
+                <a16:creationId xmlns:a16="http://schemas.microsoft.com/office/drawing/2014/main" xmlns="" id="{284E1546-E539-41EE-AC47-FEC44DA56517}"/>
               </a:ext>
             </a:extLst>
           </p:cNvPr>
@@ -1851,7 +1851,7 @@
           <p:cNvPr id="9" name="Slide Number Placeholder 8">
             <a:extLst>
               <a:ext uri="{FF2B5EF4-FFF2-40B4-BE49-F238E27FC236}">
-                <a16:creationId xmlns="" xmlns:a16="http://schemas.microsoft.com/office/drawing/2014/main" id="{D9E81E0E-0A36-4568-B8A2-E6CD8326965B}"/>
+                <a16:creationId xmlns:a16="http://schemas.microsoft.com/office/drawing/2014/main" xmlns="" id="{D9E81E0E-0A36-4568-B8A2-E6CD8326965B}"/>
               </a:ext>
             </a:extLst>
           </p:cNvPr>
@@ -1910,7 +1910,7 @@
           <p:cNvPr id="2" name="Title 1">
             <a:extLst>
               <a:ext uri="{FF2B5EF4-FFF2-40B4-BE49-F238E27FC236}">
-                <a16:creationId xmlns="" xmlns:a16="http://schemas.microsoft.com/office/drawing/2014/main" id="{DE8B6F76-57EF-4DD7-9638-4C6737EC4DAC}"/>
+                <a16:creationId xmlns:a16="http://schemas.microsoft.com/office/drawing/2014/main" xmlns="" id="{DE8B6F76-57EF-4DD7-9638-4C6737EC4DAC}"/>
               </a:ext>
             </a:extLst>
           </p:cNvPr>
@@ -1938,7 +1938,7 @@
           <p:cNvPr id="3" name="Date Placeholder 2">
             <a:extLst>
               <a:ext uri="{FF2B5EF4-FFF2-40B4-BE49-F238E27FC236}">
-                <a16:creationId xmlns="" xmlns:a16="http://schemas.microsoft.com/office/drawing/2014/main" id="{3C45DC08-9F39-47DE-935B-0BCA04F06F38}"/>
+                <a16:creationId xmlns:a16="http://schemas.microsoft.com/office/drawing/2014/main" xmlns="" id="{3C45DC08-9F39-47DE-935B-0BCA04F06F38}"/>
               </a:ext>
             </a:extLst>
           </p:cNvPr>
@@ -1956,7 +1956,7 @@
           <a:p>
             <a:fld id="{1B694823-1AD5-41CB-B83E-861DF0C32322}" type="datetimeFigureOut">
               <a:rPr lang="en-US" smtClean="0"/>
-              <a:t>3/31/2021</a:t>
+              <a:t>4/1/2021</a:t>
             </a:fld>
             <a:endParaRPr lang="en-US"/>
           </a:p>
@@ -1967,7 +1967,7 @@
           <p:cNvPr id="4" name="Footer Placeholder 3">
             <a:extLst>
               <a:ext uri="{FF2B5EF4-FFF2-40B4-BE49-F238E27FC236}">
-                <a16:creationId xmlns="" xmlns:a16="http://schemas.microsoft.com/office/drawing/2014/main" id="{EA1BBE6F-C22C-4B4A-A064-BEC783A8E732}"/>
+                <a16:creationId xmlns:a16="http://schemas.microsoft.com/office/drawing/2014/main" xmlns="" id="{EA1BBE6F-C22C-4B4A-A064-BEC783A8E732}"/>
               </a:ext>
             </a:extLst>
           </p:cNvPr>
@@ -1992,7 +1992,7 @@
           <p:cNvPr id="5" name="Slide Number Placeholder 4">
             <a:extLst>
               <a:ext uri="{FF2B5EF4-FFF2-40B4-BE49-F238E27FC236}">
-                <a16:creationId xmlns="" xmlns:a16="http://schemas.microsoft.com/office/drawing/2014/main" id="{00034B6F-8395-423C-A056-850A19A9629F}"/>
+                <a16:creationId xmlns:a16="http://schemas.microsoft.com/office/drawing/2014/main" xmlns="" id="{00034B6F-8395-423C-A056-850A19A9629F}"/>
               </a:ext>
             </a:extLst>
           </p:cNvPr>
@@ -2051,7 +2051,7 @@
           <p:cNvPr id="2" name="Date Placeholder 1">
             <a:extLst>
               <a:ext uri="{FF2B5EF4-FFF2-40B4-BE49-F238E27FC236}">
-                <a16:creationId xmlns="" xmlns:a16="http://schemas.microsoft.com/office/drawing/2014/main" id="{373BB607-5507-40CD-B1AA-CB14A1CB7929}"/>
+                <a16:creationId xmlns:a16="http://schemas.microsoft.com/office/drawing/2014/main" xmlns="" id="{373BB607-5507-40CD-B1AA-CB14A1CB7929}"/>
               </a:ext>
             </a:extLst>
           </p:cNvPr>
@@ -2069,7 +2069,7 @@
           <a:p>
             <a:fld id="{1B694823-1AD5-41CB-B83E-861DF0C32322}" type="datetimeFigureOut">
               <a:rPr lang="en-US" smtClean="0"/>
-              <a:t>3/31/2021</a:t>
+              <a:t>4/1/2021</a:t>
             </a:fld>
             <a:endParaRPr lang="en-US"/>
           </a:p>
@@ -2080,7 +2080,7 @@
           <p:cNvPr id="3" name="Footer Placeholder 2">
             <a:extLst>
               <a:ext uri="{FF2B5EF4-FFF2-40B4-BE49-F238E27FC236}">
-                <a16:creationId xmlns="" xmlns:a16="http://schemas.microsoft.com/office/drawing/2014/main" id="{98B4C0E4-8016-4348-ACBC-C3FBDF279C50}"/>
+                <a16:creationId xmlns:a16="http://schemas.microsoft.com/office/drawing/2014/main" xmlns="" id="{98B4C0E4-8016-4348-ACBC-C3FBDF279C50}"/>
               </a:ext>
             </a:extLst>
           </p:cNvPr>
@@ -2105,7 +2105,7 @@
           <p:cNvPr id="4" name="Slide Number Placeholder 3">
             <a:extLst>
               <a:ext uri="{FF2B5EF4-FFF2-40B4-BE49-F238E27FC236}">
-                <a16:creationId xmlns="" xmlns:a16="http://schemas.microsoft.com/office/drawing/2014/main" id="{8ED4A2EF-60E2-4BFB-ACB5-F59262CFD8DC}"/>
+                <a16:creationId xmlns:a16="http://schemas.microsoft.com/office/drawing/2014/main" xmlns="" id="{8ED4A2EF-60E2-4BFB-ACB5-F59262CFD8DC}"/>
               </a:ext>
             </a:extLst>
           </p:cNvPr>
@@ -2164,7 +2164,7 @@
           <p:cNvPr id="2" name="Title 1">
             <a:extLst>
               <a:ext uri="{FF2B5EF4-FFF2-40B4-BE49-F238E27FC236}">
-                <a16:creationId xmlns="" xmlns:a16="http://schemas.microsoft.com/office/drawing/2014/main" id="{47BF17BD-F3AB-4E0E-A14A-B134D0FCAF7D}"/>
+                <a16:creationId xmlns:a16="http://schemas.microsoft.com/office/drawing/2014/main" xmlns="" id="{47BF17BD-F3AB-4E0E-A14A-B134D0FCAF7D}"/>
               </a:ext>
             </a:extLst>
           </p:cNvPr>
@@ -2201,7 +2201,7 @@
           <p:cNvPr id="3" name="Content Placeholder 2">
             <a:extLst>
               <a:ext uri="{FF2B5EF4-FFF2-40B4-BE49-F238E27FC236}">
-                <a16:creationId xmlns="" xmlns:a16="http://schemas.microsoft.com/office/drawing/2014/main" id="{A26AFD2A-FB4D-4A94-B44E-9E2B06CC5A55}"/>
+                <a16:creationId xmlns:a16="http://schemas.microsoft.com/office/drawing/2014/main" xmlns="" id="{A26AFD2A-FB4D-4A94-B44E-9E2B06CC5A55}"/>
               </a:ext>
             </a:extLst>
           </p:cNvPr>
@@ -2291,7 +2291,7 @@
           <p:cNvPr id="4" name="Text Placeholder 3">
             <a:extLst>
               <a:ext uri="{FF2B5EF4-FFF2-40B4-BE49-F238E27FC236}">
-                <a16:creationId xmlns="" xmlns:a16="http://schemas.microsoft.com/office/drawing/2014/main" id="{DF4E39F0-6EE2-4A0E-A50E-D114180EBB3B}"/>
+                <a16:creationId xmlns:a16="http://schemas.microsoft.com/office/drawing/2014/main" xmlns="" id="{DF4E39F0-6EE2-4A0E-A50E-D114180EBB3B}"/>
               </a:ext>
             </a:extLst>
           </p:cNvPr>
@@ -2362,7 +2362,7 @@
           <p:cNvPr id="5" name="Date Placeholder 4">
             <a:extLst>
               <a:ext uri="{FF2B5EF4-FFF2-40B4-BE49-F238E27FC236}">
-                <a16:creationId xmlns="" xmlns:a16="http://schemas.microsoft.com/office/drawing/2014/main" id="{357EF30D-37A1-4DBE-B122-78D7523819E6}"/>
+                <a16:creationId xmlns:a16="http://schemas.microsoft.com/office/drawing/2014/main" xmlns="" id="{357EF30D-37A1-4DBE-B122-78D7523819E6}"/>
               </a:ext>
             </a:extLst>
           </p:cNvPr>
@@ -2380,7 +2380,7 @@
           <a:p>
             <a:fld id="{1B694823-1AD5-41CB-B83E-861DF0C32322}" type="datetimeFigureOut">
               <a:rPr lang="en-US" smtClean="0"/>
-              <a:t>3/31/2021</a:t>
+              <a:t>4/1/2021</a:t>
             </a:fld>
             <a:endParaRPr lang="en-US"/>
           </a:p>
@@ -2391,7 +2391,7 @@
           <p:cNvPr id="6" name="Footer Placeholder 5">
             <a:extLst>
               <a:ext uri="{FF2B5EF4-FFF2-40B4-BE49-F238E27FC236}">
-                <a16:creationId xmlns="" xmlns:a16="http://schemas.microsoft.com/office/drawing/2014/main" id="{D45D9E8D-499A-4BD3-9237-8513622FEA93}"/>
+                <a16:creationId xmlns:a16="http://schemas.microsoft.com/office/drawing/2014/main" xmlns="" id="{D45D9E8D-499A-4BD3-9237-8513622FEA93}"/>
               </a:ext>
             </a:extLst>
           </p:cNvPr>
@@ -2416,7 +2416,7 @@
           <p:cNvPr id="7" name="Slide Number Placeholder 6">
             <a:extLst>
               <a:ext uri="{FF2B5EF4-FFF2-40B4-BE49-F238E27FC236}">
-                <a16:creationId xmlns="" xmlns:a16="http://schemas.microsoft.com/office/drawing/2014/main" id="{BBE270F4-C44D-4EFE-9538-F7F3FBC6BA09}"/>
+                <a16:creationId xmlns:a16="http://schemas.microsoft.com/office/drawing/2014/main" xmlns="" id="{BBE270F4-C44D-4EFE-9538-F7F3FBC6BA09}"/>
               </a:ext>
             </a:extLst>
           </p:cNvPr>
@@ -2475,7 +2475,7 @@
           <p:cNvPr id="2" name="Title 1">
             <a:extLst>
               <a:ext uri="{FF2B5EF4-FFF2-40B4-BE49-F238E27FC236}">
-                <a16:creationId xmlns="" xmlns:a16="http://schemas.microsoft.com/office/drawing/2014/main" id="{EC63859C-B35D-4AB8-A6C9-F57381633CB1}"/>
+                <a16:creationId xmlns:a16="http://schemas.microsoft.com/office/drawing/2014/main" xmlns="" id="{EC63859C-B35D-4AB8-A6C9-F57381633CB1}"/>
               </a:ext>
             </a:extLst>
           </p:cNvPr>
@@ -2512,7 +2512,7 @@
           <p:cNvPr id="3" name="Picture Placeholder 2">
             <a:extLst>
               <a:ext uri="{FF2B5EF4-FFF2-40B4-BE49-F238E27FC236}">
-                <a16:creationId xmlns="" xmlns:a16="http://schemas.microsoft.com/office/drawing/2014/main" id="{87A7A11B-B107-43E2-93C4-1D2C42A30037}"/>
+                <a16:creationId xmlns:a16="http://schemas.microsoft.com/office/drawing/2014/main" xmlns="" id="{87A7A11B-B107-43E2-93C4-1D2C42A30037}"/>
               </a:ext>
             </a:extLst>
           </p:cNvPr>
@@ -2579,7 +2579,7 @@
           <p:cNvPr id="4" name="Text Placeholder 3">
             <a:extLst>
               <a:ext uri="{FF2B5EF4-FFF2-40B4-BE49-F238E27FC236}">
-                <a16:creationId xmlns="" xmlns:a16="http://schemas.microsoft.com/office/drawing/2014/main" id="{64C924E0-E145-4A67-ACA1-EFF194304AA6}"/>
+                <a16:creationId xmlns:a16="http://schemas.microsoft.com/office/drawing/2014/main" xmlns="" id="{64C924E0-E145-4A67-ACA1-EFF194304AA6}"/>
               </a:ext>
             </a:extLst>
           </p:cNvPr>
@@ -2650,7 +2650,7 @@
           <p:cNvPr id="5" name="Date Placeholder 4">
             <a:extLst>
               <a:ext uri="{FF2B5EF4-FFF2-40B4-BE49-F238E27FC236}">
-                <a16:creationId xmlns="" xmlns:a16="http://schemas.microsoft.com/office/drawing/2014/main" id="{6A32C46C-8997-4412-946C-AC5D6CABFCC2}"/>
+                <a16:creationId xmlns:a16="http://schemas.microsoft.com/office/drawing/2014/main" xmlns="" id="{6A32C46C-8997-4412-946C-AC5D6CABFCC2}"/>
               </a:ext>
             </a:extLst>
           </p:cNvPr>
@@ -2668,7 +2668,7 @@
           <a:p>
             <a:fld id="{1B694823-1AD5-41CB-B83E-861DF0C32322}" type="datetimeFigureOut">
               <a:rPr lang="en-US" smtClean="0"/>
-              <a:t>3/31/2021</a:t>
+              <a:t>4/1/2021</a:t>
             </a:fld>
             <a:endParaRPr lang="en-US"/>
           </a:p>
@@ -2679,7 +2679,7 @@
           <p:cNvPr id="6" name="Footer Placeholder 5">
             <a:extLst>
               <a:ext uri="{FF2B5EF4-FFF2-40B4-BE49-F238E27FC236}">
-                <a16:creationId xmlns="" xmlns:a16="http://schemas.microsoft.com/office/drawing/2014/main" id="{7B0C5A79-CDE4-4E7E-A692-9883A41387A0}"/>
+                <a16:creationId xmlns:a16="http://schemas.microsoft.com/office/drawing/2014/main" xmlns="" id="{7B0C5A79-CDE4-4E7E-A692-9883A41387A0}"/>
               </a:ext>
             </a:extLst>
           </p:cNvPr>
@@ -2704,7 +2704,7 @@
           <p:cNvPr id="7" name="Slide Number Placeholder 6">
             <a:extLst>
               <a:ext uri="{FF2B5EF4-FFF2-40B4-BE49-F238E27FC236}">
-                <a16:creationId xmlns="" xmlns:a16="http://schemas.microsoft.com/office/drawing/2014/main" id="{43D2AE23-7AD0-4A60-9BB3-9F650DC3BC6A}"/>
+                <a16:creationId xmlns:a16="http://schemas.microsoft.com/office/drawing/2014/main" xmlns="" id="{43D2AE23-7AD0-4A60-9BB3-9F650DC3BC6A}"/>
               </a:ext>
             </a:extLst>
           </p:cNvPr>
@@ -2768,7 +2768,7 @@
           <p:cNvPr id="2" name="Title Placeholder 1">
             <a:extLst>
               <a:ext uri="{FF2B5EF4-FFF2-40B4-BE49-F238E27FC236}">
-                <a16:creationId xmlns="" xmlns:a16="http://schemas.microsoft.com/office/drawing/2014/main" id="{885AB671-559A-4614-AED5-75BD5242F9B4}"/>
+                <a16:creationId xmlns:a16="http://schemas.microsoft.com/office/drawing/2014/main" xmlns="" id="{885AB671-559A-4614-AED5-75BD5242F9B4}"/>
               </a:ext>
             </a:extLst>
           </p:cNvPr>
@@ -2806,7 +2806,7 @@
           <p:cNvPr id="3" name="Text Placeholder 2">
             <a:extLst>
               <a:ext uri="{FF2B5EF4-FFF2-40B4-BE49-F238E27FC236}">
-                <a16:creationId xmlns="" xmlns:a16="http://schemas.microsoft.com/office/drawing/2014/main" id="{84343A12-FD1C-44AB-B881-AA969299F75C}"/>
+                <a16:creationId xmlns:a16="http://schemas.microsoft.com/office/drawing/2014/main" xmlns="" id="{84343A12-FD1C-44AB-B881-AA969299F75C}"/>
               </a:ext>
             </a:extLst>
           </p:cNvPr>
@@ -2873,7 +2873,7 @@
           <p:cNvPr id="4" name="Date Placeholder 3">
             <a:extLst>
               <a:ext uri="{FF2B5EF4-FFF2-40B4-BE49-F238E27FC236}">
-                <a16:creationId xmlns="" xmlns:a16="http://schemas.microsoft.com/office/drawing/2014/main" id="{B46D6347-7D5A-418A-9DF3-ADB0BD134A88}"/>
+                <a16:creationId xmlns:a16="http://schemas.microsoft.com/office/drawing/2014/main" xmlns="" id="{B46D6347-7D5A-418A-9DF3-ADB0BD134A88}"/>
               </a:ext>
             </a:extLst>
           </p:cNvPr>
@@ -2909,7 +2909,7 @@
           <a:p>
             <a:fld id="{1B694823-1AD5-41CB-B83E-861DF0C32322}" type="datetimeFigureOut">
               <a:rPr lang="en-US" smtClean="0"/>
-              <a:t>3/31/2021</a:t>
+              <a:t>4/1/2021</a:t>
             </a:fld>
             <a:endParaRPr lang="en-US"/>
           </a:p>
@@ -2920,7 +2920,7 @@
           <p:cNvPr id="5" name="Footer Placeholder 4">
             <a:extLst>
               <a:ext uri="{FF2B5EF4-FFF2-40B4-BE49-F238E27FC236}">
-                <a16:creationId xmlns="" xmlns:a16="http://schemas.microsoft.com/office/drawing/2014/main" id="{C8EEAF8F-4991-468A-8BE9-A8079BC9122D}"/>
+                <a16:creationId xmlns:a16="http://schemas.microsoft.com/office/drawing/2014/main" xmlns="" id="{C8EEAF8F-4991-468A-8BE9-A8079BC9122D}"/>
               </a:ext>
             </a:extLst>
           </p:cNvPr>
@@ -2963,7 +2963,7 @@
           <p:cNvPr id="6" name="Slide Number Placeholder 5">
             <a:extLst>
               <a:ext uri="{FF2B5EF4-FFF2-40B4-BE49-F238E27FC236}">
-                <a16:creationId xmlns="" xmlns:a16="http://schemas.microsoft.com/office/drawing/2014/main" id="{D9E0E645-0462-4433-A6BD-A4A51F8D0FCD}"/>
+                <a16:creationId xmlns:a16="http://schemas.microsoft.com/office/drawing/2014/main" xmlns="" id="{D9E0E645-0462-4433-A6BD-A4A51F8D0FCD}"/>
               </a:ext>
             </a:extLst>
           </p:cNvPr>
@@ -3331,7 +3331,7 @@
           <p:cNvPr id="4" name="Oval 3">
             <a:extLst>
               <a:ext uri="{FF2B5EF4-FFF2-40B4-BE49-F238E27FC236}">
-                <a16:creationId xmlns="" xmlns:a16="http://schemas.microsoft.com/office/drawing/2014/main" id="{1EF872D6-872E-4CC3-AAD3-14411D9C0993}"/>
+                <a16:creationId xmlns:a16="http://schemas.microsoft.com/office/drawing/2014/main" xmlns="" id="{1EF872D6-872E-4CC3-AAD3-14411D9C0993}"/>
               </a:ext>
             </a:extLst>
           </p:cNvPr>
@@ -3347,7 +3347,22 @@
             <a:avLst/>
           </a:prstGeom>
           <a:blipFill>
-            <a:blip r:embed="rId2"/>
+            <a:blip r:embed="rId2">
+              <a:extLst>
+                <a:ext uri="{BEBA8EAE-BF5A-486C-A8C5-ECC9F3942E4B}">
+                  <a14:imgProps xmlns:a14="http://schemas.microsoft.com/office/drawing/2010/main">
+                    <a14:imgLayer r:embed="rId3">
+                      <a14:imgEffect>
+                        <a14:sharpenSoften amount="20000"/>
+                      </a14:imgEffect>
+                      <a14:imgEffect>
+                        <a14:brightnessContrast bright="22000" contrast="33000"/>
+                      </a14:imgEffect>
+                    </a14:imgLayer>
+                  </a14:imgProps>
+                </a:ext>
+              </a:extLst>
+            </a:blip>
             <a:stretch>
               <a:fillRect/>
             </a:stretch>
@@ -3383,7 +3398,7 @@
           <p:cNvPr id="5" name="Oval 4">
             <a:extLst>
               <a:ext uri="{FF2B5EF4-FFF2-40B4-BE49-F238E27FC236}">
-                <a16:creationId xmlns="" xmlns:a16="http://schemas.microsoft.com/office/drawing/2014/main" id="{168B4A4F-FF43-4B76-90BE-90DC6965840A}"/>
+                <a16:creationId xmlns:a16="http://schemas.microsoft.com/office/drawing/2014/main" xmlns="" id="{168B4A4F-FF43-4B76-90BE-90DC6965840A}"/>
               </a:ext>
             </a:extLst>
           </p:cNvPr>
@@ -3399,7 +3414,19 @@
             <a:avLst/>
           </a:prstGeom>
           <a:blipFill>
-            <a:blip r:embed="rId3"/>
+            <a:blip r:embed="rId4">
+              <a:extLst>
+                <a:ext uri="{BEBA8EAE-BF5A-486C-A8C5-ECC9F3942E4B}">
+                  <a14:imgProps xmlns:a14="http://schemas.microsoft.com/office/drawing/2010/main">
+                    <a14:imgLayer r:embed="rId5">
+                      <a14:imgEffect>
+                        <a14:brightnessContrast bright="14000"/>
+                      </a14:imgEffect>
+                    </a14:imgLayer>
+                  </a14:imgProps>
+                </a:ext>
+              </a:extLst>
+            </a:blip>
             <a:stretch>
               <a:fillRect/>
             </a:stretch>
@@ -3435,7 +3462,7 @@
           <p:cNvPr id="6" name="Oval 5">
             <a:extLst>
               <a:ext uri="{FF2B5EF4-FFF2-40B4-BE49-F238E27FC236}">
-                <a16:creationId xmlns="" xmlns:a16="http://schemas.microsoft.com/office/drawing/2014/main" id="{6F7B785B-5400-4F99-8EA2-F573C0FE0E3E}"/>
+                <a16:creationId xmlns:a16="http://schemas.microsoft.com/office/drawing/2014/main" xmlns="" id="{6F7B785B-5400-4F99-8EA2-F573C0FE0E3E}"/>
               </a:ext>
             </a:extLst>
           </p:cNvPr>
@@ -3487,7 +3514,7 @@
           <p:cNvPr id="7" name="Oval 6">
             <a:extLst>
               <a:ext uri="{FF2B5EF4-FFF2-40B4-BE49-F238E27FC236}">
-                <a16:creationId xmlns="" xmlns:a16="http://schemas.microsoft.com/office/drawing/2014/main" id="{37D03BF4-8FE8-4156-B03F-352E33C9248B}"/>
+                <a16:creationId xmlns:a16="http://schemas.microsoft.com/office/drawing/2014/main" xmlns="" id="{37D03BF4-8FE8-4156-B03F-352E33C9248B}"/>
               </a:ext>
             </a:extLst>
           </p:cNvPr>
@@ -3497,67 +3524,16 @@
         <p:spPr>
           <a:xfrm>
             <a:off x="7432112" y="2523108"/>
-            <a:ext cx="1828800" cy="1828800"/>
-          </a:xfrm>
-          <a:prstGeom prst="ellipse">
-            <a:avLst/>
-          </a:prstGeom>
-          <a:solidFill>
-            <a:schemeClr val="accent6">
-              <a:lumMod val="40000"/>
-              <a:lumOff val="60000"/>
-            </a:schemeClr>
-          </a:solidFill>
-        </p:spPr>
-        <p:style>
-          <a:lnRef idx="2">
-            <a:schemeClr val="accent1">
-              <a:shade val="50000"/>
-            </a:schemeClr>
-          </a:lnRef>
-          <a:fillRef idx="1">
-            <a:schemeClr val="accent1"/>
-          </a:fillRef>
-          <a:effectRef idx="0">
-            <a:schemeClr val="accent1"/>
-          </a:effectRef>
-          <a:fontRef idx="minor">
-            <a:schemeClr val="lt1"/>
-          </a:fontRef>
-        </p:style>
-        <p:txBody>
-          <a:bodyPr rtlCol="0" anchor="ctr"/>
-          <a:lstStyle/>
-          <a:p>
-            <a:pPr algn="ctr"/>
-            <a:endParaRPr lang="en-US"/>
-          </a:p>
-        </p:txBody>
-      </p:sp>
-      <p:sp>
-        <p:nvSpPr>
-          <p:cNvPr id="8" name="Oval 7">
-            <a:extLst>
-              <a:ext uri="{FF2B5EF4-FFF2-40B4-BE49-F238E27FC236}">
-                <a16:creationId xmlns="" xmlns:a16="http://schemas.microsoft.com/office/drawing/2014/main" id="{BF9B2CE8-A8C6-4576-93B0-8706FFA01678}"/>
-              </a:ext>
-            </a:extLst>
-          </p:cNvPr>
-          <p:cNvSpPr/>
-          <p:nvPr/>
-        </p:nvSpPr>
-        <p:spPr>
-          <a:xfrm>
-            <a:off x="9692636" y="2523108"/>
-            <a:ext cx="1828800" cy="1828800"/>
+            <a:ext cx="1908000" cy="1828800"/>
           </a:xfrm>
           <a:prstGeom prst="ellipse">
             <a:avLst/>
           </a:prstGeom>
           <a:blipFill>
-            <a:blip r:embed="rId4"/>
+            <a:blip r:embed="rId6"/>
+            <a:srcRect/>
             <a:stretch>
-              <a:fillRect/>
+              <a:fillRect l="-18114" r="-13962"/>
             </a:stretch>
           </a:blipFill>
         </p:spPr>
@@ -3588,10 +3564,63 @@
       </p:sp>
       <p:sp>
         <p:nvSpPr>
+          <p:cNvPr id="8" name="Oval 7">
+            <a:extLst>
+              <a:ext uri="{FF2B5EF4-FFF2-40B4-BE49-F238E27FC236}">
+                <a16:creationId xmlns:a16="http://schemas.microsoft.com/office/drawing/2014/main" xmlns="" id="{BF9B2CE8-A8C6-4576-93B0-8706FFA01678}"/>
+              </a:ext>
+            </a:extLst>
+          </p:cNvPr>
+          <p:cNvSpPr/>
+          <p:nvPr/>
+        </p:nvSpPr>
+        <p:spPr>
+          <a:xfrm>
+            <a:off x="9612000" y="2523108"/>
+            <a:ext cx="1908000" cy="1828800"/>
+          </a:xfrm>
+          <a:prstGeom prst="ellipse">
+            <a:avLst/>
+          </a:prstGeom>
+          <a:blipFill>
+            <a:blip r:embed="rId7"/>
+            <a:srcRect/>
+            <a:stretch>
+              <a:fillRect l="4038" r="-264"/>
+            </a:stretch>
+          </a:blipFill>
+        </p:spPr>
+        <p:style>
+          <a:lnRef idx="2">
+            <a:schemeClr val="accent1">
+              <a:shade val="50000"/>
+            </a:schemeClr>
+          </a:lnRef>
+          <a:fillRef idx="1">
+            <a:schemeClr val="accent1"/>
+          </a:fillRef>
+          <a:effectRef idx="0">
+            <a:schemeClr val="accent1"/>
+          </a:effectRef>
+          <a:fontRef idx="minor">
+            <a:schemeClr val="lt1"/>
+          </a:fontRef>
+        </p:style>
+        <p:txBody>
+          <a:bodyPr rtlCol="0" anchor="ctr"/>
+          <a:lstStyle/>
+          <a:p>
+            <a:pPr algn="ctr"/>
+            <a:endParaRPr lang="en-US"/>
+          </a:p>
+        </p:txBody>
+      </p:sp>
+      <p:sp>
+        <p:nvSpPr>
           <p:cNvPr id="3" name="Rectangle 2">
             <a:extLst>
               <a:ext uri="{FF2B5EF4-FFF2-40B4-BE49-F238E27FC236}">
-                <a16:creationId xmlns="" xmlns:a16="http://schemas.microsoft.com/office/drawing/2014/main" id="{1C0142B0-6B24-4BED-9912-407A866901D1}"/>
+                <a16:creationId xmlns:a16="http://schemas.microsoft.com/office/drawing/2014/main" xmlns="" id="{1C0142B0-6B24-4BED-9912-407A866901D1}"/>
               </a:ext>
             </a:extLst>
           </p:cNvPr>
@@ -3625,7 +3654,7 @@
           <p:cNvPr id="9" name="Rectangle 8">
             <a:extLst>
               <a:ext uri="{FF2B5EF4-FFF2-40B4-BE49-F238E27FC236}">
-                <a16:creationId xmlns="" xmlns:a16="http://schemas.microsoft.com/office/drawing/2014/main" id="{D71155C5-7F0A-41A5-AB61-7E985BBCE9B7}"/>
+                <a16:creationId xmlns:a16="http://schemas.microsoft.com/office/drawing/2014/main" xmlns="" id="{D71155C5-7F0A-41A5-AB61-7E985BBCE9B7}"/>
               </a:ext>
             </a:extLst>
           </p:cNvPr>
@@ -3659,7 +3688,7 @@
           <p:cNvPr id="10" name="Rectangle 9">
             <a:extLst>
               <a:ext uri="{FF2B5EF4-FFF2-40B4-BE49-F238E27FC236}">
-                <a16:creationId xmlns="" xmlns:a16="http://schemas.microsoft.com/office/drawing/2014/main" id="{26718B29-6C20-479E-AE58-DE1C3204A38E}"/>
+                <a16:creationId xmlns:a16="http://schemas.microsoft.com/office/drawing/2014/main" xmlns="" id="{26718B29-6C20-479E-AE58-DE1C3204A38E}"/>
               </a:ext>
             </a:extLst>
           </p:cNvPr>
@@ -3693,7 +3722,7 @@
           <p:cNvPr id="11" name="Rectangle 10">
             <a:extLst>
               <a:ext uri="{FF2B5EF4-FFF2-40B4-BE49-F238E27FC236}">
-                <a16:creationId xmlns="" xmlns:a16="http://schemas.microsoft.com/office/drawing/2014/main" id="{FE624033-C1CA-4427-AACE-F7F9B1361379}"/>
+                <a16:creationId xmlns:a16="http://schemas.microsoft.com/office/drawing/2014/main" xmlns="" id="{FE624033-C1CA-4427-AACE-F7F9B1361379}"/>
               </a:ext>
             </a:extLst>
           </p:cNvPr>
@@ -3727,7 +3756,7 @@
           <p:cNvPr id="12" name="Rectangle 11">
             <a:extLst>
               <a:ext uri="{FF2B5EF4-FFF2-40B4-BE49-F238E27FC236}">
-                <a16:creationId xmlns="" xmlns:a16="http://schemas.microsoft.com/office/drawing/2014/main" id="{09601D39-D95B-4180-8979-7E3BB734E253}"/>
+                <a16:creationId xmlns:a16="http://schemas.microsoft.com/office/drawing/2014/main" xmlns="" id="{09601D39-D95B-4180-8979-7E3BB734E253}"/>
               </a:ext>
             </a:extLst>
           </p:cNvPr>
@@ -3761,7 +3790,7 @@
           <p:cNvPr id="13" name="Rectangle 12">
             <a:extLst>
               <a:ext uri="{FF2B5EF4-FFF2-40B4-BE49-F238E27FC236}">
-                <a16:creationId xmlns="" xmlns:a16="http://schemas.microsoft.com/office/drawing/2014/main" id="{98ACAEB2-E733-4986-BEC8-3234D8DEFA85}"/>
+                <a16:creationId xmlns:a16="http://schemas.microsoft.com/office/drawing/2014/main" xmlns="" id="{98ACAEB2-E733-4986-BEC8-3234D8DEFA85}"/>
               </a:ext>
             </a:extLst>
           </p:cNvPr>
@@ -4093,7 +4122,7 @@
   <a:extraClrSchemeLst/>
   <a:extLst>
     <a:ext uri="{05A4C25C-085E-4340-85A3-A5531E510DB2}">
-      <thm15:themeFamily xmlns="" xmlns:thm15="http://schemas.microsoft.com/office/thememl/2012/main" name="Office Theme" id="{62F939B6-93AF-4DB8-9C6B-D6C7DFDC589F}" vid="{4A3C46E8-61CC-4603-A589-7422A47A8E4A}"/>
+      <thm15:themeFamily xmlns:thm15="http://schemas.microsoft.com/office/thememl/2012/main" xmlns="" name="Office Theme" id="{62F939B6-93AF-4DB8-9C6B-D6C7DFDC589F}" vid="{4A3C46E8-61CC-4603-A589-7422A47A8E4A}"/>
     </a:ext>
   </a:extLst>
 </a:theme>

--- a/NPV_Statitical Anlysis of Diabetes Dataset/team.pptx
+++ b/NPV_Statitical Anlysis of Diabetes Dataset/team.pptx
@@ -106,7 +106,18 @@
   </p:defaultTextStyle>
   <p:extLst>
     <p:ext uri="{EFAFB233-063F-42B5-8137-9DF3F51BA10A}">
-      <p15:sldGuideLst xmlns:p15="http://schemas.microsoft.com/office/powerpoint/2012/main" xmlns=""/>
+      <p15:sldGuideLst xmlns:p15="http://schemas.microsoft.com/office/powerpoint/2012/main">
+        <p15:guide id="1" orient="horz" pos="2160">
+          <p15:clr>
+            <a:srgbClr val="A4A3A4"/>
+          </p15:clr>
+        </p15:guide>
+        <p15:guide id="2" pos="3840">
+          <p15:clr>
+            <a:srgbClr val="A4A3A4"/>
+          </p15:clr>
+        </p15:guide>
+      </p15:sldGuideLst>
     </p:ext>
   </p:extLst>
 </p:presentation>
@@ -134,7 +145,7 @@
           <p:cNvPr id="2" name="Title 1">
             <a:extLst>
               <a:ext uri="{FF2B5EF4-FFF2-40B4-BE49-F238E27FC236}">
-                <a16:creationId xmlns:a16="http://schemas.microsoft.com/office/drawing/2014/main" xmlns="" id="{A63EC736-9F3D-45FA-A094-344B7C968BB2}"/>
+                <a16:creationId xmlns:a16="http://schemas.microsoft.com/office/drawing/2014/main" id="{A63EC736-9F3D-45FA-A094-344B7C968BB2}"/>
               </a:ext>
             </a:extLst>
           </p:cNvPr>
@@ -171,7 +182,7 @@
           <p:cNvPr id="3" name="Subtitle 2">
             <a:extLst>
               <a:ext uri="{FF2B5EF4-FFF2-40B4-BE49-F238E27FC236}">
-                <a16:creationId xmlns:a16="http://schemas.microsoft.com/office/drawing/2014/main" xmlns="" id="{0C6FD3EF-04EC-43FF-9EC9-A88240CE7E81}"/>
+                <a16:creationId xmlns:a16="http://schemas.microsoft.com/office/drawing/2014/main" id="{0C6FD3EF-04EC-43FF-9EC9-A88240CE7E81}"/>
               </a:ext>
             </a:extLst>
           </p:cNvPr>
@@ -241,7 +252,7 @@
           <p:cNvPr id="4" name="Date Placeholder 3">
             <a:extLst>
               <a:ext uri="{FF2B5EF4-FFF2-40B4-BE49-F238E27FC236}">
-                <a16:creationId xmlns:a16="http://schemas.microsoft.com/office/drawing/2014/main" xmlns="" id="{E54746D7-F53A-4AB5-82BB-168CC988B2E4}"/>
+                <a16:creationId xmlns:a16="http://schemas.microsoft.com/office/drawing/2014/main" id="{E54746D7-F53A-4AB5-82BB-168CC988B2E4}"/>
               </a:ext>
             </a:extLst>
           </p:cNvPr>
@@ -259,7 +270,7 @@
           <a:p>
             <a:fld id="{1B694823-1AD5-41CB-B83E-861DF0C32322}" type="datetimeFigureOut">
               <a:rPr lang="en-US" smtClean="0"/>
-              <a:t>4/1/2021</a:t>
+              <a:t>02/04/2021</a:t>
             </a:fld>
             <a:endParaRPr lang="en-US"/>
           </a:p>
@@ -270,7 +281,7 @@
           <p:cNvPr id="5" name="Footer Placeholder 4">
             <a:extLst>
               <a:ext uri="{FF2B5EF4-FFF2-40B4-BE49-F238E27FC236}">
-                <a16:creationId xmlns:a16="http://schemas.microsoft.com/office/drawing/2014/main" xmlns="" id="{62ABDB6E-1337-40C7-A73B-02ABC98179B7}"/>
+                <a16:creationId xmlns:a16="http://schemas.microsoft.com/office/drawing/2014/main" id="{62ABDB6E-1337-40C7-A73B-02ABC98179B7}"/>
               </a:ext>
             </a:extLst>
           </p:cNvPr>
@@ -295,7 +306,7 @@
           <p:cNvPr id="6" name="Slide Number Placeholder 5">
             <a:extLst>
               <a:ext uri="{FF2B5EF4-FFF2-40B4-BE49-F238E27FC236}">
-                <a16:creationId xmlns:a16="http://schemas.microsoft.com/office/drawing/2014/main" xmlns="" id="{8670223D-0D8D-4C96-856A-4FC7F8130C67}"/>
+                <a16:creationId xmlns:a16="http://schemas.microsoft.com/office/drawing/2014/main" id="{8670223D-0D8D-4C96-856A-4FC7F8130C67}"/>
               </a:ext>
             </a:extLst>
           </p:cNvPr>
@@ -354,7 +365,7 @@
           <p:cNvPr id="2" name="Title 1">
             <a:extLst>
               <a:ext uri="{FF2B5EF4-FFF2-40B4-BE49-F238E27FC236}">
-                <a16:creationId xmlns:a16="http://schemas.microsoft.com/office/drawing/2014/main" xmlns="" id="{634FFE70-D31B-4103-8D73-11260CB14395}"/>
+                <a16:creationId xmlns:a16="http://schemas.microsoft.com/office/drawing/2014/main" id="{634FFE70-D31B-4103-8D73-11260CB14395}"/>
               </a:ext>
             </a:extLst>
           </p:cNvPr>
@@ -382,7 +393,7 @@
           <p:cNvPr id="3" name="Vertical Text Placeholder 2">
             <a:extLst>
               <a:ext uri="{FF2B5EF4-FFF2-40B4-BE49-F238E27FC236}">
-                <a16:creationId xmlns:a16="http://schemas.microsoft.com/office/drawing/2014/main" xmlns="" id="{6EA78BD8-35CE-4AEC-898D-11B85302B773}"/>
+                <a16:creationId xmlns:a16="http://schemas.microsoft.com/office/drawing/2014/main" id="{6EA78BD8-35CE-4AEC-898D-11B85302B773}"/>
               </a:ext>
             </a:extLst>
           </p:cNvPr>
@@ -439,7 +450,7 @@
           <p:cNvPr id="4" name="Date Placeholder 3">
             <a:extLst>
               <a:ext uri="{FF2B5EF4-FFF2-40B4-BE49-F238E27FC236}">
-                <a16:creationId xmlns:a16="http://schemas.microsoft.com/office/drawing/2014/main" xmlns="" id="{689D5C5A-A96E-446C-9B6D-808E8E16B327}"/>
+                <a16:creationId xmlns:a16="http://schemas.microsoft.com/office/drawing/2014/main" id="{689D5C5A-A96E-446C-9B6D-808E8E16B327}"/>
               </a:ext>
             </a:extLst>
           </p:cNvPr>
@@ -457,7 +468,7 @@
           <a:p>
             <a:fld id="{1B694823-1AD5-41CB-B83E-861DF0C32322}" type="datetimeFigureOut">
               <a:rPr lang="en-US" smtClean="0"/>
-              <a:t>4/1/2021</a:t>
+              <a:t>02/04/2021</a:t>
             </a:fld>
             <a:endParaRPr lang="en-US"/>
           </a:p>
@@ -468,7 +479,7 @@
           <p:cNvPr id="5" name="Footer Placeholder 4">
             <a:extLst>
               <a:ext uri="{FF2B5EF4-FFF2-40B4-BE49-F238E27FC236}">
-                <a16:creationId xmlns:a16="http://schemas.microsoft.com/office/drawing/2014/main" xmlns="" id="{1539F5F2-69A5-4035-B6FA-EF66276E375B}"/>
+                <a16:creationId xmlns:a16="http://schemas.microsoft.com/office/drawing/2014/main" id="{1539F5F2-69A5-4035-B6FA-EF66276E375B}"/>
               </a:ext>
             </a:extLst>
           </p:cNvPr>
@@ -493,7 +504,7 @@
           <p:cNvPr id="6" name="Slide Number Placeholder 5">
             <a:extLst>
               <a:ext uri="{FF2B5EF4-FFF2-40B4-BE49-F238E27FC236}">
-                <a16:creationId xmlns:a16="http://schemas.microsoft.com/office/drawing/2014/main" xmlns="" id="{79CD72E1-E592-4971-99D4-6E8DD7A1D70B}"/>
+                <a16:creationId xmlns:a16="http://schemas.microsoft.com/office/drawing/2014/main" id="{79CD72E1-E592-4971-99D4-6E8DD7A1D70B}"/>
               </a:ext>
             </a:extLst>
           </p:cNvPr>
@@ -552,7 +563,7 @@
           <p:cNvPr id="2" name="Vertical Title 1">
             <a:extLst>
               <a:ext uri="{FF2B5EF4-FFF2-40B4-BE49-F238E27FC236}">
-                <a16:creationId xmlns:a16="http://schemas.microsoft.com/office/drawing/2014/main" xmlns="" id="{5CF6B3B2-1292-4E89-8F67-FF3EF41923A1}"/>
+                <a16:creationId xmlns:a16="http://schemas.microsoft.com/office/drawing/2014/main" id="{5CF6B3B2-1292-4E89-8F67-FF3EF41923A1}"/>
               </a:ext>
             </a:extLst>
           </p:cNvPr>
@@ -585,7 +596,7 @@
           <p:cNvPr id="3" name="Vertical Text Placeholder 2">
             <a:extLst>
               <a:ext uri="{FF2B5EF4-FFF2-40B4-BE49-F238E27FC236}">
-                <a16:creationId xmlns:a16="http://schemas.microsoft.com/office/drawing/2014/main" xmlns="" id="{C5FC53FE-4C5A-4DF8-9677-F3ED6ED7F550}"/>
+                <a16:creationId xmlns:a16="http://schemas.microsoft.com/office/drawing/2014/main" id="{C5FC53FE-4C5A-4DF8-9677-F3ED6ED7F550}"/>
               </a:ext>
             </a:extLst>
           </p:cNvPr>
@@ -647,7 +658,7 @@
           <p:cNvPr id="4" name="Date Placeholder 3">
             <a:extLst>
               <a:ext uri="{FF2B5EF4-FFF2-40B4-BE49-F238E27FC236}">
-                <a16:creationId xmlns:a16="http://schemas.microsoft.com/office/drawing/2014/main" xmlns="" id="{63918EE3-87BE-4BE1-9783-65064EA03971}"/>
+                <a16:creationId xmlns:a16="http://schemas.microsoft.com/office/drawing/2014/main" id="{63918EE3-87BE-4BE1-9783-65064EA03971}"/>
               </a:ext>
             </a:extLst>
           </p:cNvPr>
@@ -665,7 +676,7 @@
           <a:p>
             <a:fld id="{1B694823-1AD5-41CB-B83E-861DF0C32322}" type="datetimeFigureOut">
               <a:rPr lang="en-US" smtClean="0"/>
-              <a:t>4/1/2021</a:t>
+              <a:t>02/04/2021</a:t>
             </a:fld>
             <a:endParaRPr lang="en-US"/>
           </a:p>
@@ -676,7 +687,7 @@
           <p:cNvPr id="5" name="Footer Placeholder 4">
             <a:extLst>
               <a:ext uri="{FF2B5EF4-FFF2-40B4-BE49-F238E27FC236}">
-                <a16:creationId xmlns:a16="http://schemas.microsoft.com/office/drawing/2014/main" xmlns="" id="{894F03CE-3EE0-418A-94C5-4E8494B5A267}"/>
+                <a16:creationId xmlns:a16="http://schemas.microsoft.com/office/drawing/2014/main" id="{894F03CE-3EE0-418A-94C5-4E8494B5A267}"/>
               </a:ext>
             </a:extLst>
           </p:cNvPr>
@@ -701,7 +712,7 @@
           <p:cNvPr id="6" name="Slide Number Placeholder 5">
             <a:extLst>
               <a:ext uri="{FF2B5EF4-FFF2-40B4-BE49-F238E27FC236}">
-                <a16:creationId xmlns:a16="http://schemas.microsoft.com/office/drawing/2014/main" xmlns="" id="{825D9F46-FE53-4CA6-8CA7-6A8E2E9E10BD}"/>
+                <a16:creationId xmlns:a16="http://schemas.microsoft.com/office/drawing/2014/main" id="{825D9F46-FE53-4CA6-8CA7-6A8E2E9E10BD}"/>
               </a:ext>
             </a:extLst>
           </p:cNvPr>
@@ -760,7 +771,7 @@
           <p:cNvPr id="2" name="Title 1">
             <a:extLst>
               <a:ext uri="{FF2B5EF4-FFF2-40B4-BE49-F238E27FC236}">
-                <a16:creationId xmlns:a16="http://schemas.microsoft.com/office/drawing/2014/main" xmlns="" id="{CBE3E2B8-FAB0-41CA-BD5A-73F2F5F5B5CC}"/>
+                <a16:creationId xmlns:a16="http://schemas.microsoft.com/office/drawing/2014/main" id="{CBE3E2B8-FAB0-41CA-BD5A-73F2F5F5B5CC}"/>
               </a:ext>
             </a:extLst>
           </p:cNvPr>
@@ -788,7 +799,7 @@
           <p:cNvPr id="3" name="Content Placeholder 2">
             <a:extLst>
               <a:ext uri="{FF2B5EF4-FFF2-40B4-BE49-F238E27FC236}">
-                <a16:creationId xmlns:a16="http://schemas.microsoft.com/office/drawing/2014/main" xmlns="" id="{2BB63E90-011B-4274-ADB9-BFB0A851C60D}"/>
+                <a16:creationId xmlns:a16="http://schemas.microsoft.com/office/drawing/2014/main" id="{2BB63E90-011B-4274-ADB9-BFB0A851C60D}"/>
               </a:ext>
             </a:extLst>
           </p:cNvPr>
@@ -845,7 +856,7 @@
           <p:cNvPr id="4" name="Date Placeholder 3">
             <a:extLst>
               <a:ext uri="{FF2B5EF4-FFF2-40B4-BE49-F238E27FC236}">
-                <a16:creationId xmlns:a16="http://schemas.microsoft.com/office/drawing/2014/main" xmlns="" id="{FC53765C-B7F9-48A0-9AD8-94EEFD994F74}"/>
+                <a16:creationId xmlns:a16="http://schemas.microsoft.com/office/drawing/2014/main" id="{FC53765C-B7F9-48A0-9AD8-94EEFD994F74}"/>
               </a:ext>
             </a:extLst>
           </p:cNvPr>
@@ -863,7 +874,7 @@
           <a:p>
             <a:fld id="{1B694823-1AD5-41CB-B83E-861DF0C32322}" type="datetimeFigureOut">
               <a:rPr lang="en-US" smtClean="0"/>
-              <a:t>4/1/2021</a:t>
+              <a:t>02/04/2021</a:t>
             </a:fld>
             <a:endParaRPr lang="en-US"/>
           </a:p>
@@ -874,7 +885,7 @@
           <p:cNvPr id="5" name="Footer Placeholder 4">
             <a:extLst>
               <a:ext uri="{FF2B5EF4-FFF2-40B4-BE49-F238E27FC236}">
-                <a16:creationId xmlns:a16="http://schemas.microsoft.com/office/drawing/2014/main" xmlns="" id="{D1CA6D41-079C-4A63-BEBF-6FAED49A5EEB}"/>
+                <a16:creationId xmlns:a16="http://schemas.microsoft.com/office/drawing/2014/main" id="{D1CA6D41-079C-4A63-BEBF-6FAED49A5EEB}"/>
               </a:ext>
             </a:extLst>
           </p:cNvPr>
@@ -899,7 +910,7 @@
           <p:cNvPr id="6" name="Slide Number Placeholder 5">
             <a:extLst>
               <a:ext uri="{FF2B5EF4-FFF2-40B4-BE49-F238E27FC236}">
-                <a16:creationId xmlns:a16="http://schemas.microsoft.com/office/drawing/2014/main" xmlns="" id="{59579009-854F-4A40-B438-E192835A0755}"/>
+                <a16:creationId xmlns:a16="http://schemas.microsoft.com/office/drawing/2014/main" id="{59579009-854F-4A40-B438-E192835A0755}"/>
               </a:ext>
             </a:extLst>
           </p:cNvPr>
@@ -958,7 +969,7 @@
           <p:cNvPr id="2" name="Title 1">
             <a:extLst>
               <a:ext uri="{FF2B5EF4-FFF2-40B4-BE49-F238E27FC236}">
-                <a16:creationId xmlns:a16="http://schemas.microsoft.com/office/drawing/2014/main" xmlns="" id="{0BE948C8-FBCE-4CC7-9719-726AD3AB6A42}"/>
+                <a16:creationId xmlns:a16="http://schemas.microsoft.com/office/drawing/2014/main" id="{0BE948C8-FBCE-4CC7-9719-726AD3AB6A42}"/>
               </a:ext>
             </a:extLst>
           </p:cNvPr>
@@ -995,7 +1006,7 @@
           <p:cNvPr id="3" name="Text Placeholder 2">
             <a:extLst>
               <a:ext uri="{FF2B5EF4-FFF2-40B4-BE49-F238E27FC236}">
-                <a16:creationId xmlns:a16="http://schemas.microsoft.com/office/drawing/2014/main" xmlns="" id="{706CE389-3853-422D-BE42-F4CB71BBD9D9}"/>
+                <a16:creationId xmlns:a16="http://schemas.microsoft.com/office/drawing/2014/main" id="{706CE389-3853-422D-BE42-F4CB71BBD9D9}"/>
               </a:ext>
             </a:extLst>
           </p:cNvPr>
@@ -1120,7 +1131,7 @@
           <p:cNvPr id="4" name="Date Placeholder 3">
             <a:extLst>
               <a:ext uri="{FF2B5EF4-FFF2-40B4-BE49-F238E27FC236}">
-                <a16:creationId xmlns:a16="http://schemas.microsoft.com/office/drawing/2014/main" xmlns="" id="{99913F53-CB0D-4029-9CD0-FA29C07C57F4}"/>
+                <a16:creationId xmlns:a16="http://schemas.microsoft.com/office/drawing/2014/main" id="{99913F53-CB0D-4029-9CD0-FA29C07C57F4}"/>
               </a:ext>
             </a:extLst>
           </p:cNvPr>
@@ -1138,7 +1149,7 @@
           <a:p>
             <a:fld id="{1B694823-1AD5-41CB-B83E-861DF0C32322}" type="datetimeFigureOut">
               <a:rPr lang="en-US" smtClean="0"/>
-              <a:t>4/1/2021</a:t>
+              <a:t>02/04/2021</a:t>
             </a:fld>
             <a:endParaRPr lang="en-US"/>
           </a:p>
@@ -1149,7 +1160,7 @@
           <p:cNvPr id="5" name="Footer Placeholder 4">
             <a:extLst>
               <a:ext uri="{FF2B5EF4-FFF2-40B4-BE49-F238E27FC236}">
-                <a16:creationId xmlns:a16="http://schemas.microsoft.com/office/drawing/2014/main" xmlns="" id="{7CCC8FBC-55C9-422E-8C3B-34B3B8DCB527}"/>
+                <a16:creationId xmlns:a16="http://schemas.microsoft.com/office/drawing/2014/main" id="{7CCC8FBC-55C9-422E-8C3B-34B3B8DCB527}"/>
               </a:ext>
             </a:extLst>
           </p:cNvPr>
@@ -1174,7 +1185,7 @@
           <p:cNvPr id="6" name="Slide Number Placeholder 5">
             <a:extLst>
               <a:ext uri="{FF2B5EF4-FFF2-40B4-BE49-F238E27FC236}">
-                <a16:creationId xmlns:a16="http://schemas.microsoft.com/office/drawing/2014/main" xmlns="" id="{67686B23-AA94-4004-B8EF-6AD4C5E61AA4}"/>
+                <a16:creationId xmlns:a16="http://schemas.microsoft.com/office/drawing/2014/main" id="{67686B23-AA94-4004-B8EF-6AD4C5E61AA4}"/>
               </a:ext>
             </a:extLst>
           </p:cNvPr>
@@ -1233,7 +1244,7 @@
           <p:cNvPr id="2" name="Title 1">
             <a:extLst>
               <a:ext uri="{FF2B5EF4-FFF2-40B4-BE49-F238E27FC236}">
-                <a16:creationId xmlns:a16="http://schemas.microsoft.com/office/drawing/2014/main" xmlns="" id="{67959307-D73F-426A-AC00-39F1EDA53BE7}"/>
+                <a16:creationId xmlns:a16="http://schemas.microsoft.com/office/drawing/2014/main" id="{67959307-D73F-426A-AC00-39F1EDA53BE7}"/>
               </a:ext>
             </a:extLst>
           </p:cNvPr>
@@ -1261,7 +1272,7 @@
           <p:cNvPr id="3" name="Content Placeholder 2">
             <a:extLst>
               <a:ext uri="{FF2B5EF4-FFF2-40B4-BE49-F238E27FC236}">
-                <a16:creationId xmlns:a16="http://schemas.microsoft.com/office/drawing/2014/main" xmlns="" id="{A6509B0A-B4EF-4D7A-A397-86AD97A2F816}"/>
+                <a16:creationId xmlns:a16="http://schemas.microsoft.com/office/drawing/2014/main" id="{A6509B0A-B4EF-4D7A-A397-86AD97A2F816}"/>
               </a:ext>
             </a:extLst>
           </p:cNvPr>
@@ -1323,7 +1334,7 @@
           <p:cNvPr id="4" name="Content Placeholder 3">
             <a:extLst>
               <a:ext uri="{FF2B5EF4-FFF2-40B4-BE49-F238E27FC236}">
-                <a16:creationId xmlns:a16="http://schemas.microsoft.com/office/drawing/2014/main" xmlns="" id="{C6981626-7AC2-4EB6-A57F-64C77A5BCEE9}"/>
+                <a16:creationId xmlns:a16="http://schemas.microsoft.com/office/drawing/2014/main" id="{C6981626-7AC2-4EB6-A57F-64C77A5BCEE9}"/>
               </a:ext>
             </a:extLst>
           </p:cNvPr>
@@ -1385,7 +1396,7 @@
           <p:cNvPr id="5" name="Date Placeholder 4">
             <a:extLst>
               <a:ext uri="{FF2B5EF4-FFF2-40B4-BE49-F238E27FC236}">
-                <a16:creationId xmlns:a16="http://schemas.microsoft.com/office/drawing/2014/main" xmlns="" id="{2DDD8A84-9213-49D9-B076-F638EB5BD149}"/>
+                <a16:creationId xmlns:a16="http://schemas.microsoft.com/office/drawing/2014/main" id="{2DDD8A84-9213-49D9-B076-F638EB5BD149}"/>
               </a:ext>
             </a:extLst>
           </p:cNvPr>
@@ -1403,7 +1414,7 @@
           <a:p>
             <a:fld id="{1B694823-1AD5-41CB-B83E-861DF0C32322}" type="datetimeFigureOut">
               <a:rPr lang="en-US" smtClean="0"/>
-              <a:t>4/1/2021</a:t>
+              <a:t>02/04/2021</a:t>
             </a:fld>
             <a:endParaRPr lang="en-US"/>
           </a:p>
@@ -1414,7 +1425,7 @@
           <p:cNvPr id="6" name="Footer Placeholder 5">
             <a:extLst>
               <a:ext uri="{FF2B5EF4-FFF2-40B4-BE49-F238E27FC236}">
-                <a16:creationId xmlns:a16="http://schemas.microsoft.com/office/drawing/2014/main" xmlns="" id="{75EE78A4-1A86-4DE3-BFB7-E284409309A2}"/>
+                <a16:creationId xmlns:a16="http://schemas.microsoft.com/office/drawing/2014/main" id="{75EE78A4-1A86-4DE3-BFB7-E284409309A2}"/>
               </a:ext>
             </a:extLst>
           </p:cNvPr>
@@ -1439,7 +1450,7 @@
           <p:cNvPr id="7" name="Slide Number Placeholder 6">
             <a:extLst>
               <a:ext uri="{FF2B5EF4-FFF2-40B4-BE49-F238E27FC236}">
-                <a16:creationId xmlns:a16="http://schemas.microsoft.com/office/drawing/2014/main" xmlns="" id="{2D20653C-BCD9-48AF-BED6-9148F1BF1AD3}"/>
+                <a16:creationId xmlns:a16="http://schemas.microsoft.com/office/drawing/2014/main" id="{2D20653C-BCD9-48AF-BED6-9148F1BF1AD3}"/>
               </a:ext>
             </a:extLst>
           </p:cNvPr>
@@ -1498,7 +1509,7 @@
           <p:cNvPr id="2" name="Title 1">
             <a:extLst>
               <a:ext uri="{FF2B5EF4-FFF2-40B4-BE49-F238E27FC236}">
-                <a16:creationId xmlns:a16="http://schemas.microsoft.com/office/drawing/2014/main" xmlns="" id="{22421AD7-C086-4679-91EF-EB0ADD905645}"/>
+                <a16:creationId xmlns:a16="http://schemas.microsoft.com/office/drawing/2014/main" id="{22421AD7-C086-4679-91EF-EB0ADD905645}"/>
               </a:ext>
             </a:extLst>
           </p:cNvPr>
@@ -1531,7 +1542,7 @@
           <p:cNvPr id="3" name="Text Placeholder 2">
             <a:extLst>
               <a:ext uri="{FF2B5EF4-FFF2-40B4-BE49-F238E27FC236}">
-                <a16:creationId xmlns:a16="http://schemas.microsoft.com/office/drawing/2014/main" xmlns="" id="{5C6C21D8-7076-4CBA-B221-0873D5B68ED3}"/>
+                <a16:creationId xmlns:a16="http://schemas.microsoft.com/office/drawing/2014/main" id="{5C6C21D8-7076-4CBA-B221-0873D5B68ED3}"/>
               </a:ext>
             </a:extLst>
           </p:cNvPr>
@@ -1602,7 +1613,7 @@
           <p:cNvPr id="4" name="Content Placeholder 3">
             <a:extLst>
               <a:ext uri="{FF2B5EF4-FFF2-40B4-BE49-F238E27FC236}">
-                <a16:creationId xmlns:a16="http://schemas.microsoft.com/office/drawing/2014/main" xmlns="" id="{D26E93EF-3847-4752-8DB2-655A5421DC9B}"/>
+                <a16:creationId xmlns:a16="http://schemas.microsoft.com/office/drawing/2014/main" id="{D26E93EF-3847-4752-8DB2-655A5421DC9B}"/>
               </a:ext>
             </a:extLst>
           </p:cNvPr>
@@ -1664,7 +1675,7 @@
           <p:cNvPr id="5" name="Text Placeholder 4">
             <a:extLst>
               <a:ext uri="{FF2B5EF4-FFF2-40B4-BE49-F238E27FC236}">
-                <a16:creationId xmlns:a16="http://schemas.microsoft.com/office/drawing/2014/main" xmlns="" id="{3B108CC2-C9F0-4009-A9F8-4376EDC8F08D}"/>
+                <a16:creationId xmlns:a16="http://schemas.microsoft.com/office/drawing/2014/main" id="{3B108CC2-C9F0-4009-A9F8-4376EDC8F08D}"/>
               </a:ext>
             </a:extLst>
           </p:cNvPr>
@@ -1735,7 +1746,7 @@
           <p:cNvPr id="6" name="Content Placeholder 5">
             <a:extLst>
               <a:ext uri="{FF2B5EF4-FFF2-40B4-BE49-F238E27FC236}">
-                <a16:creationId xmlns:a16="http://schemas.microsoft.com/office/drawing/2014/main" xmlns="" id="{17163591-25D4-405C-826A-CC706808F175}"/>
+                <a16:creationId xmlns:a16="http://schemas.microsoft.com/office/drawing/2014/main" id="{17163591-25D4-405C-826A-CC706808F175}"/>
               </a:ext>
             </a:extLst>
           </p:cNvPr>
@@ -1797,7 +1808,7 @@
           <p:cNvPr id="7" name="Date Placeholder 6">
             <a:extLst>
               <a:ext uri="{FF2B5EF4-FFF2-40B4-BE49-F238E27FC236}">
-                <a16:creationId xmlns:a16="http://schemas.microsoft.com/office/drawing/2014/main" xmlns="" id="{B5BB4EFF-B36D-4BC1-B65D-5AC280A79881}"/>
+                <a16:creationId xmlns:a16="http://schemas.microsoft.com/office/drawing/2014/main" id="{B5BB4EFF-B36D-4BC1-B65D-5AC280A79881}"/>
               </a:ext>
             </a:extLst>
           </p:cNvPr>
@@ -1815,7 +1826,7 @@
           <a:p>
             <a:fld id="{1B694823-1AD5-41CB-B83E-861DF0C32322}" type="datetimeFigureOut">
               <a:rPr lang="en-US" smtClean="0"/>
-              <a:t>4/1/2021</a:t>
+              <a:t>02/04/2021</a:t>
             </a:fld>
             <a:endParaRPr lang="en-US"/>
           </a:p>
@@ -1826,7 +1837,7 @@
           <p:cNvPr id="8" name="Footer Placeholder 7">
             <a:extLst>
               <a:ext uri="{FF2B5EF4-FFF2-40B4-BE49-F238E27FC236}">
-                <a16:creationId xmlns:a16="http://schemas.microsoft.com/office/drawing/2014/main" xmlns="" id="{284E1546-E539-41EE-AC47-FEC44DA56517}"/>
+                <a16:creationId xmlns:a16="http://schemas.microsoft.com/office/drawing/2014/main" id="{284E1546-E539-41EE-AC47-FEC44DA56517}"/>
               </a:ext>
             </a:extLst>
           </p:cNvPr>
@@ -1851,7 +1862,7 @@
           <p:cNvPr id="9" name="Slide Number Placeholder 8">
             <a:extLst>
               <a:ext uri="{FF2B5EF4-FFF2-40B4-BE49-F238E27FC236}">
-                <a16:creationId xmlns:a16="http://schemas.microsoft.com/office/drawing/2014/main" xmlns="" id="{D9E81E0E-0A36-4568-B8A2-E6CD8326965B}"/>
+                <a16:creationId xmlns:a16="http://schemas.microsoft.com/office/drawing/2014/main" id="{D9E81E0E-0A36-4568-B8A2-E6CD8326965B}"/>
               </a:ext>
             </a:extLst>
           </p:cNvPr>
@@ -1910,7 +1921,7 @@
           <p:cNvPr id="2" name="Title 1">
             <a:extLst>
               <a:ext uri="{FF2B5EF4-FFF2-40B4-BE49-F238E27FC236}">
-                <a16:creationId xmlns:a16="http://schemas.microsoft.com/office/drawing/2014/main" xmlns="" id="{DE8B6F76-57EF-4DD7-9638-4C6737EC4DAC}"/>
+                <a16:creationId xmlns:a16="http://schemas.microsoft.com/office/drawing/2014/main" id="{DE8B6F76-57EF-4DD7-9638-4C6737EC4DAC}"/>
               </a:ext>
             </a:extLst>
           </p:cNvPr>
@@ -1938,7 +1949,7 @@
           <p:cNvPr id="3" name="Date Placeholder 2">
             <a:extLst>
               <a:ext uri="{FF2B5EF4-FFF2-40B4-BE49-F238E27FC236}">
-                <a16:creationId xmlns:a16="http://schemas.microsoft.com/office/drawing/2014/main" xmlns="" id="{3C45DC08-9F39-47DE-935B-0BCA04F06F38}"/>
+                <a16:creationId xmlns:a16="http://schemas.microsoft.com/office/drawing/2014/main" id="{3C45DC08-9F39-47DE-935B-0BCA04F06F38}"/>
               </a:ext>
             </a:extLst>
           </p:cNvPr>
@@ -1956,7 +1967,7 @@
           <a:p>
             <a:fld id="{1B694823-1AD5-41CB-B83E-861DF0C32322}" type="datetimeFigureOut">
               <a:rPr lang="en-US" smtClean="0"/>
-              <a:t>4/1/2021</a:t>
+              <a:t>02/04/2021</a:t>
             </a:fld>
             <a:endParaRPr lang="en-US"/>
           </a:p>
@@ -1967,7 +1978,7 @@
           <p:cNvPr id="4" name="Footer Placeholder 3">
             <a:extLst>
               <a:ext uri="{FF2B5EF4-FFF2-40B4-BE49-F238E27FC236}">
-                <a16:creationId xmlns:a16="http://schemas.microsoft.com/office/drawing/2014/main" xmlns="" id="{EA1BBE6F-C22C-4B4A-A064-BEC783A8E732}"/>
+                <a16:creationId xmlns:a16="http://schemas.microsoft.com/office/drawing/2014/main" id="{EA1BBE6F-C22C-4B4A-A064-BEC783A8E732}"/>
               </a:ext>
             </a:extLst>
           </p:cNvPr>
@@ -1992,7 +2003,7 @@
           <p:cNvPr id="5" name="Slide Number Placeholder 4">
             <a:extLst>
               <a:ext uri="{FF2B5EF4-FFF2-40B4-BE49-F238E27FC236}">
-                <a16:creationId xmlns:a16="http://schemas.microsoft.com/office/drawing/2014/main" xmlns="" id="{00034B6F-8395-423C-A056-850A19A9629F}"/>
+                <a16:creationId xmlns:a16="http://schemas.microsoft.com/office/drawing/2014/main" id="{00034B6F-8395-423C-A056-850A19A9629F}"/>
               </a:ext>
             </a:extLst>
           </p:cNvPr>
@@ -2051,7 +2062,7 @@
           <p:cNvPr id="2" name="Date Placeholder 1">
             <a:extLst>
               <a:ext uri="{FF2B5EF4-FFF2-40B4-BE49-F238E27FC236}">
-                <a16:creationId xmlns:a16="http://schemas.microsoft.com/office/drawing/2014/main" xmlns="" id="{373BB607-5507-40CD-B1AA-CB14A1CB7929}"/>
+                <a16:creationId xmlns:a16="http://schemas.microsoft.com/office/drawing/2014/main" id="{373BB607-5507-40CD-B1AA-CB14A1CB7929}"/>
               </a:ext>
             </a:extLst>
           </p:cNvPr>
@@ -2069,7 +2080,7 @@
           <a:p>
             <a:fld id="{1B694823-1AD5-41CB-B83E-861DF0C32322}" type="datetimeFigureOut">
               <a:rPr lang="en-US" smtClean="0"/>
-              <a:t>4/1/2021</a:t>
+              <a:t>02/04/2021</a:t>
             </a:fld>
             <a:endParaRPr lang="en-US"/>
           </a:p>
@@ -2080,7 +2091,7 @@
           <p:cNvPr id="3" name="Footer Placeholder 2">
             <a:extLst>
               <a:ext uri="{FF2B5EF4-FFF2-40B4-BE49-F238E27FC236}">
-                <a16:creationId xmlns:a16="http://schemas.microsoft.com/office/drawing/2014/main" xmlns="" id="{98B4C0E4-8016-4348-ACBC-C3FBDF279C50}"/>
+                <a16:creationId xmlns:a16="http://schemas.microsoft.com/office/drawing/2014/main" id="{98B4C0E4-8016-4348-ACBC-C3FBDF279C50}"/>
               </a:ext>
             </a:extLst>
           </p:cNvPr>
@@ -2105,7 +2116,7 @@
           <p:cNvPr id="4" name="Slide Number Placeholder 3">
             <a:extLst>
               <a:ext uri="{FF2B5EF4-FFF2-40B4-BE49-F238E27FC236}">
-                <a16:creationId xmlns:a16="http://schemas.microsoft.com/office/drawing/2014/main" xmlns="" id="{8ED4A2EF-60E2-4BFB-ACB5-F59262CFD8DC}"/>
+                <a16:creationId xmlns:a16="http://schemas.microsoft.com/office/drawing/2014/main" id="{8ED4A2EF-60E2-4BFB-ACB5-F59262CFD8DC}"/>
               </a:ext>
             </a:extLst>
           </p:cNvPr>
@@ -2164,7 +2175,7 @@
           <p:cNvPr id="2" name="Title 1">
             <a:extLst>
               <a:ext uri="{FF2B5EF4-FFF2-40B4-BE49-F238E27FC236}">
-                <a16:creationId xmlns:a16="http://schemas.microsoft.com/office/drawing/2014/main" xmlns="" id="{47BF17BD-F3AB-4E0E-A14A-B134D0FCAF7D}"/>
+                <a16:creationId xmlns:a16="http://schemas.microsoft.com/office/drawing/2014/main" id="{47BF17BD-F3AB-4E0E-A14A-B134D0FCAF7D}"/>
               </a:ext>
             </a:extLst>
           </p:cNvPr>
@@ -2201,7 +2212,7 @@
           <p:cNvPr id="3" name="Content Placeholder 2">
             <a:extLst>
               <a:ext uri="{FF2B5EF4-FFF2-40B4-BE49-F238E27FC236}">
-                <a16:creationId xmlns:a16="http://schemas.microsoft.com/office/drawing/2014/main" xmlns="" id="{A26AFD2A-FB4D-4A94-B44E-9E2B06CC5A55}"/>
+                <a16:creationId xmlns:a16="http://schemas.microsoft.com/office/drawing/2014/main" id="{A26AFD2A-FB4D-4A94-B44E-9E2B06CC5A55}"/>
               </a:ext>
             </a:extLst>
           </p:cNvPr>
@@ -2291,7 +2302,7 @@
           <p:cNvPr id="4" name="Text Placeholder 3">
             <a:extLst>
               <a:ext uri="{FF2B5EF4-FFF2-40B4-BE49-F238E27FC236}">
-                <a16:creationId xmlns:a16="http://schemas.microsoft.com/office/drawing/2014/main" xmlns="" id="{DF4E39F0-6EE2-4A0E-A50E-D114180EBB3B}"/>
+                <a16:creationId xmlns:a16="http://schemas.microsoft.com/office/drawing/2014/main" id="{DF4E39F0-6EE2-4A0E-A50E-D114180EBB3B}"/>
               </a:ext>
             </a:extLst>
           </p:cNvPr>
@@ -2362,7 +2373,7 @@
           <p:cNvPr id="5" name="Date Placeholder 4">
             <a:extLst>
               <a:ext uri="{FF2B5EF4-FFF2-40B4-BE49-F238E27FC236}">
-                <a16:creationId xmlns:a16="http://schemas.microsoft.com/office/drawing/2014/main" xmlns="" id="{357EF30D-37A1-4DBE-B122-78D7523819E6}"/>
+                <a16:creationId xmlns:a16="http://schemas.microsoft.com/office/drawing/2014/main" id="{357EF30D-37A1-4DBE-B122-78D7523819E6}"/>
               </a:ext>
             </a:extLst>
           </p:cNvPr>
@@ -2380,7 +2391,7 @@
           <a:p>
             <a:fld id="{1B694823-1AD5-41CB-B83E-861DF0C32322}" type="datetimeFigureOut">
               <a:rPr lang="en-US" smtClean="0"/>
-              <a:t>4/1/2021</a:t>
+              <a:t>02/04/2021</a:t>
             </a:fld>
             <a:endParaRPr lang="en-US"/>
           </a:p>
@@ -2391,7 +2402,7 @@
           <p:cNvPr id="6" name="Footer Placeholder 5">
             <a:extLst>
               <a:ext uri="{FF2B5EF4-FFF2-40B4-BE49-F238E27FC236}">
-                <a16:creationId xmlns:a16="http://schemas.microsoft.com/office/drawing/2014/main" xmlns="" id="{D45D9E8D-499A-4BD3-9237-8513622FEA93}"/>
+                <a16:creationId xmlns:a16="http://schemas.microsoft.com/office/drawing/2014/main" id="{D45D9E8D-499A-4BD3-9237-8513622FEA93}"/>
               </a:ext>
             </a:extLst>
           </p:cNvPr>
@@ -2416,7 +2427,7 @@
           <p:cNvPr id="7" name="Slide Number Placeholder 6">
             <a:extLst>
               <a:ext uri="{FF2B5EF4-FFF2-40B4-BE49-F238E27FC236}">
-                <a16:creationId xmlns:a16="http://schemas.microsoft.com/office/drawing/2014/main" xmlns="" id="{BBE270F4-C44D-4EFE-9538-F7F3FBC6BA09}"/>
+                <a16:creationId xmlns:a16="http://schemas.microsoft.com/office/drawing/2014/main" id="{BBE270F4-C44D-4EFE-9538-F7F3FBC6BA09}"/>
               </a:ext>
             </a:extLst>
           </p:cNvPr>
@@ -2475,7 +2486,7 @@
           <p:cNvPr id="2" name="Title 1">
             <a:extLst>
               <a:ext uri="{FF2B5EF4-FFF2-40B4-BE49-F238E27FC236}">
-                <a16:creationId xmlns:a16="http://schemas.microsoft.com/office/drawing/2014/main" xmlns="" id="{EC63859C-B35D-4AB8-A6C9-F57381633CB1}"/>
+                <a16:creationId xmlns:a16="http://schemas.microsoft.com/office/drawing/2014/main" id="{EC63859C-B35D-4AB8-A6C9-F57381633CB1}"/>
               </a:ext>
             </a:extLst>
           </p:cNvPr>
@@ -2512,7 +2523,7 @@
           <p:cNvPr id="3" name="Picture Placeholder 2">
             <a:extLst>
               <a:ext uri="{FF2B5EF4-FFF2-40B4-BE49-F238E27FC236}">
-                <a16:creationId xmlns:a16="http://schemas.microsoft.com/office/drawing/2014/main" xmlns="" id="{87A7A11B-B107-43E2-93C4-1D2C42A30037}"/>
+                <a16:creationId xmlns:a16="http://schemas.microsoft.com/office/drawing/2014/main" id="{87A7A11B-B107-43E2-93C4-1D2C42A30037}"/>
               </a:ext>
             </a:extLst>
           </p:cNvPr>
@@ -2579,7 +2590,7 @@
           <p:cNvPr id="4" name="Text Placeholder 3">
             <a:extLst>
               <a:ext uri="{FF2B5EF4-FFF2-40B4-BE49-F238E27FC236}">
-                <a16:creationId xmlns:a16="http://schemas.microsoft.com/office/drawing/2014/main" xmlns="" id="{64C924E0-E145-4A67-ACA1-EFF194304AA6}"/>
+                <a16:creationId xmlns:a16="http://schemas.microsoft.com/office/drawing/2014/main" id="{64C924E0-E145-4A67-ACA1-EFF194304AA6}"/>
               </a:ext>
             </a:extLst>
           </p:cNvPr>
@@ -2650,7 +2661,7 @@
           <p:cNvPr id="5" name="Date Placeholder 4">
             <a:extLst>
               <a:ext uri="{FF2B5EF4-FFF2-40B4-BE49-F238E27FC236}">
-                <a16:creationId xmlns:a16="http://schemas.microsoft.com/office/drawing/2014/main" xmlns="" id="{6A32C46C-8997-4412-946C-AC5D6CABFCC2}"/>
+                <a16:creationId xmlns:a16="http://schemas.microsoft.com/office/drawing/2014/main" id="{6A32C46C-8997-4412-946C-AC5D6CABFCC2}"/>
               </a:ext>
             </a:extLst>
           </p:cNvPr>
@@ -2668,7 +2679,7 @@
           <a:p>
             <a:fld id="{1B694823-1AD5-41CB-B83E-861DF0C32322}" type="datetimeFigureOut">
               <a:rPr lang="en-US" smtClean="0"/>
-              <a:t>4/1/2021</a:t>
+              <a:t>02/04/2021</a:t>
             </a:fld>
             <a:endParaRPr lang="en-US"/>
           </a:p>
@@ -2679,7 +2690,7 @@
           <p:cNvPr id="6" name="Footer Placeholder 5">
             <a:extLst>
               <a:ext uri="{FF2B5EF4-FFF2-40B4-BE49-F238E27FC236}">
-                <a16:creationId xmlns:a16="http://schemas.microsoft.com/office/drawing/2014/main" xmlns="" id="{7B0C5A79-CDE4-4E7E-A692-9883A41387A0}"/>
+                <a16:creationId xmlns:a16="http://schemas.microsoft.com/office/drawing/2014/main" id="{7B0C5A79-CDE4-4E7E-A692-9883A41387A0}"/>
               </a:ext>
             </a:extLst>
           </p:cNvPr>
@@ -2704,7 +2715,7 @@
           <p:cNvPr id="7" name="Slide Number Placeholder 6">
             <a:extLst>
               <a:ext uri="{FF2B5EF4-FFF2-40B4-BE49-F238E27FC236}">
-                <a16:creationId xmlns:a16="http://schemas.microsoft.com/office/drawing/2014/main" xmlns="" id="{43D2AE23-7AD0-4A60-9BB3-9F650DC3BC6A}"/>
+                <a16:creationId xmlns:a16="http://schemas.microsoft.com/office/drawing/2014/main" id="{43D2AE23-7AD0-4A60-9BB3-9F650DC3BC6A}"/>
               </a:ext>
             </a:extLst>
           </p:cNvPr>
@@ -2768,7 +2779,7 @@
           <p:cNvPr id="2" name="Title Placeholder 1">
             <a:extLst>
               <a:ext uri="{FF2B5EF4-FFF2-40B4-BE49-F238E27FC236}">
-                <a16:creationId xmlns:a16="http://schemas.microsoft.com/office/drawing/2014/main" xmlns="" id="{885AB671-559A-4614-AED5-75BD5242F9B4}"/>
+                <a16:creationId xmlns:a16="http://schemas.microsoft.com/office/drawing/2014/main" id="{885AB671-559A-4614-AED5-75BD5242F9B4}"/>
               </a:ext>
             </a:extLst>
           </p:cNvPr>
@@ -2806,7 +2817,7 @@
           <p:cNvPr id="3" name="Text Placeholder 2">
             <a:extLst>
               <a:ext uri="{FF2B5EF4-FFF2-40B4-BE49-F238E27FC236}">
-                <a16:creationId xmlns:a16="http://schemas.microsoft.com/office/drawing/2014/main" xmlns="" id="{84343A12-FD1C-44AB-B881-AA969299F75C}"/>
+                <a16:creationId xmlns:a16="http://schemas.microsoft.com/office/drawing/2014/main" id="{84343A12-FD1C-44AB-B881-AA969299F75C}"/>
               </a:ext>
             </a:extLst>
           </p:cNvPr>
@@ -2873,7 +2884,7 @@
           <p:cNvPr id="4" name="Date Placeholder 3">
             <a:extLst>
               <a:ext uri="{FF2B5EF4-FFF2-40B4-BE49-F238E27FC236}">
-                <a16:creationId xmlns:a16="http://schemas.microsoft.com/office/drawing/2014/main" xmlns="" id="{B46D6347-7D5A-418A-9DF3-ADB0BD134A88}"/>
+                <a16:creationId xmlns:a16="http://schemas.microsoft.com/office/drawing/2014/main" id="{B46D6347-7D5A-418A-9DF3-ADB0BD134A88}"/>
               </a:ext>
             </a:extLst>
           </p:cNvPr>
@@ -2909,7 +2920,7 @@
           <a:p>
             <a:fld id="{1B694823-1AD5-41CB-B83E-861DF0C32322}" type="datetimeFigureOut">
               <a:rPr lang="en-US" smtClean="0"/>
-              <a:t>4/1/2021</a:t>
+              <a:t>02/04/2021</a:t>
             </a:fld>
             <a:endParaRPr lang="en-US"/>
           </a:p>
@@ -2920,7 +2931,7 @@
           <p:cNvPr id="5" name="Footer Placeholder 4">
             <a:extLst>
               <a:ext uri="{FF2B5EF4-FFF2-40B4-BE49-F238E27FC236}">
-                <a16:creationId xmlns:a16="http://schemas.microsoft.com/office/drawing/2014/main" xmlns="" id="{C8EEAF8F-4991-468A-8BE9-A8079BC9122D}"/>
+                <a16:creationId xmlns:a16="http://schemas.microsoft.com/office/drawing/2014/main" id="{C8EEAF8F-4991-468A-8BE9-A8079BC9122D}"/>
               </a:ext>
             </a:extLst>
           </p:cNvPr>
@@ -2963,7 +2974,7 @@
           <p:cNvPr id="6" name="Slide Number Placeholder 5">
             <a:extLst>
               <a:ext uri="{FF2B5EF4-FFF2-40B4-BE49-F238E27FC236}">
-                <a16:creationId xmlns:a16="http://schemas.microsoft.com/office/drawing/2014/main" xmlns="" id="{D9E0E645-0462-4433-A6BD-A4A51F8D0FCD}"/>
+                <a16:creationId xmlns:a16="http://schemas.microsoft.com/office/drawing/2014/main" id="{D9E0E645-0462-4433-A6BD-A4A51F8D0FCD}"/>
               </a:ext>
             </a:extLst>
           </p:cNvPr>
@@ -3331,7 +3342,7 @@
           <p:cNvPr id="4" name="Oval 3">
             <a:extLst>
               <a:ext uri="{FF2B5EF4-FFF2-40B4-BE49-F238E27FC236}">
-                <a16:creationId xmlns:a16="http://schemas.microsoft.com/office/drawing/2014/main" xmlns="" id="{1EF872D6-872E-4CC3-AAD3-14411D9C0993}"/>
+                <a16:creationId xmlns:a16="http://schemas.microsoft.com/office/drawing/2014/main" id="{1EF872D6-872E-4CC3-AAD3-14411D9C0993}"/>
               </a:ext>
             </a:extLst>
           </p:cNvPr>
@@ -3398,7 +3409,7 @@
           <p:cNvPr id="5" name="Oval 4">
             <a:extLst>
               <a:ext uri="{FF2B5EF4-FFF2-40B4-BE49-F238E27FC236}">
-                <a16:creationId xmlns:a16="http://schemas.microsoft.com/office/drawing/2014/main" xmlns="" id="{168B4A4F-FF43-4B76-90BE-90DC6965840A}"/>
+                <a16:creationId xmlns:a16="http://schemas.microsoft.com/office/drawing/2014/main" id="{168B4A4F-FF43-4B76-90BE-90DC6965840A}"/>
               </a:ext>
             </a:extLst>
           </p:cNvPr>
@@ -3462,7 +3473,7 @@
           <p:cNvPr id="6" name="Oval 5">
             <a:extLst>
               <a:ext uri="{FF2B5EF4-FFF2-40B4-BE49-F238E27FC236}">
-                <a16:creationId xmlns:a16="http://schemas.microsoft.com/office/drawing/2014/main" xmlns="" id="{6F7B785B-5400-4F99-8EA2-F573C0FE0E3E}"/>
+                <a16:creationId xmlns:a16="http://schemas.microsoft.com/office/drawing/2014/main" id="{6F7B785B-5400-4F99-8EA2-F573C0FE0E3E}"/>
               </a:ext>
             </a:extLst>
           </p:cNvPr>
@@ -3477,12 +3488,12 @@
           <a:prstGeom prst="ellipse">
             <a:avLst/>
           </a:prstGeom>
-          <a:solidFill>
-            <a:schemeClr val="accent6">
-              <a:lumMod val="40000"/>
-              <a:lumOff val="60000"/>
-            </a:schemeClr>
-          </a:solidFill>
+          <a:blipFill>
+            <a:blip r:embed="rId6"/>
+            <a:stretch>
+              <a:fillRect/>
+            </a:stretch>
+          </a:blipFill>
         </p:spPr>
         <p:style>
           <a:lnRef idx="2">
@@ -3514,7 +3525,7 @@
           <p:cNvPr id="7" name="Oval 6">
             <a:extLst>
               <a:ext uri="{FF2B5EF4-FFF2-40B4-BE49-F238E27FC236}">
-                <a16:creationId xmlns:a16="http://schemas.microsoft.com/office/drawing/2014/main" xmlns="" id="{37D03BF4-8FE8-4156-B03F-352E33C9248B}"/>
+                <a16:creationId xmlns:a16="http://schemas.microsoft.com/office/drawing/2014/main" id="{37D03BF4-8FE8-4156-B03F-352E33C9248B}"/>
               </a:ext>
             </a:extLst>
           </p:cNvPr>
@@ -3530,7 +3541,7 @@
             <a:avLst/>
           </a:prstGeom>
           <a:blipFill>
-            <a:blip r:embed="rId6"/>
+            <a:blip r:embed="rId7"/>
             <a:srcRect/>
             <a:stretch>
               <a:fillRect l="-18114" r="-13962"/>
@@ -3567,7 +3578,7 @@
           <p:cNvPr id="8" name="Oval 7">
             <a:extLst>
               <a:ext uri="{FF2B5EF4-FFF2-40B4-BE49-F238E27FC236}">
-                <a16:creationId xmlns:a16="http://schemas.microsoft.com/office/drawing/2014/main" xmlns="" id="{BF9B2CE8-A8C6-4576-93B0-8706FFA01678}"/>
+                <a16:creationId xmlns:a16="http://schemas.microsoft.com/office/drawing/2014/main" id="{BF9B2CE8-A8C6-4576-93B0-8706FFA01678}"/>
               </a:ext>
             </a:extLst>
           </p:cNvPr>
@@ -3583,7 +3594,7 @@
             <a:avLst/>
           </a:prstGeom>
           <a:blipFill>
-            <a:blip r:embed="rId7"/>
+            <a:blip r:embed="rId8"/>
             <a:srcRect/>
             <a:stretch>
               <a:fillRect l="4038" r="-264"/>
@@ -3620,7 +3631,7 @@
           <p:cNvPr id="3" name="Rectangle 2">
             <a:extLst>
               <a:ext uri="{FF2B5EF4-FFF2-40B4-BE49-F238E27FC236}">
-                <a16:creationId xmlns:a16="http://schemas.microsoft.com/office/drawing/2014/main" xmlns="" id="{1C0142B0-6B24-4BED-9912-407A866901D1}"/>
+                <a16:creationId xmlns:a16="http://schemas.microsoft.com/office/drawing/2014/main" id="{1C0142B0-6B24-4BED-9912-407A866901D1}"/>
               </a:ext>
             </a:extLst>
           </p:cNvPr>
@@ -3654,7 +3665,7 @@
           <p:cNvPr id="9" name="Rectangle 8">
             <a:extLst>
               <a:ext uri="{FF2B5EF4-FFF2-40B4-BE49-F238E27FC236}">
-                <a16:creationId xmlns:a16="http://schemas.microsoft.com/office/drawing/2014/main" xmlns="" id="{D71155C5-7F0A-41A5-AB61-7E985BBCE9B7}"/>
+                <a16:creationId xmlns:a16="http://schemas.microsoft.com/office/drawing/2014/main" id="{D71155C5-7F0A-41A5-AB61-7E985BBCE9B7}"/>
               </a:ext>
             </a:extLst>
           </p:cNvPr>
@@ -3688,7 +3699,7 @@
           <p:cNvPr id="10" name="Rectangle 9">
             <a:extLst>
               <a:ext uri="{FF2B5EF4-FFF2-40B4-BE49-F238E27FC236}">
-                <a16:creationId xmlns:a16="http://schemas.microsoft.com/office/drawing/2014/main" xmlns="" id="{26718B29-6C20-479E-AE58-DE1C3204A38E}"/>
+                <a16:creationId xmlns:a16="http://schemas.microsoft.com/office/drawing/2014/main" id="{26718B29-6C20-479E-AE58-DE1C3204A38E}"/>
               </a:ext>
             </a:extLst>
           </p:cNvPr>
@@ -3722,7 +3733,7 @@
           <p:cNvPr id="11" name="Rectangle 10">
             <a:extLst>
               <a:ext uri="{FF2B5EF4-FFF2-40B4-BE49-F238E27FC236}">
-                <a16:creationId xmlns:a16="http://schemas.microsoft.com/office/drawing/2014/main" xmlns="" id="{FE624033-C1CA-4427-AACE-F7F9B1361379}"/>
+                <a16:creationId xmlns:a16="http://schemas.microsoft.com/office/drawing/2014/main" id="{FE624033-C1CA-4427-AACE-F7F9B1361379}"/>
               </a:ext>
             </a:extLst>
           </p:cNvPr>
@@ -3756,7 +3767,7 @@
           <p:cNvPr id="12" name="Rectangle 11">
             <a:extLst>
               <a:ext uri="{FF2B5EF4-FFF2-40B4-BE49-F238E27FC236}">
-                <a16:creationId xmlns:a16="http://schemas.microsoft.com/office/drawing/2014/main" xmlns="" id="{09601D39-D95B-4180-8979-7E3BB734E253}"/>
+                <a16:creationId xmlns:a16="http://schemas.microsoft.com/office/drawing/2014/main" id="{09601D39-D95B-4180-8979-7E3BB734E253}"/>
               </a:ext>
             </a:extLst>
           </p:cNvPr>
@@ -3790,7 +3801,7 @@
           <p:cNvPr id="13" name="Rectangle 12">
             <a:extLst>
               <a:ext uri="{FF2B5EF4-FFF2-40B4-BE49-F238E27FC236}">
-                <a16:creationId xmlns:a16="http://schemas.microsoft.com/office/drawing/2014/main" xmlns="" id="{98ACAEB2-E733-4986-BEC8-3234D8DEFA85}"/>
+                <a16:creationId xmlns:a16="http://schemas.microsoft.com/office/drawing/2014/main" id="{98ACAEB2-E733-4986-BEC8-3234D8DEFA85}"/>
               </a:ext>
             </a:extLst>
           </p:cNvPr>
@@ -4122,7 +4133,7 @@
   <a:extraClrSchemeLst/>
   <a:extLst>
     <a:ext uri="{05A4C25C-085E-4340-85A3-A5531E510DB2}">
-      <thm15:themeFamily xmlns:thm15="http://schemas.microsoft.com/office/thememl/2012/main" xmlns="" name="Office Theme" id="{62F939B6-93AF-4DB8-9C6B-D6C7DFDC589F}" vid="{4A3C46E8-61CC-4603-A589-7422A47A8E4A}"/>
+      <thm15:themeFamily xmlns:thm15="http://schemas.microsoft.com/office/thememl/2012/main" name="Office Theme" id="{62F939B6-93AF-4DB8-9C6B-D6C7DFDC589F}" vid="{4A3C46E8-61CC-4603-A589-7422A47A8E4A}"/>
     </a:ext>
   </a:extLst>
 </a:theme>
